--- a/SPACE FUN.pptx
+++ b/SPACE FUN.pptx
@@ -7,6 +7,13 @@
   <p:sldIdLst>
     <p:sldId id="256" r:id="rId2"/>
     <p:sldId id="257" r:id="rId3"/>
+    <p:sldId id="258" r:id="rId4"/>
+    <p:sldId id="259" r:id="rId5"/>
+    <p:sldId id="260" r:id="rId6"/>
+    <p:sldId id="261" r:id="rId7"/>
+    <p:sldId id="262" r:id="rId8"/>
+    <p:sldId id="263" r:id="rId9"/>
+    <p:sldId id="264" r:id="rId10"/>
   </p:sldIdLst>
   <p:sldSz cx="12192000" cy="6858000"/>
   <p:notesSz cx="6858000" cy="9144000"/>
@@ -105,6 +112,11 @@
       </a:defRPr>
     </a:lvl9pPr>
   </p:defaultTextStyle>
+  <p:extLst>
+    <p:ext uri="{EFAFB233-063F-42B5-8137-9DF3F51BA10A}">
+      <p15:sldGuideLst xmlns:p15="http://schemas.microsoft.com/office/powerpoint/2012/main"/>
+    </p:ext>
+  </p:extLst>
 </p:presentation>
 </file>
 
@@ -3009,7 +3021,22 @@
                   </a:outerShdw>
                 </a:effectLst>
               </a:rPr>
-              <a:t>SPACE FUN</a:t>
+              <a:t>SPACE </a:t>
+            </a:r>
+            <a:r>
+              <a:rPr lang="en-US" sz="8800" b="1" dirty="0" smtClean="0">
+                <a:solidFill>
+                  <a:schemeClr val="bg1"/>
+                </a:solidFill>
+                <a:effectLst>
+                  <a:outerShdw blurRad="38100" dist="38100" dir="2700000" algn="tl">
+                    <a:srgbClr val="000000">
+                      <a:alpha val="43137"/>
+                    </a:srgbClr>
+                  </a:outerShdw>
+                </a:effectLst>
+              </a:rPr>
+              <a:t>FUN</a:t>
             </a:r>
             <a:endParaRPr lang="bg-BG" sz="8800" b="1" dirty="0">
               <a:solidFill>
@@ -3081,6 +3108,13 @@
   <p:clrMapOvr>
     <a:masterClrMapping/>
   </p:clrMapOvr>
+  <p:timing>
+    <p:tnLst>
+      <p:par>
+        <p:cTn id="1" dur="indefinite" restart="never" nodeType="tmRoot"/>
+      </p:par>
+    </p:tnLst>
+  </p:timing>
 </p:sld>
 </file>
 
@@ -3127,12 +3161,14 @@
         </p:nvSpPr>
         <p:spPr/>
         <p:txBody>
-          <a:bodyPr/>
+          <a:bodyPr>
+            <a:normAutofit/>
+          </a:bodyPr>
           <a:lstStyle/>
           <a:p>
             <a:pPr algn="ctr"/>
             <a:r>
-              <a:rPr lang="bg-BG" b="1" dirty="0" smtClean="0">
+              <a:rPr lang="bg-BG" sz="4800" b="1" dirty="0" smtClean="0">
                 <a:solidFill>
                   <a:schemeClr val="bg1"/>
                 </a:solidFill>
@@ -3145,6 +3181,649 @@
                 </a:effectLst>
               </a:rPr>
               <a:t>Представителите на тима</a:t>
+            </a:r>
+            <a:endParaRPr lang="bg-BG" sz="4800" b="1" dirty="0">
+              <a:solidFill>
+                <a:schemeClr val="bg1"/>
+              </a:solidFill>
+              <a:effectLst>
+                <a:outerShdw blurRad="38100" dist="38100" dir="2700000" algn="tl">
+                  <a:srgbClr val="000000">
+                    <a:alpha val="43137"/>
+                  </a:srgbClr>
+                </a:outerShdw>
+              </a:effectLst>
+            </a:endParaRPr>
+          </a:p>
+        </p:txBody>
+      </p:sp>
+      <p:sp>
+        <p:nvSpPr>
+          <p:cNvPr id="3" name="Content Placeholder 2"/>
+          <p:cNvSpPr>
+            <a:spLocks noGrp="1"/>
+          </p:cNvSpPr>
+          <p:nvPr>
+            <p:ph idx="1"/>
+          </p:nvPr>
+        </p:nvSpPr>
+        <p:spPr/>
+        <p:txBody>
+          <a:bodyPr>
+            <a:normAutofit/>
+          </a:bodyPr>
+          <a:lstStyle/>
+          <a:p>
+            <a:r>
+              <a:rPr lang="bg-BG" sz="4000" dirty="0" smtClean="0">
+                <a:solidFill>
+                  <a:schemeClr val="bg1"/>
+                </a:solidFill>
+              </a:rPr>
+              <a:t>Александър Малинов – 8б</a:t>
+            </a:r>
+          </a:p>
+          <a:p>
+            <a:r>
+              <a:rPr lang="bg-BG" sz="4000" dirty="0" smtClean="0">
+                <a:solidFill>
+                  <a:schemeClr val="bg1"/>
+                </a:solidFill>
+              </a:rPr>
+              <a:t>Антон Николов – 8б</a:t>
+            </a:r>
+          </a:p>
+          <a:p>
+            <a:r>
+              <a:rPr lang="bg-BG" sz="4000" dirty="0" smtClean="0">
+                <a:solidFill>
+                  <a:schemeClr val="bg1"/>
+                </a:solidFill>
+              </a:rPr>
+              <a:t>Мартин Дойчинов – 8б</a:t>
+            </a:r>
+            <a:endParaRPr lang="bg-BG" sz="4000" dirty="0">
+              <a:solidFill>
+                <a:schemeClr val="bg1"/>
+              </a:solidFill>
+            </a:endParaRPr>
+          </a:p>
+        </p:txBody>
+      </p:sp>
+    </p:spTree>
+    <p:extLst>
+      <p:ext uri="{BB962C8B-B14F-4D97-AF65-F5344CB8AC3E}">
+        <p14:creationId xmlns:p14="http://schemas.microsoft.com/office/powerpoint/2010/main" val="2726970939"/>
+      </p:ext>
+    </p:extLst>
+  </p:cSld>
+  <p:clrMapOvr>
+    <a:masterClrMapping/>
+  </p:clrMapOvr>
+  <p:timing>
+    <p:tnLst>
+      <p:par>
+        <p:cTn id="1" dur="indefinite" restart="never" nodeType="tmRoot"/>
+      </p:par>
+    </p:tnLst>
+  </p:timing>
+</p:sld>
+</file>
+
+<file path=ppt/slides/slide3.xml><?xml version="1.0" encoding="utf-8"?>
+<p:sld xmlns:a="http://schemas.openxmlformats.org/drawingml/2006/main" xmlns:r="http://schemas.openxmlformats.org/officeDocument/2006/relationships" xmlns:p="http://schemas.openxmlformats.org/presentationml/2006/main">
+  <p:cSld>
+    <p:bg>
+      <p:bgPr>
+        <a:blipFill dpi="0" rotWithShape="1">
+          <a:blip r:embed="rId2">
+            <a:lum/>
+          </a:blip>
+          <a:srcRect/>
+          <a:stretch>
+            <a:fillRect/>
+          </a:stretch>
+        </a:blipFill>
+        <a:effectLst/>
+      </p:bgPr>
+    </p:bg>
+    <p:spTree>
+      <p:nvGrpSpPr>
+        <p:cNvPr id="1" name=""/>
+        <p:cNvGrpSpPr/>
+        <p:nvPr/>
+      </p:nvGrpSpPr>
+      <p:grpSpPr>
+        <a:xfrm>
+          <a:off x="0" y="0"/>
+          <a:ext cx="0" cy="0"/>
+          <a:chOff x="0" y="0"/>
+          <a:chExt cx="0" cy="0"/>
+        </a:xfrm>
+      </p:grpSpPr>
+      <p:sp>
+        <p:nvSpPr>
+          <p:cNvPr id="2" name="Title 1"/>
+          <p:cNvSpPr>
+            <a:spLocks noGrp="1"/>
+          </p:cNvSpPr>
+          <p:nvPr>
+            <p:ph type="title"/>
+          </p:nvPr>
+        </p:nvSpPr>
+        <p:spPr/>
+        <p:txBody>
+          <a:bodyPr>
+            <a:normAutofit/>
+          </a:bodyPr>
+          <a:lstStyle/>
+          <a:p>
+            <a:pPr algn="ctr"/>
+            <a:r>
+              <a:rPr lang="en-US" sz="5400" b="1" dirty="0" smtClean="0">
+                <a:solidFill>
+                  <a:schemeClr val="bg1"/>
+                </a:solidFill>
+                <a:effectLst>
+                  <a:outerShdw blurRad="38100" dist="38100" dir="2700000" algn="tl">
+                    <a:srgbClr val="000000">
+                      <a:alpha val="43137"/>
+                    </a:srgbClr>
+                  </a:outerShdw>
+                </a:effectLst>
+              </a:rPr>
+              <a:t>SPACE RECYCLER</a:t>
+            </a:r>
+            <a:endParaRPr lang="bg-BG" sz="5400" b="1" dirty="0">
+              <a:solidFill>
+                <a:schemeClr val="bg1"/>
+              </a:solidFill>
+              <a:effectLst>
+                <a:outerShdw blurRad="38100" dist="38100" dir="2700000" algn="tl">
+                  <a:srgbClr val="000000">
+                    <a:alpha val="43137"/>
+                  </a:srgbClr>
+                </a:outerShdw>
+              </a:effectLst>
+            </a:endParaRPr>
+          </a:p>
+        </p:txBody>
+      </p:sp>
+      <p:sp>
+        <p:nvSpPr>
+          <p:cNvPr id="3" name="Content Placeholder 2"/>
+          <p:cNvSpPr>
+            <a:spLocks noGrp="1"/>
+          </p:cNvSpPr>
+          <p:nvPr>
+            <p:ph idx="1"/>
+          </p:nvPr>
+        </p:nvSpPr>
+        <p:spPr/>
+        <p:txBody>
+          <a:bodyPr>
+            <a:normAutofit/>
+          </a:bodyPr>
+          <a:lstStyle/>
+          <a:p>
+            <a:r>
+              <a:rPr lang="bg-BG" sz="3600" b="1" dirty="0" smtClean="0">
+                <a:solidFill>
+                  <a:schemeClr val="bg1"/>
+                </a:solidFill>
+                <a:effectLst>
+                  <a:outerShdw blurRad="38100" dist="38100" dir="2700000" algn="tl">
+                    <a:srgbClr val="000000">
+                      <a:alpha val="43137"/>
+                    </a:srgbClr>
+                  </a:outerShdw>
+                </a:effectLst>
+              </a:rPr>
+              <a:t>Целта на проекта е да се покаже, че боклукът трябва да се рециклира.</a:t>
+            </a:r>
+          </a:p>
+          <a:p>
+            <a:r>
+              <a:rPr lang="bg-BG" sz="3600" b="1" dirty="0" smtClean="0">
+                <a:solidFill>
+                  <a:schemeClr val="bg1"/>
+                </a:solidFill>
+                <a:effectLst>
+                  <a:outerShdw blurRad="38100" dist="38100" dir="2700000" algn="tl">
+                    <a:srgbClr val="000000">
+                      <a:alpha val="43137"/>
+                    </a:srgbClr>
+                  </a:outerShdw>
+                </a:effectLst>
+              </a:rPr>
+              <a:t>Героят в играта е робот, който обикаля и събира натрупалия се около Земята боклук . Около Земята обикалят астероиди, от които роботът трябва да се пази.</a:t>
+            </a:r>
+            <a:endParaRPr lang="bg-BG" sz="3600" b="1" dirty="0">
+              <a:solidFill>
+                <a:schemeClr val="bg1"/>
+              </a:solidFill>
+              <a:effectLst>
+                <a:outerShdw blurRad="38100" dist="38100" dir="2700000" algn="tl">
+                  <a:srgbClr val="000000">
+                    <a:alpha val="43137"/>
+                  </a:srgbClr>
+                </a:outerShdw>
+              </a:effectLst>
+            </a:endParaRPr>
+          </a:p>
+        </p:txBody>
+      </p:sp>
+    </p:spTree>
+    <p:extLst>
+      <p:ext uri="{BB962C8B-B14F-4D97-AF65-F5344CB8AC3E}">
+        <p14:creationId xmlns:p14="http://schemas.microsoft.com/office/powerpoint/2010/main" val="4254477541"/>
+      </p:ext>
+    </p:extLst>
+  </p:cSld>
+  <p:clrMapOvr>
+    <a:masterClrMapping/>
+  </p:clrMapOvr>
+</p:sld>
+</file>
+
+<file path=ppt/slides/slide4.xml><?xml version="1.0" encoding="utf-8"?>
+<p:sld xmlns:a="http://schemas.openxmlformats.org/drawingml/2006/main" xmlns:r="http://schemas.openxmlformats.org/officeDocument/2006/relationships" xmlns:p="http://schemas.openxmlformats.org/presentationml/2006/main">
+  <p:cSld>
+    <p:bg>
+      <p:bgPr>
+        <a:blipFill dpi="0" rotWithShape="1">
+          <a:blip r:embed="rId2">
+            <a:lum/>
+          </a:blip>
+          <a:srcRect/>
+          <a:stretch>
+            <a:fillRect/>
+          </a:stretch>
+        </a:blipFill>
+        <a:effectLst/>
+      </p:bgPr>
+    </p:bg>
+    <p:spTree>
+      <p:nvGrpSpPr>
+        <p:cNvPr id="1" name=""/>
+        <p:cNvGrpSpPr/>
+        <p:nvPr/>
+      </p:nvGrpSpPr>
+      <p:grpSpPr>
+        <a:xfrm>
+          <a:off x="0" y="0"/>
+          <a:ext cx="0" cy="0"/>
+          <a:chOff x="0" y="0"/>
+          <a:chExt cx="0" cy="0"/>
+        </a:xfrm>
+      </p:grpSpPr>
+      <p:sp>
+        <p:nvSpPr>
+          <p:cNvPr id="2" name="Title 1"/>
+          <p:cNvSpPr>
+            <a:spLocks noGrp="1"/>
+          </p:cNvSpPr>
+          <p:nvPr>
+            <p:ph type="title"/>
+          </p:nvPr>
+        </p:nvSpPr>
+        <p:spPr/>
+        <p:txBody>
+          <a:bodyPr>
+            <a:normAutofit/>
+          </a:bodyPr>
+          <a:lstStyle/>
+          <a:p>
+            <a:pPr algn="ctr"/>
+            <a:r>
+              <a:rPr lang="bg-BG" dirty="0" smtClean="0"/>
+              <a:t>  </a:t>
+            </a:r>
+            <a:r>
+              <a:rPr lang="bg-BG" sz="4800" b="1" dirty="0" smtClean="0">
+                <a:solidFill>
+                  <a:schemeClr val="bg1"/>
+                </a:solidFill>
+                <a:effectLst>
+                  <a:outerShdw blurRad="38100" dist="38100" dir="2700000" algn="tl">
+                    <a:srgbClr val="000000">
+                      <a:alpha val="43137"/>
+                    </a:srgbClr>
+                  </a:outerShdw>
+                </a:effectLst>
+              </a:rPr>
+              <a:t>Представеният в играта проблем</a:t>
+            </a:r>
+            <a:endParaRPr lang="bg-BG" sz="4800" dirty="0"/>
+          </a:p>
+        </p:txBody>
+      </p:sp>
+      <p:sp>
+        <p:nvSpPr>
+          <p:cNvPr id="3" name="Content Placeholder 2"/>
+          <p:cNvSpPr>
+            <a:spLocks noGrp="1"/>
+          </p:cNvSpPr>
+          <p:nvPr>
+            <p:ph idx="1"/>
+          </p:nvPr>
+        </p:nvSpPr>
+        <p:spPr/>
+        <p:txBody>
+          <a:bodyPr>
+            <a:normAutofit/>
+          </a:bodyPr>
+          <a:lstStyle/>
+          <a:p>
+            <a:r>
+              <a:rPr lang="bg-BG" sz="3600" b="1" dirty="0" smtClean="0">
+                <a:solidFill>
+                  <a:schemeClr val="bg1"/>
+                </a:solidFill>
+                <a:effectLst>
+                  <a:outerShdw blurRad="38100" dist="38100" dir="2700000" algn="tl">
+                    <a:srgbClr val="000000">
+                      <a:alpha val="43137"/>
+                    </a:srgbClr>
+                  </a:outerShdw>
+                </a:effectLst>
+              </a:rPr>
+              <a:t>В играта е представен проблемът , свързан с боклука,   който хората не рециклират.</a:t>
+            </a:r>
+            <a:endParaRPr lang="bg-BG" sz="3600" b="1" dirty="0">
+              <a:solidFill>
+                <a:schemeClr val="bg1"/>
+              </a:solidFill>
+              <a:effectLst>
+                <a:outerShdw blurRad="38100" dist="38100" dir="2700000" algn="tl">
+                  <a:srgbClr val="000000">
+                    <a:alpha val="43137"/>
+                  </a:srgbClr>
+                </a:outerShdw>
+              </a:effectLst>
+            </a:endParaRPr>
+          </a:p>
+        </p:txBody>
+      </p:sp>
+    </p:spTree>
+    <p:extLst>
+      <p:ext uri="{BB962C8B-B14F-4D97-AF65-F5344CB8AC3E}">
+        <p14:creationId xmlns:p14="http://schemas.microsoft.com/office/powerpoint/2010/main" val="1994870234"/>
+      </p:ext>
+    </p:extLst>
+  </p:cSld>
+  <p:clrMapOvr>
+    <a:masterClrMapping/>
+  </p:clrMapOvr>
+</p:sld>
+</file>
+
+<file path=ppt/slides/slide5.xml><?xml version="1.0" encoding="utf-8"?>
+<p:sld xmlns:a="http://schemas.openxmlformats.org/drawingml/2006/main" xmlns:r="http://schemas.openxmlformats.org/officeDocument/2006/relationships" xmlns:p="http://schemas.openxmlformats.org/presentationml/2006/main">
+  <p:cSld>
+    <p:bg>
+      <p:bgPr>
+        <a:blipFill dpi="0" rotWithShape="1">
+          <a:blip r:embed="rId2">
+            <a:lum/>
+          </a:blip>
+          <a:srcRect/>
+          <a:stretch>
+            <a:fillRect/>
+          </a:stretch>
+        </a:blipFill>
+        <a:effectLst/>
+      </p:bgPr>
+    </p:bg>
+    <p:spTree>
+      <p:nvGrpSpPr>
+        <p:cNvPr id="1" name=""/>
+        <p:cNvGrpSpPr/>
+        <p:nvPr/>
+      </p:nvGrpSpPr>
+      <p:grpSpPr>
+        <a:xfrm>
+          <a:off x="0" y="0"/>
+          <a:ext cx="0" cy="0"/>
+          <a:chOff x="0" y="0"/>
+          <a:chExt cx="0" cy="0"/>
+        </a:xfrm>
+      </p:grpSpPr>
+      <p:sp>
+        <p:nvSpPr>
+          <p:cNvPr id="2" name="Title 1"/>
+          <p:cNvSpPr>
+            <a:spLocks noGrp="1"/>
+          </p:cNvSpPr>
+          <p:nvPr>
+            <p:ph type="title"/>
+          </p:nvPr>
+        </p:nvSpPr>
+        <p:spPr/>
+        <p:txBody>
+          <a:bodyPr>
+            <a:normAutofit/>
+          </a:bodyPr>
+          <a:lstStyle/>
+          <a:p>
+            <a:pPr algn="ctr"/>
+            <a:r>
+              <a:rPr lang="bg-BG" sz="4800" b="1" dirty="0" smtClean="0">
+                <a:solidFill>
+                  <a:schemeClr val="bg1"/>
+                </a:solidFill>
+                <a:effectLst>
+                  <a:outerShdw blurRad="38100" dist="38100" dir="2700000" algn="tl">
+                    <a:srgbClr val="000000">
+                      <a:alpha val="43137"/>
+                    </a:srgbClr>
+                  </a:outerShdw>
+                </a:effectLst>
+              </a:rPr>
+              <a:t>Технологии</a:t>
+            </a:r>
+            <a:endParaRPr lang="bg-BG" sz="4800" b="1" dirty="0">
+              <a:solidFill>
+                <a:schemeClr val="bg1"/>
+              </a:solidFill>
+              <a:effectLst>
+                <a:outerShdw blurRad="38100" dist="38100" dir="2700000" algn="tl">
+                  <a:srgbClr val="000000">
+                    <a:alpha val="43137"/>
+                  </a:srgbClr>
+                </a:outerShdw>
+              </a:effectLst>
+            </a:endParaRPr>
+          </a:p>
+        </p:txBody>
+      </p:sp>
+      <p:sp>
+        <p:nvSpPr>
+          <p:cNvPr id="3" name="Content Placeholder 2"/>
+          <p:cNvSpPr>
+            <a:spLocks noGrp="1"/>
+          </p:cNvSpPr>
+          <p:nvPr>
+            <p:ph idx="1"/>
+          </p:nvPr>
+        </p:nvSpPr>
+        <p:spPr/>
+        <p:txBody>
+          <a:bodyPr>
+            <a:normAutofit/>
+          </a:bodyPr>
+          <a:lstStyle/>
+          <a:p>
+            <a:r>
+              <a:rPr lang="en-US" sz="3200" b="1" dirty="0" smtClean="0">
+                <a:solidFill>
+                  <a:schemeClr val="bg1"/>
+                </a:solidFill>
+                <a:effectLst>
+                  <a:outerShdw blurRad="38100" dist="38100" dir="2700000" algn="tl">
+                    <a:srgbClr val="000000">
+                      <a:alpha val="43137"/>
+                    </a:srgbClr>
+                  </a:outerShdw>
+                </a:effectLst>
+              </a:rPr>
+              <a:t>JAVASCRIPT</a:t>
+            </a:r>
+          </a:p>
+          <a:p>
+            <a:r>
+              <a:rPr lang="en-US" sz="3200" b="1" dirty="0" smtClean="0">
+                <a:solidFill>
+                  <a:schemeClr val="bg1"/>
+                </a:solidFill>
+                <a:effectLst>
+                  <a:outerShdw blurRad="38100" dist="38100" dir="2700000" algn="tl">
+                    <a:srgbClr val="000000">
+                      <a:alpha val="43137"/>
+                    </a:srgbClr>
+                  </a:outerShdw>
+                </a:effectLst>
+              </a:rPr>
+              <a:t>HTML canvas</a:t>
+            </a:r>
+          </a:p>
+          <a:p>
+            <a:r>
+              <a:rPr lang="en-US" sz="3200" b="1" dirty="0" smtClean="0">
+                <a:solidFill>
+                  <a:schemeClr val="bg1"/>
+                </a:solidFill>
+                <a:effectLst>
+                  <a:outerShdw blurRad="38100" dist="38100" dir="2700000" algn="tl">
+                    <a:srgbClr val="000000">
+                      <a:alpha val="43137"/>
+                    </a:srgbClr>
+                  </a:outerShdw>
+                </a:effectLst>
+              </a:rPr>
+              <a:t>Paint.net</a:t>
+            </a:r>
+          </a:p>
+          <a:p>
+            <a:r>
+              <a:rPr lang="en-US" sz="3200" b="1" dirty="0">
+                <a:solidFill>
+                  <a:schemeClr val="bg1"/>
+                </a:solidFill>
+                <a:effectLst>
+                  <a:outerShdw blurRad="38100" dist="38100" dir="2700000" algn="tl">
+                    <a:srgbClr val="000000">
+                      <a:alpha val="43137"/>
+                    </a:srgbClr>
+                  </a:outerShdw>
+                </a:effectLst>
+              </a:rPr>
+              <a:t>P</a:t>
+            </a:r>
+            <a:r>
+              <a:rPr lang="en-US" sz="3200" b="1" dirty="0" smtClean="0">
+                <a:solidFill>
+                  <a:schemeClr val="bg1"/>
+                </a:solidFill>
+                <a:effectLst>
+                  <a:outerShdw blurRad="38100" dist="38100" dir="2700000" algn="tl">
+                    <a:srgbClr val="000000">
+                      <a:alpha val="43137"/>
+                    </a:srgbClr>
+                  </a:outerShdw>
+                </a:effectLst>
+              </a:rPr>
+              <a:t>hotoshop</a:t>
+            </a:r>
+            <a:endParaRPr lang="bg-BG" sz="3200" b="1" dirty="0">
+              <a:solidFill>
+                <a:schemeClr val="bg1"/>
+              </a:solidFill>
+              <a:effectLst>
+                <a:outerShdw blurRad="38100" dist="38100" dir="2700000" algn="tl">
+                  <a:srgbClr val="000000">
+                    <a:alpha val="43137"/>
+                  </a:srgbClr>
+                </a:outerShdw>
+              </a:effectLst>
+            </a:endParaRPr>
+          </a:p>
+        </p:txBody>
+      </p:sp>
+    </p:spTree>
+    <p:extLst>
+      <p:ext uri="{BB962C8B-B14F-4D97-AF65-F5344CB8AC3E}">
+        <p14:creationId xmlns:p14="http://schemas.microsoft.com/office/powerpoint/2010/main" val="1799215843"/>
+      </p:ext>
+    </p:extLst>
+  </p:cSld>
+  <p:clrMapOvr>
+    <a:masterClrMapping/>
+  </p:clrMapOvr>
+</p:sld>
+</file>
+
+<file path=ppt/slides/slide6.xml><?xml version="1.0" encoding="utf-8"?>
+<p:sld xmlns:a="http://schemas.openxmlformats.org/drawingml/2006/main" xmlns:r="http://schemas.openxmlformats.org/officeDocument/2006/relationships" xmlns:p="http://schemas.openxmlformats.org/presentationml/2006/main">
+  <p:cSld>
+    <p:bg>
+      <p:bgPr>
+        <a:blipFill dpi="0" rotWithShape="1">
+          <a:blip r:embed="rId2">
+            <a:lum/>
+          </a:blip>
+          <a:srcRect/>
+          <a:stretch>
+            <a:fillRect/>
+          </a:stretch>
+        </a:blipFill>
+        <a:effectLst/>
+      </p:bgPr>
+    </p:bg>
+    <p:spTree>
+      <p:nvGrpSpPr>
+        <p:cNvPr id="1" name=""/>
+        <p:cNvGrpSpPr/>
+        <p:nvPr/>
+      </p:nvGrpSpPr>
+      <p:grpSpPr>
+        <a:xfrm>
+          <a:off x="0" y="0"/>
+          <a:ext cx="0" cy="0"/>
+          <a:chOff x="0" y="0"/>
+          <a:chExt cx="0" cy="0"/>
+        </a:xfrm>
+      </p:grpSpPr>
+      <p:sp>
+        <p:nvSpPr>
+          <p:cNvPr id="2" name="Title 1"/>
+          <p:cNvSpPr>
+            <a:spLocks noGrp="1"/>
+          </p:cNvSpPr>
+          <p:nvPr>
+            <p:ph type="title"/>
+          </p:nvPr>
+        </p:nvSpPr>
+        <p:spPr/>
+        <p:txBody>
+          <a:bodyPr/>
+          <a:lstStyle/>
+          <a:p>
+            <a:pPr algn="ctr"/>
+            <a:r>
+              <a:rPr lang="bg-BG" b="1" dirty="0" smtClean="0">
+                <a:solidFill>
+                  <a:schemeClr val="bg1"/>
+                </a:solidFill>
+                <a:effectLst>
+                  <a:outerShdw blurRad="38100" dist="38100" dir="2700000" algn="tl">
+                    <a:srgbClr val="000000">
+                      <a:alpha val="43137"/>
+                    </a:srgbClr>
+                  </a:outerShdw>
+                </a:effectLst>
+              </a:rPr>
+              <a:t>Как работи?</a:t>
             </a:r>
             <a:endParaRPr lang="bg-BG" b="1" dirty="0">
               <a:solidFill>
@@ -3179,34 +3858,104 @@
           <a:lstStyle/>
           <a:p>
             <a:r>
-              <a:rPr lang="bg-BG" sz="4000" dirty="0" smtClean="0">
+              <a:rPr lang="bg-BG" sz="3200" b="1" dirty="0" smtClean="0">
                 <a:solidFill>
                   <a:schemeClr val="bg1"/>
                 </a:solidFill>
+                <a:effectLst>
+                  <a:outerShdw blurRad="38100" dist="38100" dir="2700000" algn="tl">
+                    <a:srgbClr val="000000">
+                      <a:alpha val="43137"/>
+                    </a:srgbClr>
+                  </a:outerShdw>
+                </a:effectLst>
               </a:rPr>
-              <a:t>Александър Малинов – 8б</a:t>
-            </a:r>
-          </a:p>
-          <a:p>
-            <a:r>
-              <a:rPr lang="bg-BG" sz="4000" dirty="0" smtClean="0">
+              <a:t>Главният герой е робот, който събира въртящия се около Земята боклук.  Около планетата обикалят и астероиди. Героят се движи със стрелките. Целта на играта е да се събере максималния брой боклуци – 100.</a:t>
+            </a:r>
+            <a:endParaRPr lang="bg-BG" sz="3200" b="1" dirty="0">
+              <a:solidFill>
+                <a:schemeClr val="bg1"/>
+              </a:solidFill>
+              <a:effectLst>
+                <a:outerShdw blurRad="38100" dist="38100" dir="2700000" algn="tl">
+                  <a:srgbClr val="000000">
+                    <a:alpha val="43137"/>
+                  </a:srgbClr>
+                </a:outerShdw>
+              </a:effectLst>
+            </a:endParaRPr>
+          </a:p>
+        </p:txBody>
+      </p:sp>
+    </p:spTree>
+    <p:extLst>
+      <p:ext uri="{BB962C8B-B14F-4D97-AF65-F5344CB8AC3E}">
+        <p14:creationId xmlns:p14="http://schemas.microsoft.com/office/powerpoint/2010/main" val="11624153"/>
+      </p:ext>
+    </p:extLst>
+  </p:cSld>
+  <p:clrMapOvr>
+    <a:masterClrMapping/>
+  </p:clrMapOvr>
+</p:sld>
+</file>
+
+<file path=ppt/slides/slide7.xml><?xml version="1.0" encoding="utf-8"?>
+<p:sld xmlns:a="http://schemas.openxmlformats.org/drawingml/2006/main" xmlns:r="http://schemas.openxmlformats.org/officeDocument/2006/relationships" xmlns:p="http://schemas.openxmlformats.org/presentationml/2006/main">
+  <p:cSld>
+    <p:bg>
+      <p:bgPr>
+        <a:blipFill dpi="0" rotWithShape="1">
+          <a:blip r:embed="rId2">
+            <a:lum/>
+          </a:blip>
+          <a:srcRect/>
+          <a:stretch>
+            <a:fillRect/>
+          </a:stretch>
+        </a:blipFill>
+        <a:effectLst/>
+      </p:bgPr>
+    </p:bg>
+    <p:spTree>
+      <p:nvGrpSpPr>
+        <p:cNvPr id="1" name=""/>
+        <p:cNvGrpSpPr/>
+        <p:nvPr/>
+      </p:nvGrpSpPr>
+      <p:grpSpPr>
+        <a:xfrm>
+          <a:off x="0" y="0"/>
+          <a:ext cx="0" cy="0"/>
+          <a:chOff x="0" y="0"/>
+          <a:chExt cx="0" cy="0"/>
+        </a:xfrm>
+      </p:grpSpPr>
+      <p:sp>
+        <p:nvSpPr>
+          <p:cNvPr id="2" name="Title 1"/>
+          <p:cNvSpPr>
+            <a:spLocks noGrp="1"/>
+          </p:cNvSpPr>
+          <p:nvPr>
+            <p:ph type="title"/>
+          </p:nvPr>
+        </p:nvSpPr>
+        <p:spPr/>
+        <p:txBody>
+          <a:bodyPr/>
+          <a:lstStyle/>
+          <a:p>
+            <a:pPr algn="ctr"/>
+            <a:r>
+              <a:rPr lang="bg-BG" dirty="0" smtClean="0">
                 <a:solidFill>
                   <a:schemeClr val="bg1"/>
                 </a:solidFill>
               </a:rPr>
-              <a:t>Антон Николов – 8б</a:t>
-            </a:r>
-          </a:p>
-          <a:p>
-            <a:r>
-              <a:rPr lang="bg-BG" sz="4000" dirty="0" smtClean="0">
-                <a:solidFill>
-                  <a:schemeClr val="bg1"/>
-                </a:solidFill>
-              </a:rPr>
-              <a:t>Мартин Дойчинов – 8б</a:t>
-            </a:r>
-            <a:endParaRPr lang="bg-BG" sz="4000" dirty="0">
+              <a:t>Процесът на разработката</a:t>
+            </a:r>
+            <a:endParaRPr lang="bg-BG" dirty="0">
               <a:solidFill>
                 <a:schemeClr val="bg1"/>
               </a:solidFill>
@@ -3214,10 +3963,441 @@
           </a:p>
         </p:txBody>
       </p:sp>
+      <p:sp>
+        <p:nvSpPr>
+          <p:cNvPr id="3" name="Content Placeholder 2"/>
+          <p:cNvSpPr>
+            <a:spLocks noGrp="1"/>
+          </p:cNvSpPr>
+          <p:nvPr>
+            <p:ph idx="1"/>
+          </p:nvPr>
+        </p:nvSpPr>
+        <p:spPr/>
+        <p:txBody>
+          <a:bodyPr/>
+          <a:lstStyle/>
+          <a:p>
+            <a:r>
+              <a:rPr lang="bg-BG" dirty="0" smtClean="0">
+                <a:solidFill>
+                  <a:schemeClr val="bg1"/>
+                </a:solidFill>
+              </a:rPr>
+              <a:t>През първия ден бяха направени графиките, движението на астероидите и боклуците по орбита около Земята. В края на деня бяха направени и  контролите на героя.</a:t>
+            </a:r>
+          </a:p>
+          <a:p>
+            <a:r>
+              <a:rPr lang="bg-BG" dirty="0" smtClean="0">
+                <a:solidFill>
+                  <a:schemeClr val="bg1"/>
+                </a:solidFill>
+              </a:rPr>
+              <a:t>През втория ден беше доусъвършенствана играта и беше изготвена презентацията.</a:t>
+            </a:r>
+            <a:endParaRPr lang="bg-BG" dirty="0">
+              <a:solidFill>
+                <a:schemeClr val="bg1"/>
+              </a:solidFill>
+            </a:endParaRPr>
+          </a:p>
+        </p:txBody>
+      </p:sp>
     </p:spTree>
     <p:extLst>
       <p:ext uri="{BB962C8B-B14F-4D97-AF65-F5344CB8AC3E}">
-        <p14:creationId xmlns:p14="http://schemas.microsoft.com/office/powerpoint/2010/main" val="2726970939"/>
+        <p14:creationId xmlns:p14="http://schemas.microsoft.com/office/powerpoint/2010/main" val="3955345106"/>
+      </p:ext>
+    </p:extLst>
+  </p:cSld>
+  <p:clrMapOvr>
+    <a:masterClrMapping/>
+  </p:clrMapOvr>
+</p:sld>
+</file>
+
+<file path=ppt/slides/slide8.xml><?xml version="1.0" encoding="utf-8"?>
+<p:sld xmlns:a="http://schemas.openxmlformats.org/drawingml/2006/main" xmlns:r="http://schemas.openxmlformats.org/officeDocument/2006/relationships" xmlns:p="http://schemas.openxmlformats.org/presentationml/2006/main">
+  <p:cSld>
+    <p:bg>
+      <p:bgPr>
+        <a:blipFill dpi="0" rotWithShape="1">
+          <a:blip r:embed="rId2">
+            <a:lum/>
+          </a:blip>
+          <a:srcRect/>
+          <a:stretch>
+            <a:fillRect/>
+          </a:stretch>
+        </a:blipFill>
+        <a:effectLst/>
+      </p:bgPr>
+    </p:bg>
+    <p:spTree>
+      <p:nvGrpSpPr>
+        <p:cNvPr id="1" name=""/>
+        <p:cNvGrpSpPr/>
+        <p:nvPr/>
+      </p:nvGrpSpPr>
+      <p:grpSpPr>
+        <a:xfrm>
+          <a:off x="0" y="0"/>
+          <a:ext cx="0" cy="0"/>
+          <a:chOff x="0" y="0"/>
+          <a:chExt cx="0" cy="0"/>
+        </a:xfrm>
+      </p:grpSpPr>
+      <p:sp>
+        <p:nvSpPr>
+          <p:cNvPr id="2" name="Title 1"/>
+          <p:cNvSpPr>
+            <a:spLocks noGrp="1"/>
+          </p:cNvSpPr>
+          <p:nvPr>
+            <p:ph type="title"/>
+          </p:nvPr>
+        </p:nvSpPr>
+        <p:spPr/>
+        <p:txBody>
+          <a:bodyPr/>
+          <a:lstStyle/>
+          <a:p>
+            <a:pPr algn="ctr"/>
+            <a:r>
+              <a:rPr lang="bg-BG" dirty="0" smtClean="0">
+                <a:solidFill>
+                  <a:schemeClr val="bg1"/>
+                </a:solidFill>
+              </a:rPr>
+              <a:t>Преживяванията ни</a:t>
+            </a:r>
+            <a:endParaRPr lang="bg-BG" dirty="0">
+              <a:solidFill>
+                <a:schemeClr val="bg1"/>
+              </a:solidFill>
+            </a:endParaRPr>
+          </a:p>
+        </p:txBody>
+      </p:sp>
+      <p:sp>
+        <p:nvSpPr>
+          <p:cNvPr id="3" name="Content Placeholder 2"/>
+          <p:cNvSpPr>
+            <a:spLocks noGrp="1"/>
+          </p:cNvSpPr>
+          <p:nvPr>
+            <p:ph idx="1"/>
+          </p:nvPr>
+        </p:nvSpPr>
+        <p:spPr/>
+        <p:txBody>
+          <a:bodyPr/>
+          <a:lstStyle/>
+          <a:p>
+            <a:r>
+              <a:rPr lang="bg-BG" dirty="0" smtClean="0">
+                <a:solidFill>
+                  <a:schemeClr val="bg1"/>
+                </a:solidFill>
+              </a:rPr>
+              <a:t>Александър : </a:t>
+            </a:r>
+            <a:r>
+              <a:rPr lang="ru-RU" dirty="0" smtClean="0">
+                <a:solidFill>
+                  <a:schemeClr val="bg1"/>
+                </a:solidFill>
+              </a:rPr>
+              <a:t>Научих се </a:t>
+            </a:r>
+            <a:r>
+              <a:rPr lang="ru-RU" dirty="0">
+                <a:solidFill>
+                  <a:schemeClr val="bg1"/>
+                </a:solidFill>
+              </a:rPr>
+              <a:t>как да използвам github и как да правя графика до някаква степен</a:t>
+            </a:r>
+            <a:r>
+              <a:rPr lang="ru-RU" dirty="0" smtClean="0">
+                <a:solidFill>
+                  <a:schemeClr val="bg1"/>
+                </a:solidFill>
+              </a:rPr>
+              <a:t>.</a:t>
+            </a:r>
+            <a:endParaRPr lang="bg-BG" dirty="0">
+              <a:solidFill>
+                <a:schemeClr val="bg1"/>
+              </a:solidFill>
+            </a:endParaRPr>
+          </a:p>
+          <a:p>
+            <a:r>
+              <a:rPr lang="bg-BG" dirty="0" smtClean="0">
+                <a:solidFill>
+                  <a:schemeClr val="bg1"/>
+                </a:solidFill>
+              </a:rPr>
+              <a:t>Антон : Научих се да използвам </a:t>
+            </a:r>
+            <a:r>
+              <a:rPr lang="en-US" dirty="0" smtClean="0">
+                <a:solidFill>
+                  <a:schemeClr val="bg1"/>
+                </a:solidFill>
+              </a:rPr>
+              <a:t>Github,</a:t>
+            </a:r>
+            <a:r>
+              <a:rPr lang="bg-BG" dirty="0" smtClean="0">
+                <a:solidFill>
+                  <a:schemeClr val="bg1"/>
+                </a:solidFill>
+              </a:rPr>
+              <a:t> </a:t>
+            </a:r>
+            <a:r>
+              <a:rPr lang="en-US" dirty="0" smtClean="0">
+                <a:solidFill>
+                  <a:schemeClr val="bg1"/>
+                </a:solidFill>
+              </a:rPr>
+              <a:t> </a:t>
+            </a:r>
+            <a:r>
+              <a:rPr lang="bg-BG" dirty="0" smtClean="0">
+                <a:solidFill>
+                  <a:schemeClr val="bg1"/>
+                </a:solidFill>
+              </a:rPr>
+              <a:t>графики на презентацията.</a:t>
+            </a:r>
+            <a:endParaRPr lang="bg-BG" dirty="0">
+              <a:solidFill>
+                <a:schemeClr val="bg1"/>
+              </a:solidFill>
+            </a:endParaRPr>
+          </a:p>
+          <a:p>
+            <a:r>
+              <a:rPr lang="ru-RU" dirty="0" smtClean="0">
+                <a:solidFill>
+                  <a:schemeClr val="bg1"/>
+                </a:solidFill>
+              </a:rPr>
+              <a:t>Мартин</a:t>
+            </a:r>
+            <a:r>
+              <a:rPr lang="ru-RU" dirty="0">
+                <a:solidFill>
+                  <a:schemeClr val="bg1"/>
+                </a:solidFill>
+              </a:rPr>
+              <a:t>: Научих се да работя с javascript, html canvas и да </a:t>
+            </a:r>
+            <a:r>
+              <a:rPr lang="ru-RU" dirty="0" smtClean="0">
+                <a:solidFill>
+                  <a:schemeClr val="bg1"/>
+                </a:solidFill>
+              </a:rPr>
+              <a:t>използвам </a:t>
+            </a:r>
+            <a:r>
+              <a:rPr lang="ru-RU" dirty="0">
+                <a:solidFill>
+                  <a:schemeClr val="bg1"/>
+                </a:solidFill>
+              </a:rPr>
+              <a:t>Github</a:t>
+            </a:r>
+            <a:r>
+              <a:rPr lang="ru-RU" dirty="0" smtClean="0">
+                <a:solidFill>
+                  <a:schemeClr val="bg1"/>
+                </a:solidFill>
+              </a:rPr>
+              <a:t>.</a:t>
+            </a:r>
+          </a:p>
+          <a:p>
+            <a:endParaRPr lang="ru-RU" dirty="0">
+              <a:solidFill>
+                <a:schemeClr val="bg1"/>
+              </a:solidFill>
+            </a:endParaRPr>
+          </a:p>
+          <a:p>
+            <a:r>
+              <a:rPr lang="ru-RU" dirty="0" smtClean="0">
+                <a:solidFill>
+                  <a:schemeClr val="bg1"/>
+                </a:solidFill>
+              </a:rPr>
+              <a:t>Отбор : </a:t>
+            </a:r>
+            <a:r>
+              <a:rPr lang="en-US" dirty="0" smtClean="0">
+                <a:solidFill>
+                  <a:schemeClr val="bg1"/>
+                </a:solidFill>
+              </a:rPr>
+              <a:t>“</a:t>
+            </a:r>
+            <a:r>
+              <a:rPr lang="ru-RU" dirty="0" smtClean="0">
+                <a:solidFill>
+                  <a:schemeClr val="bg1"/>
+                </a:solidFill>
+              </a:rPr>
+              <a:t>Мазните</a:t>
+            </a:r>
+            <a:r>
+              <a:rPr lang="en-US" dirty="0" smtClean="0">
+                <a:solidFill>
+                  <a:schemeClr val="bg1"/>
+                </a:solidFill>
+              </a:rPr>
+              <a:t>”</a:t>
+            </a:r>
+            <a:r>
+              <a:rPr lang="ru-RU" dirty="0" smtClean="0">
+                <a:solidFill>
+                  <a:schemeClr val="bg1"/>
+                </a:solidFill>
+              </a:rPr>
+              <a:t>.</a:t>
+            </a:r>
+            <a:endParaRPr lang="en-US" dirty="0" smtClean="0">
+              <a:solidFill>
+                <a:schemeClr val="bg1"/>
+              </a:solidFill>
+            </a:endParaRPr>
+          </a:p>
+          <a:p>
+            <a:r>
+              <a:rPr lang="bg-BG" dirty="0" smtClean="0">
+                <a:solidFill>
+                  <a:schemeClr val="bg1"/>
+                </a:solidFill>
+              </a:rPr>
+              <a:t>Ментор : Антонио Милев</a:t>
+            </a:r>
+            <a:endParaRPr lang="bg-BG" dirty="0">
+              <a:solidFill>
+                <a:schemeClr val="bg1"/>
+              </a:solidFill>
+            </a:endParaRPr>
+          </a:p>
+        </p:txBody>
+      </p:sp>
+    </p:spTree>
+    <p:extLst>
+      <p:ext uri="{BB962C8B-B14F-4D97-AF65-F5344CB8AC3E}">
+        <p14:creationId xmlns:p14="http://schemas.microsoft.com/office/powerpoint/2010/main" val="801701946"/>
+      </p:ext>
+    </p:extLst>
+  </p:cSld>
+  <p:clrMapOvr>
+    <a:masterClrMapping/>
+  </p:clrMapOvr>
+</p:sld>
+</file>
+
+<file path=ppt/slides/slide9.xml><?xml version="1.0" encoding="utf-8"?>
+<p:sld xmlns:a="http://schemas.openxmlformats.org/drawingml/2006/main" xmlns:r="http://schemas.openxmlformats.org/officeDocument/2006/relationships" xmlns:p="http://schemas.openxmlformats.org/presentationml/2006/main">
+  <p:cSld>
+    <p:bg>
+      <p:bgPr>
+        <a:blipFill dpi="0" rotWithShape="1">
+          <a:blip r:embed="rId2">
+            <a:lum/>
+          </a:blip>
+          <a:srcRect/>
+          <a:stretch>
+            <a:fillRect/>
+          </a:stretch>
+        </a:blipFill>
+        <a:effectLst/>
+      </p:bgPr>
+    </p:bg>
+    <p:spTree>
+      <p:nvGrpSpPr>
+        <p:cNvPr id="1" name=""/>
+        <p:cNvGrpSpPr/>
+        <p:nvPr/>
+      </p:nvGrpSpPr>
+      <p:grpSpPr>
+        <a:xfrm>
+          <a:off x="0" y="0"/>
+          <a:ext cx="0" cy="0"/>
+          <a:chOff x="0" y="0"/>
+          <a:chExt cx="0" cy="0"/>
+        </a:xfrm>
+      </p:grpSpPr>
+      <p:sp>
+        <p:nvSpPr>
+          <p:cNvPr id="2" name="Title 1"/>
+          <p:cNvSpPr>
+            <a:spLocks noGrp="1"/>
+          </p:cNvSpPr>
+          <p:nvPr>
+            <p:ph type="title"/>
+          </p:nvPr>
+        </p:nvSpPr>
+        <p:spPr>
+          <a:xfrm>
+            <a:off x="831850" y="1736333"/>
+            <a:ext cx="10515600" cy="2853130"/>
+          </a:xfrm>
+        </p:spPr>
+        <p:txBody>
+          <a:bodyPr/>
+          <a:lstStyle/>
+          <a:p>
+            <a:pPr algn="ctr"/>
+            <a:r>
+              <a:rPr lang="bg-BG" dirty="0" smtClean="0">
+                <a:solidFill>
+                  <a:schemeClr val="bg1"/>
+                </a:solidFill>
+              </a:rPr>
+              <a:t>Благодаря за вниманието!</a:t>
+            </a:r>
+            <a:r>
+              <a:rPr lang="bg-BG" dirty="0" smtClean="0"/>
+              <a:t> </a:t>
+            </a:r>
+            <a:endParaRPr lang="bg-BG" dirty="0"/>
+          </a:p>
+        </p:txBody>
+      </p:sp>
+      <p:sp>
+        <p:nvSpPr>
+          <p:cNvPr id="4" name="Text Placeholder 3"/>
+          <p:cNvSpPr>
+            <a:spLocks noGrp="1"/>
+          </p:cNvSpPr>
+          <p:nvPr>
+            <p:ph type="body" idx="1"/>
+          </p:nvPr>
+        </p:nvSpPr>
+        <p:spPr/>
+        <p:txBody>
+          <a:bodyPr/>
+          <a:lstStyle/>
+          <a:p>
+            <a:pPr algn="ctr"/>
+            <a:endParaRPr lang="bg-BG" dirty="0"/>
+          </a:p>
+        </p:txBody>
+      </p:sp>
+    </p:spTree>
+    <p:extLst>
+      <p:ext uri="{BB962C8B-B14F-4D97-AF65-F5344CB8AC3E}">
+        <p14:creationId xmlns:p14="http://schemas.microsoft.com/office/powerpoint/2010/main" val="1346518982"/>
       </p:ext>
     </p:extLst>
   </p:cSld>

--- a/SPACE FUN.pptx
+++ b/SPACE FUN.pptx
@@ -21,100 +21,141 @@
     <a:defPPr>
       <a:defRPr lang="bg-BG"/>
     </a:defPPr>
-    <a:lvl1pPr marL="0" algn="l" defTabSz="914400" rtl="0" eaLnBrk="1" latinLnBrk="0" hangingPunct="1">
-      <a:defRPr sz="1800" kern="1200">
+    <a:lvl1pPr algn="l" rtl="0" fontAlgn="base">
+      <a:spcBef>
+        <a:spcPct val="0"/>
+      </a:spcBef>
+      <a:spcAft>
+        <a:spcPct val="0"/>
+      </a:spcAft>
+      <a:defRPr kern="1200">
         <a:solidFill>
           <a:schemeClr val="tx1"/>
         </a:solidFill>
-        <a:latin typeface="+mn-lt"/>
+        <a:latin typeface="Arial" charset="0"/>
         <a:ea typeface="+mn-ea"/>
-        <a:cs typeface="+mn-cs"/>
+        <a:cs typeface="Arial" charset="0"/>
       </a:defRPr>
     </a:lvl1pPr>
-    <a:lvl2pPr marL="457200" algn="l" defTabSz="914400" rtl="0" eaLnBrk="1" latinLnBrk="0" hangingPunct="1">
-      <a:defRPr sz="1800" kern="1200">
+    <a:lvl2pPr marL="457200" algn="l" rtl="0" fontAlgn="base">
+      <a:spcBef>
+        <a:spcPct val="0"/>
+      </a:spcBef>
+      <a:spcAft>
+        <a:spcPct val="0"/>
+      </a:spcAft>
+      <a:defRPr kern="1200">
         <a:solidFill>
           <a:schemeClr val="tx1"/>
         </a:solidFill>
-        <a:latin typeface="+mn-lt"/>
+        <a:latin typeface="Arial" charset="0"/>
         <a:ea typeface="+mn-ea"/>
-        <a:cs typeface="+mn-cs"/>
+        <a:cs typeface="Arial" charset="0"/>
       </a:defRPr>
     </a:lvl2pPr>
-    <a:lvl3pPr marL="914400" algn="l" defTabSz="914400" rtl="0" eaLnBrk="1" latinLnBrk="0" hangingPunct="1">
-      <a:defRPr sz="1800" kern="1200">
+    <a:lvl3pPr marL="914400" algn="l" rtl="0" fontAlgn="base">
+      <a:spcBef>
+        <a:spcPct val="0"/>
+      </a:spcBef>
+      <a:spcAft>
+        <a:spcPct val="0"/>
+      </a:spcAft>
+      <a:defRPr kern="1200">
         <a:solidFill>
           <a:schemeClr val="tx1"/>
         </a:solidFill>
-        <a:latin typeface="+mn-lt"/>
+        <a:latin typeface="Arial" charset="0"/>
         <a:ea typeface="+mn-ea"/>
-        <a:cs typeface="+mn-cs"/>
+        <a:cs typeface="Arial" charset="0"/>
       </a:defRPr>
     </a:lvl3pPr>
-    <a:lvl4pPr marL="1371600" algn="l" defTabSz="914400" rtl="0" eaLnBrk="1" latinLnBrk="0" hangingPunct="1">
-      <a:defRPr sz="1800" kern="1200">
+    <a:lvl4pPr marL="1371600" algn="l" rtl="0" fontAlgn="base">
+      <a:spcBef>
+        <a:spcPct val="0"/>
+      </a:spcBef>
+      <a:spcAft>
+        <a:spcPct val="0"/>
+      </a:spcAft>
+      <a:defRPr kern="1200">
         <a:solidFill>
           <a:schemeClr val="tx1"/>
         </a:solidFill>
-        <a:latin typeface="+mn-lt"/>
+        <a:latin typeface="Arial" charset="0"/>
         <a:ea typeface="+mn-ea"/>
-        <a:cs typeface="+mn-cs"/>
+        <a:cs typeface="Arial" charset="0"/>
       </a:defRPr>
     </a:lvl4pPr>
-    <a:lvl5pPr marL="1828800" algn="l" defTabSz="914400" rtl="0" eaLnBrk="1" latinLnBrk="0" hangingPunct="1">
-      <a:defRPr sz="1800" kern="1200">
+    <a:lvl5pPr marL="1828800" algn="l" rtl="0" fontAlgn="base">
+      <a:spcBef>
+        <a:spcPct val="0"/>
+      </a:spcBef>
+      <a:spcAft>
+        <a:spcPct val="0"/>
+      </a:spcAft>
+      <a:defRPr kern="1200">
         <a:solidFill>
           <a:schemeClr val="tx1"/>
         </a:solidFill>
-        <a:latin typeface="+mn-lt"/>
+        <a:latin typeface="Arial" charset="0"/>
         <a:ea typeface="+mn-ea"/>
-        <a:cs typeface="+mn-cs"/>
+        <a:cs typeface="Arial" charset="0"/>
       </a:defRPr>
     </a:lvl5pPr>
     <a:lvl6pPr marL="2286000" algn="l" defTabSz="914400" rtl="0" eaLnBrk="1" latinLnBrk="0" hangingPunct="1">
-      <a:defRPr sz="1800" kern="1200">
+      <a:defRPr kern="1200">
         <a:solidFill>
           <a:schemeClr val="tx1"/>
         </a:solidFill>
-        <a:latin typeface="+mn-lt"/>
+        <a:latin typeface="Arial" charset="0"/>
         <a:ea typeface="+mn-ea"/>
-        <a:cs typeface="+mn-cs"/>
+        <a:cs typeface="Arial" charset="0"/>
       </a:defRPr>
     </a:lvl6pPr>
     <a:lvl7pPr marL="2743200" algn="l" defTabSz="914400" rtl="0" eaLnBrk="1" latinLnBrk="0" hangingPunct="1">
-      <a:defRPr sz="1800" kern="1200">
+      <a:defRPr kern="1200">
         <a:solidFill>
           <a:schemeClr val="tx1"/>
         </a:solidFill>
-        <a:latin typeface="+mn-lt"/>
+        <a:latin typeface="Arial" charset="0"/>
         <a:ea typeface="+mn-ea"/>
-        <a:cs typeface="+mn-cs"/>
+        <a:cs typeface="Arial" charset="0"/>
       </a:defRPr>
     </a:lvl7pPr>
     <a:lvl8pPr marL="3200400" algn="l" defTabSz="914400" rtl="0" eaLnBrk="1" latinLnBrk="0" hangingPunct="1">
-      <a:defRPr sz="1800" kern="1200">
+      <a:defRPr kern="1200">
         <a:solidFill>
           <a:schemeClr val="tx1"/>
         </a:solidFill>
-        <a:latin typeface="+mn-lt"/>
+        <a:latin typeface="Arial" charset="0"/>
         <a:ea typeface="+mn-ea"/>
-        <a:cs typeface="+mn-cs"/>
+        <a:cs typeface="Arial" charset="0"/>
       </a:defRPr>
     </a:lvl8pPr>
     <a:lvl9pPr marL="3657600" algn="l" defTabSz="914400" rtl="0" eaLnBrk="1" latinLnBrk="0" hangingPunct="1">
-      <a:defRPr sz="1800" kern="1200">
+      <a:defRPr kern="1200">
         <a:solidFill>
           <a:schemeClr val="tx1"/>
         </a:solidFill>
-        <a:latin typeface="+mn-lt"/>
+        <a:latin typeface="Arial" charset="0"/>
         <a:ea typeface="+mn-ea"/>
-        <a:cs typeface="+mn-cs"/>
+        <a:cs typeface="Arial" charset="0"/>
       </a:defRPr>
     </a:lvl9pPr>
   </p:defaultTextStyle>
   <p:extLst>
     <p:ext uri="{EFAFB233-063F-42B5-8137-9DF3F51BA10A}">
-      <p15:sldGuideLst xmlns:p15="http://schemas.microsoft.com/office/powerpoint/2012/main"/>
+      <p15:sldGuideLst xmlns:p15="http://schemas.microsoft.com/office/powerpoint/2012/main">
+        <p15:guide id="1" orient="horz" pos="2160">
+          <p15:clr>
+            <a:srgbClr val="A4A3A4"/>
+          </p15:clr>
+        </p15:guide>
+        <p15:guide id="2" pos="3840">
+          <p15:clr>
+            <a:srgbClr val="A4A3A4"/>
+          </p15:clr>
+        </p15:guide>
+      </p15:sldGuideLst>
     </p:ext>
   </p:extLst>
 </p:presentation>
@@ -162,7 +203,7 @@
           </a:lstStyle>
           <a:p>
             <a:r>
-              <a:rPr lang="en-US" smtClean="0"/>
+              <a:rPr lang="en-US"/>
               <a:t>Click to edit Master title style</a:t>
             </a:r>
             <a:endParaRPr lang="bg-BG"/>
@@ -227,7 +268,7 @@
           </a:lstStyle>
           <a:p>
             <a:r>
-              <a:rPr lang="en-US" smtClean="0"/>
+              <a:rPr lang="en-US"/>
               <a:t>Click to edit Master subtitle style</a:t>
             </a:r>
             <a:endParaRPr lang="bg-BG"/>
@@ -247,10 +288,20 @@
         <p:spPr/>
         <p:txBody>
           <a:bodyPr/>
-          <a:lstStyle/>
-          <a:p>
-            <a:fld id="{A42ACAFC-F8A5-44B2-A9BF-DC7A63AD09BD}" type="datetimeFigureOut">
-              <a:rPr lang="bg-BG" smtClean="0"/>
+          <a:lstStyle>
+            <a:lvl1pPr>
+              <a:defRPr/>
+            </a:lvl1pPr>
+          </a:lstStyle>
+          <a:p>
+            <a:pPr>
+              <a:defRPr/>
+            </a:pPr>
+            <a:fld id="{37F024BA-647F-4E6C-8677-45DDC792D086}" type="datetimeFigureOut">
+              <a:rPr lang="bg-BG"/>
+              <a:pPr>
+                <a:defRPr/>
+              </a:pPr>
               <a:t>12.3.2022 г.</a:t>
             </a:fld>
             <a:endParaRPr lang="bg-BG"/>
@@ -270,8 +321,15 @@
         <p:spPr/>
         <p:txBody>
           <a:bodyPr/>
-          <a:lstStyle/>
-          <a:p>
+          <a:lstStyle>
+            <a:lvl1pPr>
+              <a:defRPr/>
+            </a:lvl1pPr>
+          </a:lstStyle>
+          <a:p>
+            <a:pPr>
+              <a:defRPr/>
+            </a:pPr>
             <a:endParaRPr lang="bg-BG"/>
           </a:p>
         </p:txBody>
@@ -289,10 +347,20 @@
         <p:spPr/>
         <p:txBody>
           <a:bodyPr/>
-          <a:lstStyle/>
-          <a:p>
-            <a:fld id="{0E9EAE1C-3D6B-4F7D-A505-A86A0FC67C6D}" type="slidenum">
-              <a:rPr lang="bg-BG" smtClean="0"/>
+          <a:lstStyle>
+            <a:lvl1pPr>
+              <a:defRPr/>
+            </a:lvl1pPr>
+          </a:lstStyle>
+          <a:p>
+            <a:pPr>
+              <a:defRPr/>
+            </a:pPr>
+            <a:fld id="{69C454F4-BB05-4930-982D-C8DE4E5D7644}" type="slidenum">
+              <a:rPr lang="bg-BG"/>
+              <a:pPr>
+                <a:defRPr/>
+              </a:pPr>
               <a:t>‹#›</a:t>
             </a:fld>
             <a:endParaRPr lang="bg-BG"/>
@@ -300,11 +368,6 @@
         </p:txBody>
       </p:sp>
     </p:spTree>
-    <p:extLst>
-      <p:ext uri="{BB962C8B-B14F-4D97-AF65-F5344CB8AC3E}">
-        <p14:creationId xmlns:p14="http://schemas.microsoft.com/office/powerpoint/2010/main" val="245639672"/>
-      </p:ext>
-    </p:extLst>
   </p:cSld>
   <p:clrMapOvr>
     <a:masterClrMapping/>
@@ -345,7 +408,7 @@
           <a:lstStyle/>
           <a:p>
             <a:r>
-              <a:rPr lang="en-US" smtClean="0"/>
+              <a:rPr lang="en-US"/>
               <a:t>Click to edit Master title style</a:t>
             </a:r>
             <a:endParaRPr lang="bg-BG"/>
@@ -369,35 +432,35 @@
           <a:p>
             <a:pPr lvl="0"/>
             <a:r>
-              <a:rPr lang="en-US" smtClean="0"/>
+              <a:rPr lang="en-US"/>
               <a:t>Edit Master text styles</a:t>
             </a:r>
           </a:p>
           <a:p>
             <a:pPr lvl="1"/>
             <a:r>
-              <a:rPr lang="en-US" smtClean="0"/>
+              <a:rPr lang="en-US"/>
               <a:t>Second level</a:t>
             </a:r>
           </a:p>
           <a:p>
             <a:pPr lvl="2"/>
             <a:r>
-              <a:rPr lang="en-US" smtClean="0"/>
+              <a:rPr lang="en-US"/>
               <a:t>Third level</a:t>
             </a:r>
           </a:p>
           <a:p>
             <a:pPr lvl="3"/>
             <a:r>
-              <a:rPr lang="en-US" smtClean="0"/>
+              <a:rPr lang="en-US"/>
               <a:t>Fourth level</a:t>
             </a:r>
           </a:p>
           <a:p>
             <a:pPr lvl="4"/>
             <a:r>
-              <a:rPr lang="en-US" smtClean="0"/>
+              <a:rPr lang="en-US"/>
               <a:t>Fifth level</a:t>
             </a:r>
             <a:endParaRPr lang="bg-BG"/>
@@ -417,10 +480,20 @@
         <p:spPr/>
         <p:txBody>
           <a:bodyPr/>
-          <a:lstStyle/>
-          <a:p>
-            <a:fld id="{A42ACAFC-F8A5-44B2-A9BF-DC7A63AD09BD}" type="datetimeFigureOut">
-              <a:rPr lang="bg-BG" smtClean="0"/>
+          <a:lstStyle>
+            <a:lvl1pPr>
+              <a:defRPr/>
+            </a:lvl1pPr>
+          </a:lstStyle>
+          <a:p>
+            <a:pPr>
+              <a:defRPr/>
+            </a:pPr>
+            <a:fld id="{8E754CB1-84B5-4BCD-9F01-6EB0ABF6A323}" type="datetimeFigureOut">
+              <a:rPr lang="bg-BG"/>
+              <a:pPr>
+                <a:defRPr/>
+              </a:pPr>
               <a:t>12.3.2022 г.</a:t>
             </a:fld>
             <a:endParaRPr lang="bg-BG"/>
@@ -440,8 +513,15 @@
         <p:spPr/>
         <p:txBody>
           <a:bodyPr/>
-          <a:lstStyle/>
-          <a:p>
+          <a:lstStyle>
+            <a:lvl1pPr>
+              <a:defRPr/>
+            </a:lvl1pPr>
+          </a:lstStyle>
+          <a:p>
+            <a:pPr>
+              <a:defRPr/>
+            </a:pPr>
             <a:endParaRPr lang="bg-BG"/>
           </a:p>
         </p:txBody>
@@ -459,10 +539,20 @@
         <p:spPr/>
         <p:txBody>
           <a:bodyPr/>
-          <a:lstStyle/>
-          <a:p>
-            <a:fld id="{0E9EAE1C-3D6B-4F7D-A505-A86A0FC67C6D}" type="slidenum">
-              <a:rPr lang="bg-BG" smtClean="0"/>
+          <a:lstStyle>
+            <a:lvl1pPr>
+              <a:defRPr/>
+            </a:lvl1pPr>
+          </a:lstStyle>
+          <a:p>
+            <a:pPr>
+              <a:defRPr/>
+            </a:pPr>
+            <a:fld id="{BC0D0C98-480A-48C5-B732-F359EBBB7D55}" type="slidenum">
+              <a:rPr lang="bg-BG"/>
+              <a:pPr>
+                <a:defRPr/>
+              </a:pPr>
               <a:t>‹#›</a:t>
             </a:fld>
             <a:endParaRPr lang="bg-BG"/>
@@ -470,11 +560,6 @@
         </p:txBody>
       </p:sp>
     </p:spTree>
-    <p:extLst>
-      <p:ext uri="{BB962C8B-B14F-4D97-AF65-F5344CB8AC3E}">
-        <p14:creationId xmlns:p14="http://schemas.microsoft.com/office/powerpoint/2010/main" val="3175911636"/>
-      </p:ext>
-    </p:extLst>
   </p:cSld>
   <p:clrMapOvr>
     <a:masterClrMapping/>
@@ -520,7 +605,7 @@
           <a:lstStyle/>
           <a:p>
             <a:r>
-              <a:rPr lang="en-US" smtClean="0"/>
+              <a:rPr lang="en-US"/>
               <a:t>Click to edit Master title style</a:t>
             </a:r>
             <a:endParaRPr lang="bg-BG"/>
@@ -549,35 +634,35 @@
           <a:p>
             <a:pPr lvl="0"/>
             <a:r>
-              <a:rPr lang="en-US" smtClean="0"/>
+              <a:rPr lang="en-US"/>
               <a:t>Edit Master text styles</a:t>
             </a:r>
           </a:p>
           <a:p>
             <a:pPr lvl="1"/>
             <a:r>
-              <a:rPr lang="en-US" smtClean="0"/>
+              <a:rPr lang="en-US"/>
               <a:t>Second level</a:t>
             </a:r>
           </a:p>
           <a:p>
             <a:pPr lvl="2"/>
             <a:r>
-              <a:rPr lang="en-US" smtClean="0"/>
+              <a:rPr lang="en-US"/>
               <a:t>Third level</a:t>
             </a:r>
           </a:p>
           <a:p>
             <a:pPr lvl="3"/>
             <a:r>
-              <a:rPr lang="en-US" smtClean="0"/>
+              <a:rPr lang="en-US"/>
               <a:t>Fourth level</a:t>
             </a:r>
           </a:p>
           <a:p>
             <a:pPr lvl="4"/>
             <a:r>
-              <a:rPr lang="en-US" smtClean="0"/>
+              <a:rPr lang="en-US"/>
               <a:t>Fifth level</a:t>
             </a:r>
             <a:endParaRPr lang="bg-BG"/>
@@ -597,10 +682,20 @@
         <p:spPr/>
         <p:txBody>
           <a:bodyPr/>
-          <a:lstStyle/>
-          <a:p>
-            <a:fld id="{A42ACAFC-F8A5-44B2-A9BF-DC7A63AD09BD}" type="datetimeFigureOut">
-              <a:rPr lang="bg-BG" smtClean="0"/>
+          <a:lstStyle>
+            <a:lvl1pPr>
+              <a:defRPr/>
+            </a:lvl1pPr>
+          </a:lstStyle>
+          <a:p>
+            <a:pPr>
+              <a:defRPr/>
+            </a:pPr>
+            <a:fld id="{0241F71E-00B4-4BC0-BBA1-1F4135116746}" type="datetimeFigureOut">
+              <a:rPr lang="bg-BG"/>
+              <a:pPr>
+                <a:defRPr/>
+              </a:pPr>
               <a:t>12.3.2022 г.</a:t>
             </a:fld>
             <a:endParaRPr lang="bg-BG"/>
@@ -620,8 +715,15 @@
         <p:spPr/>
         <p:txBody>
           <a:bodyPr/>
-          <a:lstStyle/>
-          <a:p>
+          <a:lstStyle>
+            <a:lvl1pPr>
+              <a:defRPr/>
+            </a:lvl1pPr>
+          </a:lstStyle>
+          <a:p>
+            <a:pPr>
+              <a:defRPr/>
+            </a:pPr>
             <a:endParaRPr lang="bg-BG"/>
           </a:p>
         </p:txBody>
@@ -639,10 +741,20 @@
         <p:spPr/>
         <p:txBody>
           <a:bodyPr/>
-          <a:lstStyle/>
-          <a:p>
-            <a:fld id="{0E9EAE1C-3D6B-4F7D-A505-A86A0FC67C6D}" type="slidenum">
-              <a:rPr lang="bg-BG" smtClean="0"/>
+          <a:lstStyle>
+            <a:lvl1pPr>
+              <a:defRPr/>
+            </a:lvl1pPr>
+          </a:lstStyle>
+          <a:p>
+            <a:pPr>
+              <a:defRPr/>
+            </a:pPr>
+            <a:fld id="{BC4BF239-F3F5-4122-8C85-5025C52F4735}" type="slidenum">
+              <a:rPr lang="bg-BG"/>
+              <a:pPr>
+                <a:defRPr/>
+              </a:pPr>
               <a:t>‹#›</a:t>
             </a:fld>
             <a:endParaRPr lang="bg-BG"/>
@@ -650,11 +762,6 @@
         </p:txBody>
       </p:sp>
     </p:spTree>
-    <p:extLst>
-      <p:ext uri="{BB962C8B-B14F-4D97-AF65-F5344CB8AC3E}">
-        <p14:creationId xmlns:p14="http://schemas.microsoft.com/office/powerpoint/2010/main" val="2529909579"/>
-      </p:ext>
-    </p:extLst>
   </p:cSld>
   <p:clrMapOvr>
     <a:masterClrMapping/>
@@ -695,7 +802,7 @@
           <a:lstStyle/>
           <a:p>
             <a:r>
-              <a:rPr lang="en-US" smtClean="0"/>
+              <a:rPr lang="en-US"/>
               <a:t>Click to edit Master title style</a:t>
             </a:r>
             <a:endParaRPr lang="bg-BG"/>
@@ -719,35 +826,35 @@
           <a:p>
             <a:pPr lvl="0"/>
             <a:r>
-              <a:rPr lang="en-US" smtClean="0"/>
+              <a:rPr lang="en-US"/>
               <a:t>Edit Master text styles</a:t>
             </a:r>
           </a:p>
           <a:p>
             <a:pPr lvl="1"/>
             <a:r>
-              <a:rPr lang="en-US" smtClean="0"/>
+              <a:rPr lang="en-US"/>
               <a:t>Second level</a:t>
             </a:r>
           </a:p>
           <a:p>
             <a:pPr lvl="2"/>
             <a:r>
-              <a:rPr lang="en-US" smtClean="0"/>
+              <a:rPr lang="en-US"/>
               <a:t>Third level</a:t>
             </a:r>
           </a:p>
           <a:p>
             <a:pPr lvl="3"/>
             <a:r>
-              <a:rPr lang="en-US" smtClean="0"/>
+              <a:rPr lang="en-US"/>
               <a:t>Fourth level</a:t>
             </a:r>
           </a:p>
           <a:p>
             <a:pPr lvl="4"/>
             <a:r>
-              <a:rPr lang="en-US" smtClean="0"/>
+              <a:rPr lang="en-US"/>
               <a:t>Fifth level</a:t>
             </a:r>
             <a:endParaRPr lang="bg-BG"/>
@@ -767,10 +874,20 @@
         <p:spPr/>
         <p:txBody>
           <a:bodyPr/>
-          <a:lstStyle/>
-          <a:p>
-            <a:fld id="{A42ACAFC-F8A5-44B2-A9BF-DC7A63AD09BD}" type="datetimeFigureOut">
-              <a:rPr lang="bg-BG" smtClean="0"/>
+          <a:lstStyle>
+            <a:lvl1pPr>
+              <a:defRPr/>
+            </a:lvl1pPr>
+          </a:lstStyle>
+          <a:p>
+            <a:pPr>
+              <a:defRPr/>
+            </a:pPr>
+            <a:fld id="{F0FEC618-DB01-4E7E-B124-BF0314123FAE}" type="datetimeFigureOut">
+              <a:rPr lang="bg-BG"/>
+              <a:pPr>
+                <a:defRPr/>
+              </a:pPr>
               <a:t>12.3.2022 г.</a:t>
             </a:fld>
             <a:endParaRPr lang="bg-BG"/>
@@ -790,8 +907,15 @@
         <p:spPr/>
         <p:txBody>
           <a:bodyPr/>
-          <a:lstStyle/>
-          <a:p>
+          <a:lstStyle>
+            <a:lvl1pPr>
+              <a:defRPr/>
+            </a:lvl1pPr>
+          </a:lstStyle>
+          <a:p>
+            <a:pPr>
+              <a:defRPr/>
+            </a:pPr>
             <a:endParaRPr lang="bg-BG"/>
           </a:p>
         </p:txBody>
@@ -809,10 +933,20 @@
         <p:spPr/>
         <p:txBody>
           <a:bodyPr/>
-          <a:lstStyle/>
-          <a:p>
-            <a:fld id="{0E9EAE1C-3D6B-4F7D-A505-A86A0FC67C6D}" type="slidenum">
-              <a:rPr lang="bg-BG" smtClean="0"/>
+          <a:lstStyle>
+            <a:lvl1pPr>
+              <a:defRPr/>
+            </a:lvl1pPr>
+          </a:lstStyle>
+          <a:p>
+            <a:pPr>
+              <a:defRPr/>
+            </a:pPr>
+            <a:fld id="{668620D9-CABB-4BB6-95D7-2E8F029F653B}" type="slidenum">
+              <a:rPr lang="bg-BG"/>
+              <a:pPr>
+                <a:defRPr/>
+              </a:pPr>
               <a:t>‹#›</a:t>
             </a:fld>
             <a:endParaRPr lang="bg-BG"/>
@@ -820,11 +954,6 @@
         </p:txBody>
       </p:sp>
     </p:spTree>
-    <p:extLst>
-      <p:ext uri="{BB962C8B-B14F-4D97-AF65-F5344CB8AC3E}">
-        <p14:creationId xmlns:p14="http://schemas.microsoft.com/office/powerpoint/2010/main" val="2107514889"/>
-      </p:ext>
-    </p:extLst>
   </p:cSld>
   <p:clrMapOvr>
     <a:masterClrMapping/>
@@ -874,7 +1003,7 @@
           </a:lstStyle>
           <a:p>
             <a:r>
-              <a:rPr lang="en-US" smtClean="0"/>
+              <a:rPr lang="en-US"/>
               <a:t>Click to edit Master title style</a:t>
             </a:r>
             <a:endParaRPr lang="bg-BG"/>
@@ -994,7 +1123,7 @@
           <a:p>
             <a:pPr lvl="0"/>
             <a:r>
-              <a:rPr lang="en-US" smtClean="0"/>
+              <a:rPr lang="en-US"/>
               <a:t>Edit Master text styles</a:t>
             </a:r>
           </a:p>
@@ -1013,10 +1142,20 @@
         <p:spPr/>
         <p:txBody>
           <a:bodyPr/>
-          <a:lstStyle/>
-          <a:p>
-            <a:fld id="{A42ACAFC-F8A5-44B2-A9BF-DC7A63AD09BD}" type="datetimeFigureOut">
-              <a:rPr lang="bg-BG" smtClean="0"/>
+          <a:lstStyle>
+            <a:lvl1pPr>
+              <a:defRPr/>
+            </a:lvl1pPr>
+          </a:lstStyle>
+          <a:p>
+            <a:pPr>
+              <a:defRPr/>
+            </a:pPr>
+            <a:fld id="{0FAF9D86-EF43-4E3F-98E9-4AEA6F23C160}" type="datetimeFigureOut">
+              <a:rPr lang="bg-BG"/>
+              <a:pPr>
+                <a:defRPr/>
+              </a:pPr>
               <a:t>12.3.2022 г.</a:t>
             </a:fld>
             <a:endParaRPr lang="bg-BG"/>
@@ -1036,8 +1175,15 @@
         <p:spPr/>
         <p:txBody>
           <a:bodyPr/>
-          <a:lstStyle/>
-          <a:p>
+          <a:lstStyle>
+            <a:lvl1pPr>
+              <a:defRPr/>
+            </a:lvl1pPr>
+          </a:lstStyle>
+          <a:p>
+            <a:pPr>
+              <a:defRPr/>
+            </a:pPr>
             <a:endParaRPr lang="bg-BG"/>
           </a:p>
         </p:txBody>
@@ -1055,10 +1201,20 @@
         <p:spPr/>
         <p:txBody>
           <a:bodyPr/>
-          <a:lstStyle/>
-          <a:p>
-            <a:fld id="{0E9EAE1C-3D6B-4F7D-A505-A86A0FC67C6D}" type="slidenum">
-              <a:rPr lang="bg-BG" smtClean="0"/>
+          <a:lstStyle>
+            <a:lvl1pPr>
+              <a:defRPr/>
+            </a:lvl1pPr>
+          </a:lstStyle>
+          <a:p>
+            <a:pPr>
+              <a:defRPr/>
+            </a:pPr>
+            <a:fld id="{748CD400-BDD4-4E5B-A304-E8223BAD2530}" type="slidenum">
+              <a:rPr lang="bg-BG"/>
+              <a:pPr>
+                <a:defRPr/>
+              </a:pPr>
               <a:t>‹#›</a:t>
             </a:fld>
             <a:endParaRPr lang="bg-BG"/>
@@ -1066,11 +1222,6 @@
         </p:txBody>
       </p:sp>
     </p:spTree>
-    <p:extLst>
-      <p:ext uri="{BB962C8B-B14F-4D97-AF65-F5344CB8AC3E}">
-        <p14:creationId xmlns:p14="http://schemas.microsoft.com/office/powerpoint/2010/main" val="3505285510"/>
-      </p:ext>
-    </p:extLst>
   </p:cSld>
   <p:clrMapOvr>
     <a:masterClrMapping/>
@@ -1111,7 +1262,7 @@
           <a:lstStyle/>
           <a:p>
             <a:r>
-              <a:rPr lang="en-US" smtClean="0"/>
+              <a:rPr lang="en-US"/>
               <a:t>Click to edit Master title style</a:t>
             </a:r>
             <a:endParaRPr lang="bg-BG"/>
@@ -1140,35 +1291,35 @@
           <a:p>
             <a:pPr lvl="0"/>
             <a:r>
-              <a:rPr lang="en-US" smtClean="0"/>
+              <a:rPr lang="en-US"/>
               <a:t>Edit Master text styles</a:t>
             </a:r>
           </a:p>
           <a:p>
             <a:pPr lvl="1"/>
             <a:r>
-              <a:rPr lang="en-US" smtClean="0"/>
+              <a:rPr lang="en-US"/>
               <a:t>Second level</a:t>
             </a:r>
           </a:p>
           <a:p>
             <a:pPr lvl="2"/>
             <a:r>
-              <a:rPr lang="en-US" smtClean="0"/>
+              <a:rPr lang="en-US"/>
               <a:t>Third level</a:t>
             </a:r>
           </a:p>
           <a:p>
             <a:pPr lvl="3"/>
             <a:r>
-              <a:rPr lang="en-US" smtClean="0"/>
+              <a:rPr lang="en-US"/>
               <a:t>Fourth level</a:t>
             </a:r>
           </a:p>
           <a:p>
             <a:pPr lvl="4"/>
             <a:r>
-              <a:rPr lang="en-US" smtClean="0"/>
+              <a:rPr lang="en-US"/>
               <a:t>Fifth level</a:t>
             </a:r>
             <a:endParaRPr lang="bg-BG"/>
@@ -1197,35 +1348,35 @@
           <a:p>
             <a:pPr lvl="0"/>
             <a:r>
-              <a:rPr lang="en-US" smtClean="0"/>
+              <a:rPr lang="en-US"/>
               <a:t>Edit Master text styles</a:t>
             </a:r>
           </a:p>
           <a:p>
             <a:pPr lvl="1"/>
             <a:r>
-              <a:rPr lang="en-US" smtClean="0"/>
+              <a:rPr lang="en-US"/>
               <a:t>Second level</a:t>
             </a:r>
           </a:p>
           <a:p>
             <a:pPr lvl="2"/>
             <a:r>
-              <a:rPr lang="en-US" smtClean="0"/>
+              <a:rPr lang="en-US"/>
               <a:t>Third level</a:t>
             </a:r>
           </a:p>
           <a:p>
             <a:pPr lvl="3"/>
             <a:r>
-              <a:rPr lang="en-US" smtClean="0"/>
+              <a:rPr lang="en-US"/>
               <a:t>Fourth level</a:t>
             </a:r>
           </a:p>
           <a:p>
             <a:pPr lvl="4"/>
             <a:r>
-              <a:rPr lang="en-US" smtClean="0"/>
+              <a:rPr lang="en-US"/>
               <a:t>Fifth level</a:t>
             </a:r>
             <a:endParaRPr lang="bg-BG"/>
@@ -1234,7 +1385,7 @@
       </p:sp>
       <p:sp>
         <p:nvSpPr>
-          <p:cNvPr id="5" name="Date Placeholder 4"/>
+          <p:cNvPr id="5" name="Date Placeholder 3"/>
           <p:cNvSpPr>
             <a:spLocks noGrp="1"/>
           </p:cNvSpPr>
@@ -1245,10 +1396,20 @@
         <p:spPr/>
         <p:txBody>
           <a:bodyPr/>
-          <a:lstStyle/>
-          <a:p>
-            <a:fld id="{A42ACAFC-F8A5-44B2-A9BF-DC7A63AD09BD}" type="datetimeFigureOut">
-              <a:rPr lang="bg-BG" smtClean="0"/>
+          <a:lstStyle>
+            <a:lvl1pPr>
+              <a:defRPr/>
+            </a:lvl1pPr>
+          </a:lstStyle>
+          <a:p>
+            <a:pPr>
+              <a:defRPr/>
+            </a:pPr>
+            <a:fld id="{BED2A788-6594-4C5C-91BC-856DEC05BC1F}" type="datetimeFigureOut">
+              <a:rPr lang="bg-BG"/>
+              <a:pPr>
+                <a:defRPr/>
+              </a:pPr>
               <a:t>12.3.2022 г.</a:t>
             </a:fld>
             <a:endParaRPr lang="bg-BG"/>
@@ -1257,7 +1418,7 @@
       </p:sp>
       <p:sp>
         <p:nvSpPr>
-          <p:cNvPr id="6" name="Footer Placeholder 5"/>
+          <p:cNvPr id="6" name="Footer Placeholder 4"/>
           <p:cNvSpPr>
             <a:spLocks noGrp="1"/>
           </p:cNvSpPr>
@@ -1268,15 +1429,22 @@
         <p:spPr/>
         <p:txBody>
           <a:bodyPr/>
-          <a:lstStyle/>
-          <a:p>
+          <a:lstStyle>
+            <a:lvl1pPr>
+              <a:defRPr/>
+            </a:lvl1pPr>
+          </a:lstStyle>
+          <a:p>
+            <a:pPr>
+              <a:defRPr/>
+            </a:pPr>
             <a:endParaRPr lang="bg-BG"/>
           </a:p>
         </p:txBody>
       </p:sp>
       <p:sp>
         <p:nvSpPr>
-          <p:cNvPr id="7" name="Slide Number Placeholder 6"/>
+          <p:cNvPr id="7" name="Slide Number Placeholder 5"/>
           <p:cNvSpPr>
             <a:spLocks noGrp="1"/>
           </p:cNvSpPr>
@@ -1287,10 +1455,20 @@
         <p:spPr/>
         <p:txBody>
           <a:bodyPr/>
-          <a:lstStyle/>
-          <a:p>
-            <a:fld id="{0E9EAE1C-3D6B-4F7D-A505-A86A0FC67C6D}" type="slidenum">
-              <a:rPr lang="bg-BG" smtClean="0"/>
+          <a:lstStyle>
+            <a:lvl1pPr>
+              <a:defRPr/>
+            </a:lvl1pPr>
+          </a:lstStyle>
+          <a:p>
+            <a:pPr>
+              <a:defRPr/>
+            </a:pPr>
+            <a:fld id="{B33FF80A-9E0B-42FC-A98B-D4518AF75370}" type="slidenum">
+              <a:rPr lang="bg-BG"/>
+              <a:pPr>
+                <a:defRPr/>
+              </a:pPr>
               <a:t>‹#›</a:t>
             </a:fld>
             <a:endParaRPr lang="bg-BG"/>
@@ -1298,11 +1476,6 @@
         </p:txBody>
       </p:sp>
     </p:spTree>
-    <p:extLst>
-      <p:ext uri="{BB962C8B-B14F-4D97-AF65-F5344CB8AC3E}">
-        <p14:creationId xmlns:p14="http://schemas.microsoft.com/office/powerpoint/2010/main" val="2914561738"/>
-      </p:ext>
-    </p:extLst>
   </p:cSld>
   <p:clrMapOvr>
     <a:masterClrMapping/>
@@ -1348,7 +1521,7 @@
           <a:lstStyle/>
           <a:p>
             <a:r>
-              <a:rPr lang="en-US" smtClean="0"/>
+              <a:rPr lang="en-US"/>
               <a:t>Click to edit Master title style</a:t>
             </a:r>
             <a:endParaRPr lang="bg-BG"/>
@@ -1414,7 +1587,7 @@
           <a:p>
             <a:pPr lvl="0"/>
             <a:r>
-              <a:rPr lang="en-US" smtClean="0"/>
+              <a:rPr lang="en-US"/>
               <a:t>Edit Master text styles</a:t>
             </a:r>
           </a:p>
@@ -1442,35 +1615,35 @@
           <a:p>
             <a:pPr lvl="0"/>
             <a:r>
-              <a:rPr lang="en-US" smtClean="0"/>
+              <a:rPr lang="en-US"/>
               <a:t>Edit Master text styles</a:t>
             </a:r>
           </a:p>
           <a:p>
             <a:pPr lvl="1"/>
             <a:r>
-              <a:rPr lang="en-US" smtClean="0"/>
+              <a:rPr lang="en-US"/>
               <a:t>Second level</a:t>
             </a:r>
           </a:p>
           <a:p>
             <a:pPr lvl="2"/>
             <a:r>
-              <a:rPr lang="en-US" smtClean="0"/>
+              <a:rPr lang="en-US"/>
               <a:t>Third level</a:t>
             </a:r>
           </a:p>
           <a:p>
             <a:pPr lvl="3"/>
             <a:r>
-              <a:rPr lang="en-US" smtClean="0"/>
+              <a:rPr lang="en-US"/>
               <a:t>Fourth level</a:t>
             </a:r>
           </a:p>
           <a:p>
             <a:pPr lvl="4"/>
             <a:r>
-              <a:rPr lang="en-US" smtClean="0"/>
+              <a:rPr lang="en-US"/>
               <a:t>Fifth level</a:t>
             </a:r>
             <a:endParaRPr lang="bg-BG"/>
@@ -1536,7 +1709,7 @@
           <a:p>
             <a:pPr lvl="0"/>
             <a:r>
-              <a:rPr lang="en-US" smtClean="0"/>
+              <a:rPr lang="en-US"/>
               <a:t>Edit Master text styles</a:t>
             </a:r>
           </a:p>
@@ -1564,35 +1737,35 @@
           <a:p>
             <a:pPr lvl="0"/>
             <a:r>
-              <a:rPr lang="en-US" smtClean="0"/>
+              <a:rPr lang="en-US"/>
               <a:t>Edit Master text styles</a:t>
             </a:r>
           </a:p>
           <a:p>
             <a:pPr lvl="1"/>
             <a:r>
-              <a:rPr lang="en-US" smtClean="0"/>
+              <a:rPr lang="en-US"/>
               <a:t>Second level</a:t>
             </a:r>
           </a:p>
           <a:p>
             <a:pPr lvl="2"/>
             <a:r>
-              <a:rPr lang="en-US" smtClean="0"/>
+              <a:rPr lang="en-US"/>
               <a:t>Third level</a:t>
             </a:r>
           </a:p>
           <a:p>
             <a:pPr lvl="3"/>
             <a:r>
-              <a:rPr lang="en-US" smtClean="0"/>
+              <a:rPr lang="en-US"/>
               <a:t>Fourth level</a:t>
             </a:r>
           </a:p>
           <a:p>
             <a:pPr lvl="4"/>
             <a:r>
-              <a:rPr lang="en-US" smtClean="0"/>
+              <a:rPr lang="en-US"/>
               <a:t>Fifth level</a:t>
             </a:r>
             <a:endParaRPr lang="bg-BG"/>
@@ -1601,7 +1774,7 @@
       </p:sp>
       <p:sp>
         <p:nvSpPr>
-          <p:cNvPr id="7" name="Date Placeholder 6"/>
+          <p:cNvPr id="7" name="Date Placeholder 3"/>
           <p:cNvSpPr>
             <a:spLocks noGrp="1"/>
           </p:cNvSpPr>
@@ -1612,10 +1785,20 @@
         <p:spPr/>
         <p:txBody>
           <a:bodyPr/>
-          <a:lstStyle/>
-          <a:p>
-            <a:fld id="{A42ACAFC-F8A5-44B2-A9BF-DC7A63AD09BD}" type="datetimeFigureOut">
-              <a:rPr lang="bg-BG" smtClean="0"/>
+          <a:lstStyle>
+            <a:lvl1pPr>
+              <a:defRPr/>
+            </a:lvl1pPr>
+          </a:lstStyle>
+          <a:p>
+            <a:pPr>
+              <a:defRPr/>
+            </a:pPr>
+            <a:fld id="{8D1EF202-C48E-4D05-A6D1-4693B5A6ECE4}" type="datetimeFigureOut">
+              <a:rPr lang="bg-BG"/>
+              <a:pPr>
+                <a:defRPr/>
+              </a:pPr>
               <a:t>12.3.2022 г.</a:t>
             </a:fld>
             <a:endParaRPr lang="bg-BG"/>
@@ -1624,7 +1807,7 @@
       </p:sp>
       <p:sp>
         <p:nvSpPr>
-          <p:cNvPr id="8" name="Footer Placeholder 7"/>
+          <p:cNvPr id="8" name="Footer Placeholder 4"/>
           <p:cNvSpPr>
             <a:spLocks noGrp="1"/>
           </p:cNvSpPr>
@@ -1635,15 +1818,22 @@
         <p:spPr/>
         <p:txBody>
           <a:bodyPr/>
-          <a:lstStyle/>
-          <a:p>
+          <a:lstStyle>
+            <a:lvl1pPr>
+              <a:defRPr/>
+            </a:lvl1pPr>
+          </a:lstStyle>
+          <a:p>
+            <a:pPr>
+              <a:defRPr/>
+            </a:pPr>
             <a:endParaRPr lang="bg-BG"/>
           </a:p>
         </p:txBody>
       </p:sp>
       <p:sp>
         <p:nvSpPr>
-          <p:cNvPr id="9" name="Slide Number Placeholder 8"/>
+          <p:cNvPr id="9" name="Slide Number Placeholder 5"/>
           <p:cNvSpPr>
             <a:spLocks noGrp="1"/>
           </p:cNvSpPr>
@@ -1654,10 +1844,20 @@
         <p:spPr/>
         <p:txBody>
           <a:bodyPr/>
-          <a:lstStyle/>
-          <a:p>
-            <a:fld id="{0E9EAE1C-3D6B-4F7D-A505-A86A0FC67C6D}" type="slidenum">
-              <a:rPr lang="bg-BG" smtClean="0"/>
+          <a:lstStyle>
+            <a:lvl1pPr>
+              <a:defRPr/>
+            </a:lvl1pPr>
+          </a:lstStyle>
+          <a:p>
+            <a:pPr>
+              <a:defRPr/>
+            </a:pPr>
+            <a:fld id="{850603FA-7490-4802-884D-84577C31BB36}" type="slidenum">
+              <a:rPr lang="bg-BG"/>
+              <a:pPr>
+                <a:defRPr/>
+              </a:pPr>
               <a:t>‹#›</a:t>
             </a:fld>
             <a:endParaRPr lang="bg-BG"/>
@@ -1665,11 +1865,6 @@
         </p:txBody>
       </p:sp>
     </p:spTree>
-    <p:extLst>
-      <p:ext uri="{BB962C8B-B14F-4D97-AF65-F5344CB8AC3E}">
-        <p14:creationId xmlns:p14="http://schemas.microsoft.com/office/powerpoint/2010/main" val="1750222603"/>
-      </p:ext>
-    </p:extLst>
   </p:cSld>
   <p:clrMapOvr>
     <a:masterClrMapping/>
@@ -1710,7 +1905,7 @@
           <a:lstStyle/>
           <a:p>
             <a:r>
-              <a:rPr lang="en-US" smtClean="0"/>
+              <a:rPr lang="en-US"/>
               <a:t>Click to edit Master title style</a:t>
             </a:r>
             <a:endParaRPr lang="bg-BG"/>
@@ -1719,7 +1914,7 @@
       </p:sp>
       <p:sp>
         <p:nvSpPr>
-          <p:cNvPr id="3" name="Date Placeholder 2"/>
+          <p:cNvPr id="3" name="Date Placeholder 3"/>
           <p:cNvSpPr>
             <a:spLocks noGrp="1"/>
           </p:cNvSpPr>
@@ -1730,10 +1925,20 @@
         <p:spPr/>
         <p:txBody>
           <a:bodyPr/>
-          <a:lstStyle/>
-          <a:p>
-            <a:fld id="{A42ACAFC-F8A5-44B2-A9BF-DC7A63AD09BD}" type="datetimeFigureOut">
-              <a:rPr lang="bg-BG" smtClean="0"/>
+          <a:lstStyle>
+            <a:lvl1pPr>
+              <a:defRPr/>
+            </a:lvl1pPr>
+          </a:lstStyle>
+          <a:p>
+            <a:pPr>
+              <a:defRPr/>
+            </a:pPr>
+            <a:fld id="{02D414C2-C9C1-406C-8094-D1B13B948162}" type="datetimeFigureOut">
+              <a:rPr lang="bg-BG"/>
+              <a:pPr>
+                <a:defRPr/>
+              </a:pPr>
               <a:t>12.3.2022 г.</a:t>
             </a:fld>
             <a:endParaRPr lang="bg-BG"/>
@@ -1742,7 +1947,7 @@
       </p:sp>
       <p:sp>
         <p:nvSpPr>
-          <p:cNvPr id="4" name="Footer Placeholder 3"/>
+          <p:cNvPr id="4" name="Footer Placeholder 4"/>
           <p:cNvSpPr>
             <a:spLocks noGrp="1"/>
           </p:cNvSpPr>
@@ -1753,15 +1958,22 @@
         <p:spPr/>
         <p:txBody>
           <a:bodyPr/>
-          <a:lstStyle/>
-          <a:p>
+          <a:lstStyle>
+            <a:lvl1pPr>
+              <a:defRPr/>
+            </a:lvl1pPr>
+          </a:lstStyle>
+          <a:p>
+            <a:pPr>
+              <a:defRPr/>
+            </a:pPr>
             <a:endParaRPr lang="bg-BG"/>
           </a:p>
         </p:txBody>
       </p:sp>
       <p:sp>
         <p:nvSpPr>
-          <p:cNvPr id="5" name="Slide Number Placeholder 4"/>
+          <p:cNvPr id="5" name="Slide Number Placeholder 5"/>
           <p:cNvSpPr>
             <a:spLocks noGrp="1"/>
           </p:cNvSpPr>
@@ -1772,10 +1984,20 @@
         <p:spPr/>
         <p:txBody>
           <a:bodyPr/>
-          <a:lstStyle/>
-          <a:p>
-            <a:fld id="{0E9EAE1C-3D6B-4F7D-A505-A86A0FC67C6D}" type="slidenum">
-              <a:rPr lang="bg-BG" smtClean="0"/>
+          <a:lstStyle>
+            <a:lvl1pPr>
+              <a:defRPr/>
+            </a:lvl1pPr>
+          </a:lstStyle>
+          <a:p>
+            <a:pPr>
+              <a:defRPr/>
+            </a:pPr>
+            <a:fld id="{B2BEB724-9FBF-4089-9966-2B90128E7250}" type="slidenum">
+              <a:rPr lang="bg-BG"/>
+              <a:pPr>
+                <a:defRPr/>
+              </a:pPr>
               <a:t>‹#›</a:t>
             </a:fld>
             <a:endParaRPr lang="bg-BG"/>
@@ -1783,11 +2005,6 @@
         </p:txBody>
       </p:sp>
     </p:spTree>
-    <p:extLst>
-      <p:ext uri="{BB962C8B-B14F-4D97-AF65-F5344CB8AC3E}">
-        <p14:creationId xmlns:p14="http://schemas.microsoft.com/office/powerpoint/2010/main" val="1233190753"/>
-      </p:ext>
-    </p:extLst>
   </p:cSld>
   <p:clrMapOvr>
     <a:masterClrMapping/>
@@ -1814,7 +2031,7 @@
       </p:grpSpPr>
       <p:sp>
         <p:nvSpPr>
-          <p:cNvPr id="2" name="Date Placeholder 1"/>
+          <p:cNvPr id="2" name="Date Placeholder 3"/>
           <p:cNvSpPr>
             <a:spLocks noGrp="1"/>
           </p:cNvSpPr>
@@ -1825,10 +2042,20 @@
         <p:spPr/>
         <p:txBody>
           <a:bodyPr/>
-          <a:lstStyle/>
-          <a:p>
-            <a:fld id="{A42ACAFC-F8A5-44B2-A9BF-DC7A63AD09BD}" type="datetimeFigureOut">
-              <a:rPr lang="bg-BG" smtClean="0"/>
+          <a:lstStyle>
+            <a:lvl1pPr>
+              <a:defRPr/>
+            </a:lvl1pPr>
+          </a:lstStyle>
+          <a:p>
+            <a:pPr>
+              <a:defRPr/>
+            </a:pPr>
+            <a:fld id="{EF66DD85-2526-479C-ACDA-E04399E1AA70}" type="datetimeFigureOut">
+              <a:rPr lang="bg-BG"/>
+              <a:pPr>
+                <a:defRPr/>
+              </a:pPr>
               <a:t>12.3.2022 г.</a:t>
             </a:fld>
             <a:endParaRPr lang="bg-BG"/>
@@ -1837,7 +2064,7 @@
       </p:sp>
       <p:sp>
         <p:nvSpPr>
-          <p:cNvPr id="3" name="Footer Placeholder 2"/>
+          <p:cNvPr id="3" name="Footer Placeholder 4"/>
           <p:cNvSpPr>
             <a:spLocks noGrp="1"/>
           </p:cNvSpPr>
@@ -1848,15 +2075,22 @@
         <p:spPr/>
         <p:txBody>
           <a:bodyPr/>
-          <a:lstStyle/>
-          <a:p>
+          <a:lstStyle>
+            <a:lvl1pPr>
+              <a:defRPr/>
+            </a:lvl1pPr>
+          </a:lstStyle>
+          <a:p>
+            <a:pPr>
+              <a:defRPr/>
+            </a:pPr>
             <a:endParaRPr lang="bg-BG"/>
           </a:p>
         </p:txBody>
       </p:sp>
       <p:sp>
         <p:nvSpPr>
-          <p:cNvPr id="4" name="Slide Number Placeholder 3"/>
+          <p:cNvPr id="4" name="Slide Number Placeholder 5"/>
           <p:cNvSpPr>
             <a:spLocks noGrp="1"/>
           </p:cNvSpPr>
@@ -1867,10 +2101,20 @@
         <p:spPr/>
         <p:txBody>
           <a:bodyPr/>
-          <a:lstStyle/>
-          <a:p>
-            <a:fld id="{0E9EAE1C-3D6B-4F7D-A505-A86A0FC67C6D}" type="slidenum">
-              <a:rPr lang="bg-BG" smtClean="0"/>
+          <a:lstStyle>
+            <a:lvl1pPr>
+              <a:defRPr/>
+            </a:lvl1pPr>
+          </a:lstStyle>
+          <a:p>
+            <a:pPr>
+              <a:defRPr/>
+            </a:pPr>
+            <a:fld id="{43AB28CD-5523-4CC3-968A-81573BBE1275}" type="slidenum">
+              <a:rPr lang="bg-BG"/>
+              <a:pPr>
+                <a:defRPr/>
+              </a:pPr>
               <a:t>‹#›</a:t>
             </a:fld>
             <a:endParaRPr lang="bg-BG"/>
@@ -1878,11 +2122,6 @@
         </p:txBody>
       </p:sp>
     </p:spTree>
-    <p:extLst>
-      <p:ext uri="{BB962C8B-B14F-4D97-AF65-F5344CB8AC3E}">
-        <p14:creationId xmlns:p14="http://schemas.microsoft.com/office/powerpoint/2010/main" val="1326139542"/>
-      </p:ext>
-    </p:extLst>
   </p:cSld>
   <p:clrMapOvr>
     <a:masterClrMapping/>
@@ -1932,7 +2171,7 @@
           </a:lstStyle>
           <a:p>
             <a:r>
-              <a:rPr lang="en-US" smtClean="0"/>
+              <a:rPr lang="en-US"/>
               <a:t>Click to edit Master title style</a:t>
             </a:r>
             <a:endParaRPr lang="bg-BG"/>
@@ -1989,35 +2228,35 @@
           <a:p>
             <a:pPr lvl="0"/>
             <a:r>
-              <a:rPr lang="en-US" smtClean="0"/>
+              <a:rPr lang="en-US"/>
               <a:t>Edit Master text styles</a:t>
             </a:r>
           </a:p>
           <a:p>
             <a:pPr lvl="1"/>
             <a:r>
-              <a:rPr lang="en-US" smtClean="0"/>
+              <a:rPr lang="en-US"/>
               <a:t>Second level</a:t>
             </a:r>
           </a:p>
           <a:p>
             <a:pPr lvl="2"/>
             <a:r>
-              <a:rPr lang="en-US" smtClean="0"/>
+              <a:rPr lang="en-US"/>
               <a:t>Third level</a:t>
             </a:r>
           </a:p>
           <a:p>
             <a:pPr lvl="3"/>
             <a:r>
-              <a:rPr lang="en-US" smtClean="0"/>
+              <a:rPr lang="en-US"/>
               <a:t>Fourth level</a:t>
             </a:r>
           </a:p>
           <a:p>
             <a:pPr lvl="4"/>
             <a:r>
-              <a:rPr lang="en-US" smtClean="0"/>
+              <a:rPr lang="en-US"/>
               <a:t>Fifth level</a:t>
             </a:r>
             <a:endParaRPr lang="bg-BG"/>
@@ -2083,7 +2322,7 @@
           <a:p>
             <a:pPr lvl="0"/>
             <a:r>
-              <a:rPr lang="en-US" smtClean="0"/>
+              <a:rPr lang="en-US"/>
               <a:t>Edit Master text styles</a:t>
             </a:r>
           </a:p>
@@ -2091,7 +2330,7 @@
       </p:sp>
       <p:sp>
         <p:nvSpPr>
-          <p:cNvPr id="5" name="Date Placeholder 4"/>
+          <p:cNvPr id="5" name="Date Placeholder 3"/>
           <p:cNvSpPr>
             <a:spLocks noGrp="1"/>
           </p:cNvSpPr>
@@ -2102,10 +2341,20 @@
         <p:spPr/>
         <p:txBody>
           <a:bodyPr/>
-          <a:lstStyle/>
-          <a:p>
-            <a:fld id="{A42ACAFC-F8A5-44B2-A9BF-DC7A63AD09BD}" type="datetimeFigureOut">
-              <a:rPr lang="bg-BG" smtClean="0"/>
+          <a:lstStyle>
+            <a:lvl1pPr>
+              <a:defRPr/>
+            </a:lvl1pPr>
+          </a:lstStyle>
+          <a:p>
+            <a:pPr>
+              <a:defRPr/>
+            </a:pPr>
+            <a:fld id="{BF4B84DE-6FD3-42BD-B7FD-47C2F2439C47}" type="datetimeFigureOut">
+              <a:rPr lang="bg-BG"/>
+              <a:pPr>
+                <a:defRPr/>
+              </a:pPr>
               <a:t>12.3.2022 г.</a:t>
             </a:fld>
             <a:endParaRPr lang="bg-BG"/>
@@ -2114,7 +2363,7 @@
       </p:sp>
       <p:sp>
         <p:nvSpPr>
-          <p:cNvPr id="6" name="Footer Placeholder 5"/>
+          <p:cNvPr id="6" name="Footer Placeholder 4"/>
           <p:cNvSpPr>
             <a:spLocks noGrp="1"/>
           </p:cNvSpPr>
@@ -2125,15 +2374,22 @@
         <p:spPr/>
         <p:txBody>
           <a:bodyPr/>
-          <a:lstStyle/>
-          <a:p>
+          <a:lstStyle>
+            <a:lvl1pPr>
+              <a:defRPr/>
+            </a:lvl1pPr>
+          </a:lstStyle>
+          <a:p>
+            <a:pPr>
+              <a:defRPr/>
+            </a:pPr>
             <a:endParaRPr lang="bg-BG"/>
           </a:p>
         </p:txBody>
       </p:sp>
       <p:sp>
         <p:nvSpPr>
-          <p:cNvPr id="7" name="Slide Number Placeholder 6"/>
+          <p:cNvPr id="7" name="Slide Number Placeholder 5"/>
           <p:cNvSpPr>
             <a:spLocks noGrp="1"/>
           </p:cNvSpPr>
@@ -2144,10 +2400,20 @@
         <p:spPr/>
         <p:txBody>
           <a:bodyPr/>
-          <a:lstStyle/>
-          <a:p>
-            <a:fld id="{0E9EAE1C-3D6B-4F7D-A505-A86A0FC67C6D}" type="slidenum">
-              <a:rPr lang="bg-BG" smtClean="0"/>
+          <a:lstStyle>
+            <a:lvl1pPr>
+              <a:defRPr/>
+            </a:lvl1pPr>
+          </a:lstStyle>
+          <a:p>
+            <a:pPr>
+              <a:defRPr/>
+            </a:pPr>
+            <a:fld id="{0F8FBDF9-78E2-43EE-80CD-8EADE28BF6CA}" type="slidenum">
+              <a:rPr lang="bg-BG"/>
+              <a:pPr>
+                <a:defRPr/>
+              </a:pPr>
               <a:t>‹#›</a:t>
             </a:fld>
             <a:endParaRPr lang="bg-BG"/>
@@ -2155,11 +2421,6 @@
         </p:txBody>
       </p:sp>
     </p:spTree>
-    <p:extLst>
-      <p:ext uri="{BB962C8B-B14F-4D97-AF65-F5344CB8AC3E}">
-        <p14:creationId xmlns:p14="http://schemas.microsoft.com/office/powerpoint/2010/main" val="3648929974"/>
-      </p:ext>
-    </p:extLst>
   </p:cSld>
   <p:clrMapOvr>
     <a:masterClrMapping/>
@@ -2209,7 +2470,7 @@
           </a:lstStyle>
           <a:p>
             <a:r>
-              <a:rPr lang="en-US" smtClean="0"/>
+              <a:rPr lang="en-US"/>
               <a:t>Click to edit Master title style</a:t>
             </a:r>
             <a:endParaRPr lang="bg-BG"/>
@@ -2233,7 +2494,9 @@
           </a:xfrm>
         </p:spPr>
         <p:txBody>
-          <a:bodyPr/>
+          <a:bodyPr rtlCol="0">
+            <a:normAutofit/>
+          </a:bodyPr>
           <a:lstStyle>
             <a:lvl1pPr marL="0" indent="0">
               <a:buNone/>
@@ -2273,7 +2536,8 @@
             </a:lvl9pPr>
           </a:lstStyle>
           <a:p>
-            <a:endParaRPr lang="bg-BG"/>
+            <a:pPr lvl="0"/>
+            <a:endParaRPr lang="bg-BG" noProof="0"/>
           </a:p>
         </p:txBody>
       </p:sp>
@@ -2336,7 +2600,7 @@
           <a:p>
             <a:pPr lvl="0"/>
             <a:r>
-              <a:rPr lang="en-US" smtClean="0"/>
+              <a:rPr lang="en-US"/>
               <a:t>Edit Master text styles</a:t>
             </a:r>
           </a:p>
@@ -2344,7 +2608,7 @@
       </p:sp>
       <p:sp>
         <p:nvSpPr>
-          <p:cNvPr id="5" name="Date Placeholder 4"/>
+          <p:cNvPr id="5" name="Date Placeholder 3"/>
           <p:cNvSpPr>
             <a:spLocks noGrp="1"/>
           </p:cNvSpPr>
@@ -2355,10 +2619,20 @@
         <p:spPr/>
         <p:txBody>
           <a:bodyPr/>
-          <a:lstStyle/>
-          <a:p>
-            <a:fld id="{A42ACAFC-F8A5-44B2-A9BF-DC7A63AD09BD}" type="datetimeFigureOut">
-              <a:rPr lang="bg-BG" smtClean="0"/>
+          <a:lstStyle>
+            <a:lvl1pPr>
+              <a:defRPr/>
+            </a:lvl1pPr>
+          </a:lstStyle>
+          <a:p>
+            <a:pPr>
+              <a:defRPr/>
+            </a:pPr>
+            <a:fld id="{4D77042D-A568-41BF-A021-F218E8D68FBB}" type="datetimeFigureOut">
+              <a:rPr lang="bg-BG"/>
+              <a:pPr>
+                <a:defRPr/>
+              </a:pPr>
               <a:t>12.3.2022 г.</a:t>
             </a:fld>
             <a:endParaRPr lang="bg-BG"/>
@@ -2367,7 +2641,7 @@
       </p:sp>
       <p:sp>
         <p:nvSpPr>
-          <p:cNvPr id="6" name="Footer Placeholder 5"/>
+          <p:cNvPr id="6" name="Footer Placeholder 4"/>
           <p:cNvSpPr>
             <a:spLocks noGrp="1"/>
           </p:cNvSpPr>
@@ -2378,15 +2652,22 @@
         <p:spPr/>
         <p:txBody>
           <a:bodyPr/>
-          <a:lstStyle/>
-          <a:p>
+          <a:lstStyle>
+            <a:lvl1pPr>
+              <a:defRPr/>
+            </a:lvl1pPr>
+          </a:lstStyle>
+          <a:p>
+            <a:pPr>
+              <a:defRPr/>
+            </a:pPr>
             <a:endParaRPr lang="bg-BG"/>
           </a:p>
         </p:txBody>
       </p:sp>
       <p:sp>
         <p:nvSpPr>
-          <p:cNvPr id="7" name="Slide Number Placeholder 6"/>
+          <p:cNvPr id="7" name="Slide Number Placeholder 5"/>
           <p:cNvSpPr>
             <a:spLocks noGrp="1"/>
           </p:cNvSpPr>
@@ -2397,10 +2678,20 @@
         <p:spPr/>
         <p:txBody>
           <a:bodyPr/>
-          <a:lstStyle/>
-          <a:p>
-            <a:fld id="{0E9EAE1C-3D6B-4F7D-A505-A86A0FC67C6D}" type="slidenum">
-              <a:rPr lang="bg-BG" smtClean="0"/>
+          <a:lstStyle>
+            <a:lvl1pPr>
+              <a:defRPr/>
+            </a:lvl1pPr>
+          </a:lstStyle>
+          <a:p>
+            <a:pPr>
+              <a:defRPr/>
+            </a:pPr>
+            <a:fld id="{57F06132-431E-4605-8CA4-2E258C18BAA6}" type="slidenum">
+              <a:rPr lang="bg-BG"/>
+              <a:pPr>
+                <a:defRPr/>
+              </a:pPr>
               <a:t>‹#›</a:t>
             </a:fld>
             <a:endParaRPr lang="bg-BG"/>
@@ -2408,11 +2699,6 @@
         </p:txBody>
       </p:sp>
     </p:spTree>
-    <p:extLst>
-      <p:ext uri="{BB962C8B-B14F-4D97-AF65-F5344CB8AC3E}">
-        <p14:creationId xmlns:p14="http://schemas.microsoft.com/office/powerpoint/2010/main" val="59344340"/>
-      </p:ext>
-    </p:extLst>
   </p:cSld>
   <p:clrMapOvr>
     <a:masterClrMapping/>
@@ -2444,7 +2730,7 @@
       </p:grpSpPr>
       <p:sp>
         <p:nvSpPr>
-          <p:cNvPr id="2" name="Title Placeholder 1"/>
+          <p:cNvPr id="1026" name="Title Placeholder 1"/>
           <p:cNvSpPr>
             <a:spLocks noGrp="1"/>
           </p:cNvSpPr>
@@ -2452,7 +2738,7 @@
             <p:ph type="title"/>
           </p:nvPr>
         </p:nvSpPr>
-        <p:spPr>
+        <p:spPr bwMode="auto">
           <a:xfrm>
             <a:off x="838200" y="365125"/>
             <a:ext cx="10515600" cy="1325563"/>
@@ -2460,15 +2746,25 @@
           <a:prstGeom prst="rect">
             <a:avLst/>
           </a:prstGeom>
+          <a:noFill/>
+          <a:ln w="9525">
+            <a:noFill/>
+            <a:miter lim="800000"/>
+            <a:headEnd/>
+            <a:tailEnd/>
+          </a:ln>
         </p:spPr>
         <p:txBody>
-          <a:bodyPr vert="horz" lIns="91440" tIns="45720" rIns="91440" bIns="45720" rtlCol="0" anchor="ctr">
-            <a:normAutofit/>
+          <a:bodyPr vert="horz" wrap="square" lIns="91440" tIns="45720" rIns="91440" bIns="45720" numCol="1" anchor="ctr" anchorCtr="0" compatLnSpc="1">
+            <a:prstTxWarp prst="textNoShape">
+              <a:avLst/>
+            </a:prstTxWarp>
           </a:bodyPr>
           <a:lstStyle/>
           <a:p>
-            <a:r>
-              <a:rPr lang="en-US" smtClean="0"/>
+            <a:pPr lvl="0"/>
+            <a:r>
+              <a:rPr lang="en-US"/>
               <a:t>Click to edit Master title style</a:t>
             </a:r>
             <a:endParaRPr lang="bg-BG"/>
@@ -2477,7 +2773,7 @@
       </p:sp>
       <p:sp>
         <p:nvSpPr>
-          <p:cNvPr id="3" name="Text Placeholder 2"/>
+          <p:cNvPr id="1027" name="Text Placeholder 2"/>
           <p:cNvSpPr>
             <a:spLocks noGrp="1"/>
           </p:cNvSpPr>
@@ -2485,7 +2781,7 @@
             <p:ph type="body" idx="1"/>
           </p:nvPr>
         </p:nvSpPr>
-        <p:spPr>
+        <p:spPr bwMode="auto">
           <a:xfrm>
             <a:off x="838200" y="1825625"/>
             <a:ext cx="10515600" cy="4351338"/>
@@ -2493,44 +2789,53 @@
           <a:prstGeom prst="rect">
             <a:avLst/>
           </a:prstGeom>
+          <a:noFill/>
+          <a:ln w="9525">
+            <a:noFill/>
+            <a:miter lim="800000"/>
+            <a:headEnd/>
+            <a:tailEnd/>
+          </a:ln>
         </p:spPr>
         <p:txBody>
-          <a:bodyPr vert="horz" lIns="91440" tIns="45720" rIns="91440" bIns="45720" rtlCol="0">
-            <a:normAutofit/>
+          <a:bodyPr vert="horz" wrap="square" lIns="91440" tIns="45720" rIns="91440" bIns="45720" numCol="1" anchor="t" anchorCtr="0" compatLnSpc="1">
+            <a:prstTxWarp prst="textNoShape">
+              <a:avLst/>
+            </a:prstTxWarp>
           </a:bodyPr>
           <a:lstStyle/>
           <a:p>
             <a:pPr lvl="0"/>
             <a:r>
-              <a:rPr lang="en-US" smtClean="0"/>
+              <a:rPr lang="en-US"/>
               <a:t>Edit Master text styles</a:t>
             </a:r>
           </a:p>
           <a:p>
             <a:pPr lvl="1"/>
             <a:r>
-              <a:rPr lang="en-US" smtClean="0"/>
+              <a:rPr lang="en-US"/>
               <a:t>Second level</a:t>
             </a:r>
           </a:p>
           <a:p>
             <a:pPr lvl="2"/>
             <a:r>
-              <a:rPr lang="en-US" smtClean="0"/>
+              <a:rPr lang="en-US"/>
               <a:t>Third level</a:t>
             </a:r>
           </a:p>
           <a:p>
             <a:pPr lvl="3"/>
             <a:r>
-              <a:rPr lang="en-US" smtClean="0"/>
+              <a:rPr lang="en-US"/>
               <a:t>Fourth level</a:t>
             </a:r>
           </a:p>
           <a:p>
             <a:pPr lvl="4"/>
             <a:r>
-              <a:rPr lang="en-US" smtClean="0"/>
+              <a:rPr lang="en-US"/>
               <a:t>Fifth level</a:t>
             </a:r>
             <a:endParaRPr lang="bg-BG"/>
@@ -2559,19 +2864,33 @@
         <p:txBody>
           <a:bodyPr vert="horz" lIns="91440" tIns="45720" rIns="91440" bIns="45720" rtlCol="0" anchor="ctr"/>
           <a:lstStyle>
-            <a:lvl1pPr algn="l">
-              <a:defRPr sz="1200">
+            <a:lvl1pPr algn="l" fontAlgn="auto">
+              <a:spcBef>
+                <a:spcPts val="0"/>
+              </a:spcBef>
+              <a:spcAft>
+                <a:spcPts val="0"/>
+              </a:spcAft>
+              <a:defRPr sz="1200" smtClean="0">
                 <a:solidFill>
                   <a:schemeClr val="tx1">
                     <a:tint val="75000"/>
                   </a:schemeClr>
                 </a:solidFill>
+                <a:latin typeface="+mn-lt"/>
+                <a:cs typeface="+mn-cs"/>
               </a:defRPr>
             </a:lvl1pPr>
           </a:lstStyle>
           <a:p>
-            <a:fld id="{A42ACAFC-F8A5-44B2-A9BF-DC7A63AD09BD}" type="datetimeFigureOut">
-              <a:rPr lang="bg-BG" smtClean="0"/>
+            <a:pPr>
+              <a:defRPr/>
+            </a:pPr>
+            <a:fld id="{8B91A615-463A-4884-89B0-6EF9641189A3}" type="datetimeFigureOut">
+              <a:rPr lang="bg-BG"/>
+              <a:pPr>
+                <a:defRPr/>
+              </a:pPr>
               <a:t>12.3.2022 г.</a:t>
             </a:fld>
             <a:endParaRPr lang="bg-BG"/>
@@ -2600,17 +2919,28 @@
         <p:txBody>
           <a:bodyPr vert="horz" lIns="91440" tIns="45720" rIns="91440" bIns="45720" rtlCol="0" anchor="ctr"/>
           <a:lstStyle>
-            <a:lvl1pPr algn="ctr">
+            <a:lvl1pPr algn="ctr" fontAlgn="auto">
+              <a:spcBef>
+                <a:spcPts val="0"/>
+              </a:spcBef>
+              <a:spcAft>
+                <a:spcPts val="0"/>
+              </a:spcAft>
               <a:defRPr sz="1200">
                 <a:solidFill>
                   <a:schemeClr val="tx1">
                     <a:tint val="75000"/>
                   </a:schemeClr>
                 </a:solidFill>
+                <a:latin typeface="+mn-lt"/>
+                <a:cs typeface="+mn-cs"/>
               </a:defRPr>
             </a:lvl1pPr>
           </a:lstStyle>
           <a:p>
+            <a:pPr>
+              <a:defRPr/>
+            </a:pPr>
             <a:endParaRPr lang="bg-BG"/>
           </a:p>
         </p:txBody>
@@ -2637,19 +2967,33 @@
         <p:txBody>
           <a:bodyPr vert="horz" lIns="91440" tIns="45720" rIns="91440" bIns="45720" rtlCol="0" anchor="ctr"/>
           <a:lstStyle>
-            <a:lvl1pPr algn="r">
-              <a:defRPr sz="1200">
+            <a:lvl1pPr algn="r" fontAlgn="auto">
+              <a:spcBef>
+                <a:spcPts val="0"/>
+              </a:spcBef>
+              <a:spcAft>
+                <a:spcPts val="0"/>
+              </a:spcAft>
+              <a:defRPr sz="1200" smtClean="0">
                 <a:solidFill>
                   <a:schemeClr val="tx1">
                     <a:tint val="75000"/>
                   </a:schemeClr>
                 </a:solidFill>
+                <a:latin typeface="+mn-lt"/>
+                <a:cs typeface="+mn-cs"/>
               </a:defRPr>
             </a:lvl1pPr>
           </a:lstStyle>
           <a:p>
-            <a:fld id="{0E9EAE1C-3D6B-4F7D-A505-A86A0FC67C6D}" type="slidenum">
-              <a:rPr lang="bg-BG" smtClean="0"/>
+            <a:pPr>
+              <a:defRPr/>
+            </a:pPr>
+            <a:fld id="{7D77E5A5-B2D8-49E5-B485-D4496117756E}" type="slidenum">
+              <a:rPr lang="bg-BG"/>
+              <a:pPr>
+                <a:defRPr/>
+              </a:pPr>
               <a:t>‹#›</a:t>
             </a:fld>
             <a:endParaRPr lang="bg-BG"/>
@@ -2657,11 +3001,6 @@
         </p:txBody>
       </p:sp>
     </p:spTree>
-    <p:extLst>
-      <p:ext uri="{BB962C8B-B14F-4D97-AF65-F5344CB8AC3E}">
-        <p14:creationId xmlns:p14="http://schemas.microsoft.com/office/powerpoint/2010/main" val="2287187080"/>
-      </p:ext>
-    </p:extLst>
   </p:cSld>
   <p:clrMap bg1="lt1" tx1="dk1" bg2="lt2" tx2="dk2" accent1="accent1" accent2="accent2" accent3="accent3" accent4="accent4" accent5="accent5" accent6="accent6" hlink="hlink" folHlink="folHlink"/>
   <p:sldLayoutIdLst>
@@ -2679,14 +3018,16 @@
   </p:sldLayoutIdLst>
   <p:txStyles>
     <p:titleStyle>
-      <a:lvl1pPr algn="l" defTabSz="914400" rtl="0" eaLnBrk="1" latinLnBrk="0" hangingPunct="1">
+      <a:lvl1pPr algn="l" rtl="0" fontAlgn="base">
         <a:lnSpc>
           <a:spcPct val="90000"/>
         </a:lnSpc>
         <a:spcBef>
           <a:spcPct val="0"/>
         </a:spcBef>
-        <a:buNone/>
+        <a:spcAft>
+          <a:spcPct val="0"/>
+        </a:spcAft>
         <a:defRPr sz="4400" kern="1200">
           <a:solidFill>
             <a:schemeClr val="tx1"/>
@@ -2696,16 +3037,155 @@
           <a:cs typeface="+mj-cs"/>
         </a:defRPr>
       </a:lvl1pPr>
+      <a:lvl2pPr algn="l" rtl="0" fontAlgn="base">
+        <a:lnSpc>
+          <a:spcPct val="90000"/>
+        </a:lnSpc>
+        <a:spcBef>
+          <a:spcPct val="0"/>
+        </a:spcBef>
+        <a:spcAft>
+          <a:spcPct val="0"/>
+        </a:spcAft>
+        <a:defRPr sz="4400">
+          <a:solidFill>
+            <a:schemeClr val="tx1"/>
+          </a:solidFill>
+          <a:latin typeface="Calibri Light" pitchFamily="34" charset="0"/>
+        </a:defRPr>
+      </a:lvl2pPr>
+      <a:lvl3pPr algn="l" rtl="0" fontAlgn="base">
+        <a:lnSpc>
+          <a:spcPct val="90000"/>
+        </a:lnSpc>
+        <a:spcBef>
+          <a:spcPct val="0"/>
+        </a:spcBef>
+        <a:spcAft>
+          <a:spcPct val="0"/>
+        </a:spcAft>
+        <a:defRPr sz="4400">
+          <a:solidFill>
+            <a:schemeClr val="tx1"/>
+          </a:solidFill>
+          <a:latin typeface="Calibri Light" pitchFamily="34" charset="0"/>
+        </a:defRPr>
+      </a:lvl3pPr>
+      <a:lvl4pPr algn="l" rtl="0" fontAlgn="base">
+        <a:lnSpc>
+          <a:spcPct val="90000"/>
+        </a:lnSpc>
+        <a:spcBef>
+          <a:spcPct val="0"/>
+        </a:spcBef>
+        <a:spcAft>
+          <a:spcPct val="0"/>
+        </a:spcAft>
+        <a:defRPr sz="4400">
+          <a:solidFill>
+            <a:schemeClr val="tx1"/>
+          </a:solidFill>
+          <a:latin typeface="Calibri Light" pitchFamily="34" charset="0"/>
+        </a:defRPr>
+      </a:lvl4pPr>
+      <a:lvl5pPr algn="l" rtl="0" fontAlgn="base">
+        <a:lnSpc>
+          <a:spcPct val="90000"/>
+        </a:lnSpc>
+        <a:spcBef>
+          <a:spcPct val="0"/>
+        </a:spcBef>
+        <a:spcAft>
+          <a:spcPct val="0"/>
+        </a:spcAft>
+        <a:defRPr sz="4400">
+          <a:solidFill>
+            <a:schemeClr val="tx1"/>
+          </a:solidFill>
+          <a:latin typeface="Calibri Light" pitchFamily="34" charset="0"/>
+        </a:defRPr>
+      </a:lvl5pPr>
+      <a:lvl6pPr marL="457200" algn="l" rtl="0" fontAlgn="base">
+        <a:lnSpc>
+          <a:spcPct val="90000"/>
+        </a:lnSpc>
+        <a:spcBef>
+          <a:spcPct val="0"/>
+        </a:spcBef>
+        <a:spcAft>
+          <a:spcPct val="0"/>
+        </a:spcAft>
+        <a:defRPr sz="4400">
+          <a:solidFill>
+            <a:schemeClr val="tx1"/>
+          </a:solidFill>
+          <a:latin typeface="Calibri Light" pitchFamily="34" charset="0"/>
+        </a:defRPr>
+      </a:lvl6pPr>
+      <a:lvl7pPr marL="914400" algn="l" rtl="0" fontAlgn="base">
+        <a:lnSpc>
+          <a:spcPct val="90000"/>
+        </a:lnSpc>
+        <a:spcBef>
+          <a:spcPct val="0"/>
+        </a:spcBef>
+        <a:spcAft>
+          <a:spcPct val="0"/>
+        </a:spcAft>
+        <a:defRPr sz="4400">
+          <a:solidFill>
+            <a:schemeClr val="tx1"/>
+          </a:solidFill>
+          <a:latin typeface="Calibri Light" pitchFamily="34" charset="0"/>
+        </a:defRPr>
+      </a:lvl7pPr>
+      <a:lvl8pPr marL="1371600" algn="l" rtl="0" fontAlgn="base">
+        <a:lnSpc>
+          <a:spcPct val="90000"/>
+        </a:lnSpc>
+        <a:spcBef>
+          <a:spcPct val="0"/>
+        </a:spcBef>
+        <a:spcAft>
+          <a:spcPct val="0"/>
+        </a:spcAft>
+        <a:defRPr sz="4400">
+          <a:solidFill>
+            <a:schemeClr val="tx1"/>
+          </a:solidFill>
+          <a:latin typeface="Calibri Light" pitchFamily="34" charset="0"/>
+        </a:defRPr>
+      </a:lvl8pPr>
+      <a:lvl9pPr marL="1828800" algn="l" rtl="0" fontAlgn="base">
+        <a:lnSpc>
+          <a:spcPct val="90000"/>
+        </a:lnSpc>
+        <a:spcBef>
+          <a:spcPct val="0"/>
+        </a:spcBef>
+        <a:spcAft>
+          <a:spcPct val="0"/>
+        </a:spcAft>
+        <a:defRPr sz="4400">
+          <a:solidFill>
+            <a:schemeClr val="tx1"/>
+          </a:solidFill>
+          <a:latin typeface="Calibri Light" pitchFamily="34" charset="0"/>
+        </a:defRPr>
+      </a:lvl9pPr>
     </p:titleStyle>
     <p:bodyStyle>
-      <a:lvl1pPr marL="228600" indent="-228600" algn="l" defTabSz="914400" rtl="0" eaLnBrk="1" latinLnBrk="0" hangingPunct="1">
+      <a:lvl1pPr marL="228600" indent="-228600" algn="l" rtl="0" fontAlgn="base">
         <a:lnSpc>
           <a:spcPct val="90000"/>
         </a:lnSpc>
         <a:spcBef>
           <a:spcPts val="1000"/>
         </a:spcBef>
-        <a:buFont typeface="Arial" panose="020B0604020202020204" pitchFamily="34" charset="0"/>
+        <a:spcAft>
+          <a:spcPct val="0"/>
+        </a:spcAft>
+        <a:buFont typeface="Arial" charset="0"/>
         <a:buChar char="•"/>
         <a:defRPr sz="2800" kern="1200">
           <a:solidFill>
@@ -2716,14 +3196,17 @@
           <a:cs typeface="+mn-cs"/>
         </a:defRPr>
       </a:lvl1pPr>
-      <a:lvl2pPr marL="685800" indent="-228600" algn="l" defTabSz="914400" rtl="0" eaLnBrk="1" latinLnBrk="0" hangingPunct="1">
+      <a:lvl2pPr marL="685800" indent="-228600" algn="l" rtl="0" fontAlgn="base">
         <a:lnSpc>
           <a:spcPct val="90000"/>
         </a:lnSpc>
         <a:spcBef>
           <a:spcPts val="500"/>
         </a:spcBef>
-        <a:buFont typeface="Arial" panose="020B0604020202020204" pitchFamily="34" charset="0"/>
+        <a:spcAft>
+          <a:spcPct val="0"/>
+        </a:spcAft>
+        <a:buFont typeface="Arial" charset="0"/>
         <a:buChar char="•"/>
         <a:defRPr sz="2400" kern="1200">
           <a:solidFill>
@@ -2734,14 +3217,17 @@
           <a:cs typeface="+mn-cs"/>
         </a:defRPr>
       </a:lvl2pPr>
-      <a:lvl3pPr marL="1143000" indent="-228600" algn="l" defTabSz="914400" rtl="0" eaLnBrk="1" latinLnBrk="0" hangingPunct="1">
+      <a:lvl3pPr marL="1143000" indent="-228600" algn="l" rtl="0" fontAlgn="base">
         <a:lnSpc>
           <a:spcPct val="90000"/>
         </a:lnSpc>
         <a:spcBef>
           <a:spcPts val="500"/>
         </a:spcBef>
-        <a:buFont typeface="Arial" panose="020B0604020202020204" pitchFamily="34" charset="0"/>
+        <a:spcAft>
+          <a:spcPct val="0"/>
+        </a:spcAft>
+        <a:buFont typeface="Arial" charset="0"/>
         <a:buChar char="•"/>
         <a:defRPr sz="2000" kern="1200">
           <a:solidFill>
@@ -2752,16 +3238,19 @@
           <a:cs typeface="+mn-cs"/>
         </a:defRPr>
       </a:lvl3pPr>
-      <a:lvl4pPr marL="1600200" indent="-228600" algn="l" defTabSz="914400" rtl="0" eaLnBrk="1" latinLnBrk="0" hangingPunct="1">
+      <a:lvl4pPr marL="1600200" indent="-228600" algn="l" rtl="0" fontAlgn="base">
         <a:lnSpc>
           <a:spcPct val="90000"/>
         </a:lnSpc>
         <a:spcBef>
           <a:spcPts val="500"/>
         </a:spcBef>
-        <a:buFont typeface="Arial" panose="020B0604020202020204" pitchFamily="34" charset="0"/>
+        <a:spcAft>
+          <a:spcPct val="0"/>
+        </a:spcAft>
+        <a:buFont typeface="Arial" charset="0"/>
         <a:buChar char="•"/>
-        <a:defRPr sz="1800" kern="1200">
+        <a:defRPr kern="1200">
           <a:solidFill>
             <a:schemeClr val="tx1"/>
           </a:solidFill>
@@ -2770,16 +3259,19 @@
           <a:cs typeface="+mn-cs"/>
         </a:defRPr>
       </a:lvl4pPr>
-      <a:lvl5pPr marL="2057400" indent="-228600" algn="l" defTabSz="914400" rtl="0" eaLnBrk="1" latinLnBrk="0" hangingPunct="1">
+      <a:lvl5pPr marL="2057400" indent="-228600" algn="l" rtl="0" fontAlgn="base">
         <a:lnSpc>
           <a:spcPct val="90000"/>
         </a:lnSpc>
         <a:spcBef>
           <a:spcPts val="500"/>
         </a:spcBef>
-        <a:buFont typeface="Arial" panose="020B0604020202020204" pitchFamily="34" charset="0"/>
+        <a:spcAft>
+          <a:spcPct val="0"/>
+        </a:spcAft>
+        <a:buFont typeface="Arial" charset="0"/>
         <a:buChar char="•"/>
-        <a:defRPr sz="1800" kern="1200">
+        <a:defRPr kern="1200">
           <a:solidFill>
             <a:schemeClr val="tx1"/>
           </a:solidFill>
@@ -2965,10 +3457,8 @@
   <p:cSld>
     <p:bg>
       <p:bgPr>
-        <a:blipFill dpi="0" rotWithShape="1">
-          <a:blip r:embed="rId2">
-            <a:lum/>
-          </a:blip>
+        <a:blipFill dpi="0" rotWithShape="0">
+          <a:blip r:embed="rId2"/>
           <a:srcRect/>
           <a:stretch>
             <a:fillRect/>
@@ -2991,6 +3481,53 @@
           <a:chExt cx="0" cy="0"/>
         </a:xfrm>
       </p:grpSpPr>
+      <p:pic>
+        <p:nvPicPr>
+          <p:cNvPr id="1026" name="Picture 2" descr="Rising Cosmos Wallpaper">
+            <a:extLst>
+              <a:ext uri="{FF2B5EF4-FFF2-40B4-BE49-F238E27FC236}">
+                <a16:creationId xmlns:a16="http://schemas.microsoft.com/office/drawing/2014/main" id="{29C1B4DE-FB8A-49C9-A929-D8BA06F22ED9}"/>
+              </a:ext>
+            </a:extLst>
+          </p:cNvPr>
+          <p:cNvPicPr>
+            <a:picLocks noChangeAspect="1" noChangeArrowheads="1"/>
+          </p:cNvPicPr>
+          <p:nvPr/>
+        </p:nvPicPr>
+        <p:blipFill>
+          <a:blip r:embed="rId3">
+            <a:extLst>
+              <a:ext uri="{28A0092B-C50C-407E-A947-70E740481C1C}">
+                <a14:useLocalDpi xmlns:a14="http://schemas.microsoft.com/office/drawing/2010/main" val="0"/>
+              </a:ext>
+            </a:extLst>
+          </a:blip>
+          <a:srcRect/>
+          <a:stretch>
+            <a:fillRect/>
+          </a:stretch>
+        </p:blipFill>
+        <p:spPr bwMode="auto">
+          <a:xfrm>
+            <a:off x="-315310" y="-663413"/>
+            <a:ext cx="12507310" cy="7817069"/>
+          </a:xfrm>
+          <a:prstGeom prst="rect">
+            <a:avLst/>
+          </a:prstGeom>
+          <a:noFill/>
+          <a:extLst>
+            <a:ext uri="{909E8E84-426E-40DD-AFC4-6F175D3DCCD1}">
+              <a14:hiddenFill xmlns:a14="http://schemas.microsoft.com/office/drawing/2010/main">
+                <a:solidFill>
+                  <a:srgbClr val="FFFFFF"/>
+                </a:solidFill>
+              </a14:hiddenFill>
+            </a:ext>
+          </a:extLst>
+        </p:spPr>
+      </p:pic>
       <p:sp>
         <p:nvSpPr>
           <p:cNvPr id="2" name="Title 1"/>
@@ -3003,15 +3540,23 @@
         </p:nvSpPr>
         <p:spPr/>
         <p:txBody>
-          <a:bodyPr>
+          <a:bodyPr rtlCol="0">
             <a:normAutofit/>
           </a:bodyPr>
           <a:lstStyle/>
           <a:p>
-            <a:r>
-              <a:rPr lang="en-US" sz="8800" b="1" dirty="0" smtClean="0">
-                <a:solidFill>
-                  <a:schemeClr val="bg1"/>
+            <a:pPr fontAlgn="auto">
+              <a:spcAft>
+                <a:spcPts val="0"/>
+              </a:spcAft>
+              <a:defRPr/>
+            </a:pPr>
+            <a:r>
+              <a:rPr lang="en-US" sz="8800" b="1" dirty="0">
+                <a:solidFill>
+                  <a:schemeClr val="accent1">
+                    <a:lumMod val="75000"/>
+                  </a:schemeClr>
                 </a:solidFill>
                 <a:effectLst>
                   <a:outerShdw blurRad="38100" dist="38100" dir="2700000" algn="tl">
@@ -3021,26 +3566,13 @@
                   </a:outerShdw>
                 </a:effectLst>
               </a:rPr>
-              <a:t>SPACE </a:t>
-            </a:r>
-            <a:r>
-              <a:rPr lang="en-US" sz="8800" b="1" dirty="0" smtClean="0">
-                <a:solidFill>
-                  <a:schemeClr val="bg1"/>
-                </a:solidFill>
-                <a:effectLst>
-                  <a:outerShdw blurRad="38100" dist="38100" dir="2700000" algn="tl">
-                    <a:srgbClr val="000000">
-                      <a:alpha val="43137"/>
-                    </a:srgbClr>
-                  </a:outerShdw>
-                </a:effectLst>
-              </a:rPr>
-              <a:t>FUN</a:t>
+              <a:t>SPACE FUN</a:t>
             </a:r>
             <a:endParaRPr lang="bg-BG" sz="8800" b="1" dirty="0">
               <a:solidFill>
-                <a:schemeClr val="bg1"/>
+                <a:schemeClr val="accent1">
+                  <a:lumMod val="75000"/>
+                </a:schemeClr>
               </a:solidFill>
               <a:effectLst>
                 <a:outerShdw blurRad="38100" dist="38100" dir="2700000" algn="tl">
@@ -3065,13 +3597,17 @@
         </p:nvSpPr>
         <p:spPr/>
         <p:txBody>
-          <a:bodyPr/>
+          <a:bodyPr>
+            <a:normAutofit/>
+          </a:bodyPr>
           <a:lstStyle/>
           <a:p>
             <a:r>
-              <a:rPr lang="bg-BG" b="1" dirty="0" smtClean="0">
-                <a:solidFill>
-                  <a:schemeClr val="bg1"/>
+              <a:rPr lang="bg-BG" sz="2000" b="1" dirty="0">
+                <a:solidFill>
+                  <a:schemeClr val="accent1">
+                    <a:lumMod val="75000"/>
+                  </a:schemeClr>
                 </a:solidFill>
                 <a:effectLst>
                   <a:outerShdw blurRad="38100" dist="38100" dir="2700000" algn="tl">
@@ -3080,12 +3616,15 @@
                     </a:srgbClr>
                   </a:outerShdw>
                 </a:effectLst>
+                <a:latin typeface="Arial" charset="0"/>
               </a:rPr>
-              <a:t>Представено от тийм „Мазните“</a:t>
-            </a:r>
-            <a:endParaRPr lang="bg-BG" b="1" dirty="0">
+              <a:t>Изготвено от отбор „Мазните“</a:t>
+            </a:r>
+            <a:endParaRPr lang="bg-BG" sz="2000" b="1" dirty="0">
               <a:solidFill>
-                <a:schemeClr val="bg1"/>
+                <a:schemeClr val="accent1">
+                  <a:lumMod val="75000"/>
+                </a:schemeClr>
               </a:solidFill>
               <a:effectLst>
                 <a:outerShdw blurRad="38100" dist="38100" dir="2700000" algn="tl">
@@ -3099,22 +3638,22 @@
         </p:txBody>
       </p:sp>
     </p:spTree>
-    <p:extLst>
-      <p:ext uri="{BB962C8B-B14F-4D97-AF65-F5344CB8AC3E}">
-        <p14:creationId xmlns:p14="http://schemas.microsoft.com/office/powerpoint/2010/main" val="702906238"/>
-      </p:ext>
-    </p:extLst>
   </p:cSld>
   <p:clrMapOvr>
     <a:masterClrMapping/>
   </p:clrMapOvr>
-  <p:timing>
-    <p:tnLst>
-      <p:par>
-        <p:cTn id="1" dur="indefinite" restart="never" nodeType="tmRoot"/>
-      </p:par>
-    </p:tnLst>
-  </p:timing>
+  <mc:AlternateContent xmlns:mc="http://schemas.openxmlformats.org/markup-compatibility/2006" xmlns:p15="http://schemas.microsoft.com/office/powerpoint/2012/main">
+    <mc:Choice Requires="p15">
+      <p:transition xmlns:p14="http://schemas.microsoft.com/office/powerpoint/2010/main" spd="slow" p14:dur="6000">
+        <p15:prstTrans prst="curtains"/>
+      </p:transition>
+    </mc:Choice>
+    <mc:Fallback xmlns="">
+      <p:transition spd="slow">
+        <p:fade/>
+      </p:transition>
+    </mc:Fallback>
+  </mc:AlternateContent>
 </p:sld>
 </file>
 
@@ -3123,10 +3662,8 @@
   <p:cSld>
     <p:bg>
       <p:bgPr>
-        <a:blipFill dpi="0" rotWithShape="1">
-          <a:blip r:embed="rId2">
-            <a:lum/>
-          </a:blip>
+        <a:blipFill dpi="0" rotWithShape="0">
+          <a:blip r:embed="rId2"/>
           <a:srcRect/>
           <a:stretch>
             <a:fillRect/>
@@ -3149,6 +3686,53 @@
           <a:chExt cx="0" cy="0"/>
         </a:xfrm>
       </p:grpSpPr>
+      <p:pic>
+        <p:nvPicPr>
+          <p:cNvPr id="2050" name="Picture 2" descr="Rising Cosmos Wallpaper">
+            <a:extLst>
+              <a:ext uri="{FF2B5EF4-FFF2-40B4-BE49-F238E27FC236}">
+                <a16:creationId xmlns:a16="http://schemas.microsoft.com/office/drawing/2014/main" id="{F7284267-AA9F-4CE5-99C1-379CA1F49882}"/>
+              </a:ext>
+            </a:extLst>
+          </p:cNvPr>
+          <p:cNvPicPr>
+            <a:picLocks noChangeAspect="1" noChangeArrowheads="1"/>
+          </p:cNvPicPr>
+          <p:nvPr/>
+        </p:nvPicPr>
+        <p:blipFill>
+          <a:blip r:embed="rId3">
+            <a:extLst>
+              <a:ext uri="{28A0092B-C50C-407E-A947-70E740481C1C}">
+                <a14:useLocalDpi xmlns:a14="http://schemas.microsoft.com/office/drawing/2010/main" val="0"/>
+              </a:ext>
+            </a:extLst>
+          </a:blip>
+          <a:srcRect/>
+          <a:stretch>
+            <a:fillRect/>
+          </a:stretch>
+        </p:blipFill>
+        <p:spPr bwMode="auto">
+          <a:xfrm>
+            <a:off x="0" y="-624840"/>
+            <a:ext cx="12192000" cy="7620000"/>
+          </a:xfrm>
+          <a:prstGeom prst="rect">
+            <a:avLst/>
+          </a:prstGeom>
+          <a:noFill/>
+          <a:extLst>
+            <a:ext uri="{909E8E84-426E-40DD-AFC4-6F175D3DCCD1}">
+              <a14:hiddenFill xmlns:a14="http://schemas.microsoft.com/office/drawing/2010/main">
+                <a:solidFill>
+                  <a:srgbClr val="FFFFFF"/>
+                </a:solidFill>
+              </a14:hiddenFill>
+            </a:ext>
+          </a:extLst>
+        </p:spPr>
+      </p:pic>
       <p:sp>
         <p:nvSpPr>
           <p:cNvPr id="2" name="Title 1"/>
@@ -3168,38 +3752,29 @@
           <a:p>
             <a:pPr algn="ctr"/>
             <a:r>
-              <a:rPr lang="bg-BG" sz="4800" b="1" dirty="0" smtClean="0">
-                <a:solidFill>
-                  <a:schemeClr val="bg1"/>
-                </a:solidFill>
-                <a:effectLst>
-                  <a:outerShdw blurRad="38100" dist="38100" dir="2700000" algn="tl">
-                    <a:srgbClr val="000000">
-                      <a:alpha val="43137"/>
-                    </a:srgbClr>
-                  </a:outerShdw>
-                </a:effectLst>
+              <a:rPr lang="bg-BG" sz="4800" dirty="0">
+                <a:solidFill>
+                  <a:schemeClr val="accent1">
+                    <a:lumMod val="75000"/>
+                  </a:schemeClr>
+                </a:solidFill>
               </a:rPr>
-              <a:t>Представителите на тима</a:t>
-            </a:r>
-            <a:endParaRPr lang="bg-BG" sz="4800" b="1" dirty="0">
+              <a:t>Представителите на отбора</a:t>
+            </a:r>
+            <a:endParaRPr lang="bg-BG" sz="4800" dirty="0">
               <a:solidFill>
-                <a:schemeClr val="bg1"/>
+                <a:schemeClr val="accent1">
+                  <a:lumMod val="75000"/>
+                </a:schemeClr>
               </a:solidFill>
-              <a:effectLst>
-                <a:outerShdw blurRad="38100" dist="38100" dir="2700000" algn="tl">
-                  <a:srgbClr val="000000">
-                    <a:alpha val="43137"/>
-                  </a:srgbClr>
-                </a:outerShdw>
-              </a:effectLst>
+              <a:latin typeface="Arial" charset="0"/>
             </a:endParaRPr>
           </a:p>
         </p:txBody>
       </p:sp>
       <p:sp>
         <p:nvSpPr>
-          <p:cNvPr id="3" name="Content Placeholder 2"/>
+          <p:cNvPr id="14339" name="Content Placeholder 2"/>
           <p:cNvSpPr>
             <a:spLocks noGrp="1"/>
           </p:cNvSpPr>
@@ -3207,66 +3782,91 @@
             <p:ph idx="1"/>
           </p:nvPr>
         </p:nvSpPr>
-        <p:spPr/>
-        <p:txBody>
-          <a:bodyPr>
-            <a:normAutofit/>
-          </a:bodyPr>
+        <p:spPr>
+          <a:xfrm>
+            <a:off x="838200" y="2853559"/>
+            <a:ext cx="10515600" cy="3323403"/>
+          </a:xfrm>
+        </p:spPr>
+        <p:txBody>
+          <a:bodyPr/>
           <a:lstStyle/>
           <a:p>
-            <a:r>
-              <a:rPr lang="bg-BG" sz="4000" dirty="0" smtClean="0">
-                <a:solidFill>
-                  <a:schemeClr val="bg1"/>
-                </a:solidFill>
-              </a:rPr>
-              <a:t>Александър Малинов – 8б</a:t>
-            </a:r>
-          </a:p>
-          <a:p>
-            <a:r>
-              <a:rPr lang="bg-BG" sz="4000" dirty="0" smtClean="0">
-                <a:solidFill>
-                  <a:schemeClr val="bg1"/>
-                </a:solidFill>
-              </a:rPr>
-              <a:t>Антон Николов – 8б</a:t>
-            </a:r>
-          </a:p>
-          <a:p>
-            <a:r>
-              <a:rPr lang="bg-BG" sz="4000" dirty="0" smtClean="0">
-                <a:solidFill>
-                  <a:schemeClr val="bg1"/>
-                </a:solidFill>
-              </a:rPr>
-              <a:t>Мартин Дойчинов – 8б</a:t>
-            </a:r>
-            <a:endParaRPr lang="bg-BG" sz="4000" dirty="0">
+            <a:endParaRPr lang="en-US" sz="4000" dirty="0">
               <a:solidFill>
                 <a:schemeClr val="bg1"/>
               </a:solidFill>
             </a:endParaRPr>
           </a:p>
+          <a:p>
+            <a:r>
+              <a:rPr lang="bg-BG" sz="4000" dirty="0">
+                <a:solidFill>
+                  <a:schemeClr val="accent1">
+                    <a:lumMod val="75000"/>
+                  </a:schemeClr>
+                </a:solidFill>
+              </a:rPr>
+              <a:t>Александър Малинов – 8б</a:t>
+            </a:r>
+            <a:endParaRPr lang="en-US" sz="4000" dirty="0">
+              <a:solidFill>
+                <a:schemeClr val="accent1">
+                  <a:lumMod val="75000"/>
+                </a:schemeClr>
+              </a:solidFill>
+            </a:endParaRPr>
+          </a:p>
+          <a:p>
+            <a:r>
+              <a:rPr lang="bg-BG" sz="4000" dirty="0">
+                <a:solidFill>
+                  <a:schemeClr val="accent1">
+                    <a:lumMod val="75000"/>
+                  </a:schemeClr>
+                </a:solidFill>
+              </a:rPr>
+              <a:t>Антон Николов – 8б</a:t>
+            </a:r>
+            <a:endParaRPr lang="en-US" sz="4000" dirty="0">
+              <a:solidFill>
+                <a:schemeClr val="accent1">
+                  <a:lumMod val="75000"/>
+                </a:schemeClr>
+              </a:solidFill>
+            </a:endParaRPr>
+          </a:p>
+          <a:p>
+            <a:r>
+              <a:rPr lang="bg-BG" sz="4000" dirty="0">
+                <a:solidFill>
+                  <a:schemeClr val="accent1">
+                    <a:lumMod val="75000"/>
+                  </a:schemeClr>
+                </a:solidFill>
+              </a:rPr>
+              <a:t>Мартин Дойчинов – 8б</a:t>
+            </a:r>
+          </a:p>
         </p:txBody>
       </p:sp>
     </p:spTree>
-    <p:extLst>
-      <p:ext uri="{BB962C8B-B14F-4D97-AF65-F5344CB8AC3E}">
-        <p14:creationId xmlns:p14="http://schemas.microsoft.com/office/powerpoint/2010/main" val="2726970939"/>
-      </p:ext>
-    </p:extLst>
   </p:cSld>
   <p:clrMapOvr>
     <a:masterClrMapping/>
   </p:clrMapOvr>
-  <p:timing>
-    <p:tnLst>
-      <p:par>
-        <p:cTn id="1" dur="indefinite" restart="never" nodeType="tmRoot"/>
-      </p:par>
-    </p:tnLst>
-  </p:timing>
+  <mc:AlternateContent xmlns:mc="http://schemas.openxmlformats.org/markup-compatibility/2006" xmlns:p15="http://schemas.microsoft.com/office/powerpoint/2012/main">
+    <mc:Choice Requires="p15">
+      <p:transition xmlns:p14="http://schemas.microsoft.com/office/powerpoint/2010/main" spd="slow" p14:dur="2000">
+        <p15:prstTrans prst="wind"/>
+      </p:transition>
+    </mc:Choice>
+    <mc:Fallback xmlns="">
+      <p:transition spd="slow">
+        <p:fade/>
+      </p:transition>
+    </mc:Fallback>
+  </mc:AlternateContent>
 </p:sld>
 </file>
 
@@ -3275,10 +3875,8 @@
   <p:cSld>
     <p:bg>
       <p:bgPr>
-        <a:blipFill dpi="0" rotWithShape="1">
-          <a:blip r:embed="rId2">
-            <a:lum/>
-          </a:blip>
+        <a:blipFill dpi="0" rotWithShape="0">
+          <a:blip r:embed="rId2"/>
           <a:srcRect/>
           <a:stretch>
             <a:fillRect/>
@@ -3301,6 +3899,53 @@
           <a:chExt cx="0" cy="0"/>
         </a:xfrm>
       </p:grpSpPr>
+      <p:pic>
+        <p:nvPicPr>
+          <p:cNvPr id="3074" name="Picture 2" descr="Rising Cosmos Wallpaper">
+            <a:extLst>
+              <a:ext uri="{FF2B5EF4-FFF2-40B4-BE49-F238E27FC236}">
+                <a16:creationId xmlns:a16="http://schemas.microsoft.com/office/drawing/2014/main" id="{5F10AD66-9E94-447C-853D-A7CEDBFD2CA2}"/>
+              </a:ext>
+            </a:extLst>
+          </p:cNvPr>
+          <p:cNvPicPr>
+            <a:picLocks noChangeAspect="1" noChangeArrowheads="1"/>
+          </p:cNvPicPr>
+          <p:nvPr/>
+        </p:nvPicPr>
+        <p:blipFill>
+          <a:blip r:embed="rId3">
+            <a:extLst>
+              <a:ext uri="{28A0092B-C50C-407E-A947-70E740481C1C}">
+                <a14:useLocalDpi xmlns:a14="http://schemas.microsoft.com/office/drawing/2010/main" val="0"/>
+              </a:ext>
+            </a:extLst>
+          </a:blip>
+          <a:srcRect/>
+          <a:stretch>
+            <a:fillRect/>
+          </a:stretch>
+        </p:blipFill>
+        <p:spPr bwMode="auto">
+          <a:xfrm>
+            <a:off x="0" y="0"/>
+            <a:ext cx="12839436" cy="7737747"/>
+          </a:xfrm>
+          <a:prstGeom prst="rect">
+            <a:avLst/>
+          </a:prstGeom>
+          <a:noFill/>
+          <a:extLst>
+            <a:ext uri="{909E8E84-426E-40DD-AFC4-6F175D3DCCD1}">
+              <a14:hiddenFill xmlns:a14="http://schemas.microsoft.com/office/drawing/2010/main">
+                <a:solidFill>
+                  <a:srgbClr val="FFFFFF"/>
+                </a:solidFill>
+              </a14:hiddenFill>
+            </a:ext>
+          </a:extLst>
+        </p:spPr>
+      </p:pic>
       <p:sp>
         <p:nvSpPr>
           <p:cNvPr id="2" name="Title 1"/>
@@ -3312,117 +3957,104 @@
           </p:nvPr>
         </p:nvSpPr>
         <p:spPr/>
+        <p:txBody>
+          <a:bodyPr rtlCol="0">
+            <a:normAutofit/>
+          </a:bodyPr>
+          <a:lstStyle/>
+          <a:p>
+            <a:pPr algn="ctr" fontAlgn="auto">
+              <a:spcAft>
+                <a:spcPts val="0"/>
+              </a:spcAft>
+              <a:defRPr/>
+            </a:pPr>
+            <a:r>
+              <a:rPr lang="en-US" sz="5400" dirty="0">
+                <a:solidFill>
+                  <a:schemeClr val="accent1">
+                    <a:lumMod val="75000"/>
+                  </a:schemeClr>
+                </a:solidFill>
+              </a:rPr>
+              <a:t>SPACE RECYCLER</a:t>
+            </a:r>
+            <a:endParaRPr lang="bg-BG" sz="5400" dirty="0">
+              <a:solidFill>
+                <a:schemeClr val="accent1">
+                  <a:lumMod val="75000"/>
+                </a:schemeClr>
+              </a:solidFill>
+            </a:endParaRPr>
+          </a:p>
+        </p:txBody>
+      </p:sp>
+      <p:sp>
+        <p:nvSpPr>
+          <p:cNvPr id="3" name="Content Placeholder 2"/>
+          <p:cNvSpPr>
+            <a:spLocks noGrp="1"/>
+          </p:cNvSpPr>
+          <p:nvPr>
+            <p:ph idx="1"/>
+          </p:nvPr>
+        </p:nvSpPr>
+        <p:spPr>
+          <a:xfrm>
+            <a:off x="838200" y="1475231"/>
+            <a:ext cx="10515600" cy="4348163"/>
+          </a:xfrm>
+        </p:spPr>
         <p:txBody>
           <a:bodyPr>
             <a:normAutofit/>
           </a:bodyPr>
           <a:lstStyle/>
           <a:p>
-            <a:pPr algn="ctr"/>
-            <a:r>
-              <a:rPr lang="en-US" sz="5400" b="1" dirty="0" smtClean="0">
-                <a:solidFill>
-                  <a:schemeClr val="bg1"/>
-                </a:solidFill>
-                <a:effectLst>
-                  <a:outerShdw blurRad="38100" dist="38100" dir="2700000" algn="tl">
-                    <a:srgbClr val="000000">
-                      <a:alpha val="43137"/>
-                    </a:srgbClr>
-                  </a:outerShdw>
-                </a:effectLst>
+            <a:pPr algn="just"/>
+            <a:r>
+              <a:rPr lang="bg-BG" dirty="0">
+                <a:solidFill>
+                  <a:schemeClr val="accent1">
+                    <a:lumMod val="75000"/>
+                  </a:schemeClr>
+                </a:solidFill>
               </a:rPr>
-              <a:t>SPACE RECYCLER</a:t>
-            </a:r>
-            <a:endParaRPr lang="bg-BG" sz="5400" b="1" dirty="0">
-              <a:solidFill>
-                <a:schemeClr val="bg1"/>
-              </a:solidFill>
-              <a:effectLst>
-                <a:outerShdw blurRad="38100" dist="38100" dir="2700000" algn="tl">
-                  <a:srgbClr val="000000">
-                    <a:alpha val="43137"/>
-                  </a:srgbClr>
-                </a:outerShdw>
-              </a:effectLst>
-            </a:endParaRPr>
-          </a:p>
-        </p:txBody>
-      </p:sp>
-      <p:sp>
-        <p:nvSpPr>
-          <p:cNvPr id="3" name="Content Placeholder 2"/>
-          <p:cNvSpPr>
-            <a:spLocks noGrp="1"/>
-          </p:cNvSpPr>
-          <p:nvPr>
-            <p:ph idx="1"/>
-          </p:nvPr>
-        </p:nvSpPr>
-        <p:spPr/>
-        <p:txBody>
-          <a:bodyPr>
-            <a:normAutofit/>
-          </a:bodyPr>
-          <a:lstStyle/>
-          <a:p>
-            <a:r>
-              <a:rPr lang="bg-BG" sz="3600" b="1" dirty="0" smtClean="0">
-                <a:solidFill>
-                  <a:schemeClr val="bg1"/>
-                </a:solidFill>
-                <a:effectLst>
-                  <a:outerShdw blurRad="38100" dist="38100" dir="2700000" algn="tl">
-                    <a:srgbClr val="000000">
-                      <a:alpha val="43137"/>
-                    </a:srgbClr>
-                  </a:outerShdw>
-                </a:effectLst>
+              <a:t>Целта на проекта е да се покаже, че боклукът може да бъде рециклиран и по този начин да се превърне в нещо полезно.</a:t>
+            </a:r>
+          </a:p>
+          <a:p>
+            <a:pPr algn="just"/>
+            <a:r>
+              <a:rPr lang="bg-BG" dirty="0">
+                <a:solidFill>
+                  <a:schemeClr val="accent1">
+                    <a:lumMod val="75000"/>
+                  </a:schemeClr>
+                </a:solidFill>
               </a:rPr>
-              <a:t>Целта на проекта е да се покаже, че боклукът трябва да се рециклира.</a:t>
-            </a:r>
-          </a:p>
-          <a:p>
-            <a:r>
-              <a:rPr lang="bg-BG" sz="3600" b="1" dirty="0" smtClean="0">
-                <a:solidFill>
-                  <a:schemeClr val="bg1"/>
-                </a:solidFill>
-                <a:effectLst>
-                  <a:outerShdw blurRad="38100" dist="38100" dir="2700000" algn="tl">
-                    <a:srgbClr val="000000">
-                      <a:alpha val="43137"/>
-                    </a:srgbClr>
-                  </a:outerShdw>
-                </a:effectLst>
-              </a:rPr>
-              <a:t>Героят в играта е робот, който обикаля и събира натрупалия се около Земята боклук . Около Земята обикалят астероиди, от които роботът трябва да се пази.</a:t>
-            </a:r>
-            <a:endParaRPr lang="bg-BG" sz="3600" b="1" dirty="0">
-              <a:solidFill>
-                <a:schemeClr val="bg1"/>
-              </a:solidFill>
-              <a:effectLst>
-                <a:outerShdw blurRad="38100" dist="38100" dir="2700000" algn="tl">
-                  <a:srgbClr val="000000">
-                    <a:alpha val="43137"/>
-                  </a:srgbClr>
-                </a:outerShdw>
-              </a:effectLst>
-            </a:endParaRPr>
+              <a:t>Героят в играта е робот, който обикаля и събира натрупалия се около Земята боклук. Наред с боклука се движат и астероиди, от които роботът трябва да се пази, защото те са смъртоносни за него.</a:t>
+            </a:r>
           </a:p>
         </p:txBody>
       </p:sp>
     </p:spTree>
-    <p:extLst>
-      <p:ext uri="{BB962C8B-B14F-4D97-AF65-F5344CB8AC3E}">
-        <p14:creationId xmlns:p14="http://schemas.microsoft.com/office/powerpoint/2010/main" val="4254477541"/>
-      </p:ext>
-    </p:extLst>
   </p:cSld>
   <p:clrMapOvr>
     <a:masterClrMapping/>
   </p:clrMapOvr>
+  <mc:AlternateContent xmlns:mc="http://schemas.openxmlformats.org/markup-compatibility/2006" xmlns:p15="http://schemas.microsoft.com/office/powerpoint/2012/main">
+    <mc:Choice Requires="p15">
+      <p:transition xmlns:p14="http://schemas.microsoft.com/office/powerpoint/2010/main" spd="slow" p14:dur="2000">
+        <p15:prstTrans prst="prestige"/>
+      </p:transition>
+    </mc:Choice>
+    <mc:Fallback xmlns="">
+      <p:transition spd="slow">
+        <p:fade/>
+      </p:transition>
+    </mc:Fallback>
+  </mc:AlternateContent>
 </p:sld>
 </file>
 
@@ -3431,10 +4063,8 @@
   <p:cSld>
     <p:bg>
       <p:bgPr>
-        <a:blipFill dpi="0" rotWithShape="1">
-          <a:blip r:embed="rId2">
-            <a:lum/>
-          </a:blip>
+        <a:blipFill dpi="0" rotWithShape="0">
+          <a:blip r:embed="rId2"/>
           <a:srcRect/>
           <a:stretch>
             <a:fillRect/>
@@ -3457,14 +4087,61 @@
           <a:chExt cx="0" cy="0"/>
         </a:xfrm>
       </p:grpSpPr>
-      <p:sp>
-        <p:nvSpPr>
-          <p:cNvPr id="2" name="Title 1"/>
-          <p:cNvSpPr>
-            <a:spLocks noGrp="1"/>
-          </p:cNvSpPr>
-          <p:nvPr>
-            <p:ph type="title"/>
+      <p:pic>
+        <p:nvPicPr>
+          <p:cNvPr id="4106" name="Picture 10" descr="Rising Cosmos Wallpaper">
+            <a:extLst>
+              <a:ext uri="{FF2B5EF4-FFF2-40B4-BE49-F238E27FC236}">
+                <a16:creationId xmlns:a16="http://schemas.microsoft.com/office/drawing/2014/main" id="{20C3A07C-75CE-4545-8C14-0FF71A55A328}"/>
+              </a:ext>
+            </a:extLst>
+          </p:cNvPr>
+          <p:cNvPicPr>
+            <a:picLocks noChangeAspect="1" noChangeArrowheads="1"/>
+          </p:cNvPicPr>
+          <p:nvPr/>
+        </p:nvPicPr>
+        <p:blipFill>
+          <a:blip r:embed="rId3">
+            <a:extLst>
+              <a:ext uri="{28A0092B-C50C-407E-A947-70E740481C1C}">
+                <a14:useLocalDpi xmlns:a14="http://schemas.microsoft.com/office/drawing/2010/main" val="0"/>
+              </a:ext>
+            </a:extLst>
+          </a:blip>
+          <a:srcRect/>
+          <a:stretch>
+            <a:fillRect/>
+          </a:stretch>
+        </p:blipFill>
+        <p:spPr bwMode="auto">
+          <a:xfrm>
+            <a:off x="-157655" y="-479535"/>
+            <a:ext cx="12628179" cy="8299232"/>
+          </a:xfrm>
+          <a:prstGeom prst="rect">
+            <a:avLst/>
+          </a:prstGeom>
+          <a:noFill/>
+          <a:extLst>
+            <a:ext uri="{909E8E84-426E-40DD-AFC4-6F175D3DCCD1}">
+              <a14:hiddenFill xmlns:a14="http://schemas.microsoft.com/office/drawing/2010/main">
+                <a:solidFill>
+                  <a:srgbClr val="FFFFFF"/>
+                </a:solidFill>
+              </a14:hiddenFill>
+            </a:ext>
+          </a:extLst>
+        </p:spPr>
+      </p:pic>
+      <p:sp>
+        <p:nvSpPr>
+          <p:cNvPr id="3" name="Content Placeholder 2"/>
+          <p:cNvSpPr>
+            <a:spLocks noGrp="1"/>
+          </p:cNvSpPr>
+          <p:nvPr>
+            <p:ph idx="1"/>
           </p:nvPr>
         </p:nvSpPr>
         <p:spPr/>
@@ -3474,87 +4151,106 @@
           </a:bodyPr>
           <a:lstStyle/>
           <a:p>
+            <a:r>
+              <a:rPr lang="bg-BG" sz="2400" dirty="0">
+                <a:solidFill>
+                  <a:schemeClr val="accent1">
+                    <a:lumMod val="75000"/>
+                  </a:schemeClr>
+                </a:solidFill>
+                <a:latin typeface="Arial" charset="0"/>
+              </a:rPr>
+              <a:t>И</a:t>
+            </a:r>
+            <a:r>
+              <a:rPr lang="bg-BG" sz="2400" dirty="0">
+                <a:solidFill>
+                  <a:schemeClr val="accent1">
+                    <a:lumMod val="75000"/>
+                  </a:schemeClr>
+                </a:solidFill>
+              </a:rPr>
+              <a:t>грата показва проблема,  който </a:t>
+            </a:r>
+            <a:r>
+              <a:rPr lang="bg-BG" sz="2400" dirty="0">
+                <a:solidFill>
+                  <a:schemeClr val="accent1">
+                    <a:lumMod val="75000"/>
+                  </a:schemeClr>
+                </a:solidFill>
+                <a:latin typeface="Arial" charset="0"/>
+              </a:rPr>
+              <a:t>човечеството има с постоянно натрупващото се количество боклук.</a:t>
+            </a:r>
+          </a:p>
+          <a:p>
+            <a:r>
+              <a:rPr lang="bg-BG" sz="2400" dirty="0">
+                <a:solidFill>
+                  <a:schemeClr val="accent1">
+                    <a:lumMod val="75000"/>
+                  </a:schemeClr>
+                </a:solidFill>
+                <a:latin typeface="Arial" charset="0"/>
+              </a:rPr>
+              <a:t>Събирайки и рециклирайки боклука, роботът спасява планетата и я превръща в място, което е чисто и подходящо за живот, защото Земята е нашият дом.</a:t>
+            </a:r>
+          </a:p>
+        </p:txBody>
+      </p:sp>
+      <p:sp>
+        <p:nvSpPr>
+          <p:cNvPr id="5" name="Title 4">
+            <a:extLst>
+              <a:ext uri="{FF2B5EF4-FFF2-40B4-BE49-F238E27FC236}">
+                <a16:creationId xmlns:a16="http://schemas.microsoft.com/office/drawing/2014/main" id="{2B0CE7D3-FDF1-40D9-AA86-65FE2854FD93}"/>
+              </a:ext>
+            </a:extLst>
+          </p:cNvPr>
+          <p:cNvSpPr>
+            <a:spLocks noGrp="1"/>
+          </p:cNvSpPr>
+          <p:nvPr>
+            <p:ph type="title"/>
+          </p:nvPr>
+        </p:nvSpPr>
+        <p:spPr/>
+        <p:txBody>
+          <a:bodyPr/>
+          <a:lstStyle/>
+          <a:p>
             <a:pPr algn="ctr"/>
             <a:r>
-              <a:rPr lang="bg-BG" dirty="0" smtClean="0"/>
-              <a:t>  </a:t>
-            </a:r>
-            <a:r>
-              <a:rPr lang="bg-BG" sz="4800" b="1" dirty="0" smtClean="0">
-                <a:solidFill>
-                  <a:schemeClr val="bg1"/>
-                </a:solidFill>
-                <a:effectLst>
-                  <a:outerShdw blurRad="38100" dist="38100" dir="2700000" algn="tl">
-                    <a:srgbClr val="000000">
-                      <a:alpha val="43137"/>
-                    </a:srgbClr>
-                  </a:outerShdw>
-                </a:effectLst>
+              <a:rPr lang="bg-BG" dirty="0">
+                <a:solidFill>
+                  <a:schemeClr val="accent1">
+                    <a:lumMod val="75000"/>
+                  </a:schemeClr>
+                </a:solidFill>
               </a:rPr>
-              <a:t>Представеният в играта проблем</a:t>
-            </a:r>
-            <a:endParaRPr lang="bg-BG" sz="4800" dirty="0"/>
-          </a:p>
-        </p:txBody>
-      </p:sp>
-      <p:sp>
-        <p:nvSpPr>
-          <p:cNvPr id="3" name="Content Placeholder 2"/>
-          <p:cNvSpPr>
-            <a:spLocks noGrp="1"/>
-          </p:cNvSpPr>
-          <p:nvPr>
-            <p:ph idx="1"/>
-          </p:nvPr>
-        </p:nvSpPr>
-        <p:spPr/>
-        <p:txBody>
-          <a:bodyPr>
-            <a:normAutofit/>
-          </a:bodyPr>
-          <a:lstStyle/>
-          <a:p>
-            <a:r>
-              <a:rPr lang="bg-BG" sz="3600" b="1" dirty="0" smtClean="0">
-                <a:solidFill>
-                  <a:schemeClr val="bg1"/>
-                </a:solidFill>
-                <a:effectLst>
-                  <a:outerShdw blurRad="38100" dist="38100" dir="2700000" algn="tl">
-                    <a:srgbClr val="000000">
-                      <a:alpha val="43137"/>
-                    </a:srgbClr>
-                  </a:outerShdw>
-                </a:effectLst>
-              </a:rPr>
-              <a:t>В играта е представен проблемът , свързан с боклука,   който хората не рециклират.</a:t>
-            </a:r>
-            <a:endParaRPr lang="bg-BG" sz="3600" b="1" dirty="0">
-              <a:solidFill>
-                <a:schemeClr val="bg1"/>
-              </a:solidFill>
-              <a:effectLst>
-                <a:outerShdw blurRad="38100" dist="38100" dir="2700000" algn="tl">
-                  <a:srgbClr val="000000">
-                    <a:alpha val="43137"/>
-                  </a:srgbClr>
-                </a:outerShdw>
-              </a:effectLst>
-            </a:endParaRPr>
+              <a:t>Предственият в играта проблем</a:t>
+            </a:r>
           </a:p>
         </p:txBody>
       </p:sp>
     </p:spTree>
-    <p:extLst>
-      <p:ext uri="{BB962C8B-B14F-4D97-AF65-F5344CB8AC3E}">
-        <p14:creationId xmlns:p14="http://schemas.microsoft.com/office/powerpoint/2010/main" val="1994870234"/>
-      </p:ext>
-    </p:extLst>
   </p:cSld>
   <p:clrMapOvr>
     <a:masterClrMapping/>
   </p:clrMapOvr>
+  <mc:AlternateContent xmlns:mc="http://schemas.openxmlformats.org/markup-compatibility/2006" xmlns:p15="http://schemas.microsoft.com/office/powerpoint/2012/main">
+    <mc:Choice Requires="p15">
+      <p:transition xmlns:p14="http://schemas.microsoft.com/office/powerpoint/2010/main" spd="slow" p14:dur="1250">
+        <p15:prstTrans prst="peelOff"/>
+      </p:transition>
+    </mc:Choice>
+    <mc:Fallback xmlns="">
+      <p:transition spd="slow">
+        <p:fade/>
+      </p:transition>
+    </mc:Fallback>
+  </mc:AlternateContent>
 </p:sld>
 </file>
 
@@ -3563,10 +4259,8 @@
   <p:cSld>
     <p:bg>
       <p:bgPr>
-        <a:blipFill dpi="0" rotWithShape="1">
-          <a:blip r:embed="rId2">
-            <a:lum/>
-          </a:blip>
+        <a:blipFill dpi="0" rotWithShape="0">
+          <a:blip r:embed="rId2"/>
           <a:srcRect/>
           <a:stretch>
             <a:fillRect/>
@@ -3589,6 +4283,53 @@
           <a:chExt cx="0" cy="0"/>
         </a:xfrm>
       </p:grpSpPr>
+      <p:pic>
+        <p:nvPicPr>
+          <p:cNvPr id="5122" name="Picture 2" descr="Rising Cosmos Wallpaper">
+            <a:extLst>
+              <a:ext uri="{FF2B5EF4-FFF2-40B4-BE49-F238E27FC236}">
+                <a16:creationId xmlns:a16="http://schemas.microsoft.com/office/drawing/2014/main" id="{FD0D9F85-55A0-4C59-9F72-177B7DCD4CE8}"/>
+              </a:ext>
+            </a:extLst>
+          </p:cNvPr>
+          <p:cNvPicPr>
+            <a:picLocks noChangeAspect="1" noChangeArrowheads="1"/>
+          </p:cNvPicPr>
+          <p:nvPr/>
+        </p:nvPicPr>
+        <p:blipFill>
+          <a:blip r:embed="rId3">
+            <a:extLst>
+              <a:ext uri="{28A0092B-C50C-407E-A947-70E740481C1C}">
+                <a14:useLocalDpi xmlns:a14="http://schemas.microsoft.com/office/drawing/2010/main" val="0"/>
+              </a:ext>
+            </a:extLst>
+          </a:blip>
+          <a:srcRect/>
+          <a:stretch>
+            <a:fillRect/>
+          </a:stretch>
+        </p:blipFill>
+        <p:spPr bwMode="auto">
+          <a:xfrm>
+            <a:off x="-273269" y="-551793"/>
+            <a:ext cx="12586138" cy="7866336"/>
+          </a:xfrm>
+          <a:prstGeom prst="rect">
+            <a:avLst/>
+          </a:prstGeom>
+          <a:noFill/>
+          <a:extLst>
+            <a:ext uri="{909E8E84-426E-40DD-AFC4-6F175D3DCCD1}">
+              <a14:hiddenFill xmlns:a14="http://schemas.microsoft.com/office/drawing/2010/main">
+                <a:solidFill>
+                  <a:srgbClr val="FFFFFF"/>
+                </a:solidFill>
+              </a14:hiddenFill>
+            </a:ext>
+          </a:extLst>
+        </p:spPr>
+      </p:pic>
       <p:sp>
         <p:nvSpPr>
           <p:cNvPr id="2" name="Title 1"/>
@@ -3597,6 +4338,42 @@
           </p:cNvSpPr>
           <p:nvPr>
             <p:ph type="title"/>
+          </p:nvPr>
+        </p:nvSpPr>
+        <p:spPr/>
+        <p:txBody>
+          <a:bodyPr rtlCol="0">
+            <a:normAutofit/>
+          </a:bodyPr>
+          <a:lstStyle/>
+          <a:p>
+            <a:pPr algn="ctr" fontAlgn="auto">
+              <a:spcAft>
+                <a:spcPts val="0"/>
+              </a:spcAft>
+              <a:defRPr/>
+            </a:pPr>
+            <a:r>
+              <a:rPr lang="bg-BG" sz="4800" dirty="0">
+                <a:solidFill>
+                  <a:schemeClr val="accent1">
+                    <a:lumMod val="75000"/>
+                  </a:schemeClr>
+                </a:solidFill>
+              </a:rPr>
+              <a:t>Технологии</a:t>
+            </a:r>
+          </a:p>
+        </p:txBody>
+      </p:sp>
+      <p:sp>
+        <p:nvSpPr>
+          <p:cNvPr id="3" name="Content Placeholder 2"/>
+          <p:cNvSpPr>
+            <a:spLocks noGrp="1"/>
+          </p:cNvSpPr>
+          <p:nvPr>
+            <p:ph idx="1"/>
           </p:nvPr>
         </p:nvSpPr>
         <p:spPr/>
@@ -3606,160 +4383,80 @@
           </a:bodyPr>
           <a:lstStyle/>
           <a:p>
-            <a:pPr algn="ctr"/>
-            <a:r>
-              <a:rPr lang="bg-BG" sz="4800" b="1" dirty="0" smtClean="0">
-                <a:solidFill>
-                  <a:schemeClr val="bg1"/>
-                </a:solidFill>
-                <a:effectLst>
-                  <a:outerShdw blurRad="38100" dist="38100" dir="2700000" algn="tl">
-                    <a:srgbClr val="000000">
-                      <a:alpha val="43137"/>
-                    </a:srgbClr>
-                  </a:outerShdw>
-                </a:effectLst>
-              </a:rPr>
-              <a:t>Технологии</a:t>
-            </a:r>
-            <a:endParaRPr lang="bg-BG" sz="4800" b="1" dirty="0">
-              <a:solidFill>
-                <a:schemeClr val="bg1"/>
-              </a:solidFill>
-              <a:effectLst>
-                <a:outerShdw blurRad="38100" dist="38100" dir="2700000" algn="tl">
-                  <a:srgbClr val="000000">
-                    <a:alpha val="43137"/>
-                  </a:srgbClr>
-                </a:outerShdw>
-              </a:effectLst>
-            </a:endParaRPr>
-          </a:p>
-        </p:txBody>
-      </p:sp>
-      <p:sp>
-        <p:nvSpPr>
-          <p:cNvPr id="3" name="Content Placeholder 2"/>
-          <p:cNvSpPr>
-            <a:spLocks noGrp="1"/>
-          </p:cNvSpPr>
-          <p:nvPr>
-            <p:ph idx="1"/>
-          </p:nvPr>
-        </p:nvSpPr>
-        <p:spPr/>
-        <p:txBody>
-          <a:bodyPr>
-            <a:normAutofit/>
-          </a:bodyPr>
-          <a:lstStyle/>
-          <a:p>
-            <a:r>
-              <a:rPr lang="en-US" sz="3200" b="1" dirty="0" smtClean="0">
-                <a:solidFill>
-                  <a:schemeClr val="bg1"/>
-                </a:solidFill>
-                <a:effectLst>
-                  <a:outerShdw blurRad="38100" dist="38100" dir="2700000" algn="tl">
-                    <a:srgbClr val="000000">
-                      <a:alpha val="43137"/>
-                    </a:srgbClr>
-                  </a:outerShdw>
-                </a:effectLst>
+            <a:r>
+              <a:rPr lang="en-US" sz="3200" dirty="0">
+                <a:solidFill>
+                  <a:schemeClr val="accent1">
+                    <a:lumMod val="75000"/>
+                  </a:schemeClr>
+                </a:solidFill>
               </a:rPr>
               <a:t>JAVASCRIPT</a:t>
             </a:r>
           </a:p>
           <a:p>
             <a:r>
-              <a:rPr lang="en-US" sz="3200" b="1" dirty="0" smtClean="0">
-                <a:solidFill>
-                  <a:schemeClr val="bg1"/>
-                </a:solidFill>
-                <a:effectLst>
-                  <a:outerShdw blurRad="38100" dist="38100" dir="2700000" algn="tl">
-                    <a:srgbClr val="000000">
-                      <a:alpha val="43137"/>
-                    </a:srgbClr>
-                  </a:outerShdw>
-                </a:effectLst>
+              <a:rPr lang="en-US" sz="3200" dirty="0">
+                <a:solidFill>
+                  <a:schemeClr val="accent1">
+                    <a:lumMod val="75000"/>
+                  </a:schemeClr>
+                </a:solidFill>
               </a:rPr>
               <a:t>HTML canvas</a:t>
             </a:r>
           </a:p>
           <a:p>
             <a:r>
-              <a:rPr lang="en-US" sz="3200" b="1" dirty="0" smtClean="0">
-                <a:solidFill>
-                  <a:schemeClr val="bg1"/>
-                </a:solidFill>
-                <a:effectLst>
-                  <a:outerShdw blurRad="38100" dist="38100" dir="2700000" algn="tl">
-                    <a:srgbClr val="000000">
-                      <a:alpha val="43137"/>
-                    </a:srgbClr>
-                  </a:outerShdw>
-                </a:effectLst>
+              <a:rPr lang="en-US" sz="3200" dirty="0">
+                <a:solidFill>
+                  <a:schemeClr val="accent1">
+                    <a:lumMod val="75000"/>
+                  </a:schemeClr>
+                </a:solidFill>
               </a:rPr>
               <a:t>Paint.net</a:t>
             </a:r>
           </a:p>
           <a:p>
             <a:r>
-              <a:rPr lang="en-US" sz="3200" b="1" dirty="0">
-                <a:solidFill>
-                  <a:schemeClr val="bg1"/>
-                </a:solidFill>
-                <a:effectLst>
-                  <a:outerShdw blurRad="38100" dist="38100" dir="2700000" algn="tl">
-                    <a:srgbClr val="000000">
-                      <a:alpha val="43137"/>
-                    </a:srgbClr>
-                  </a:outerShdw>
-                </a:effectLst>
+              <a:rPr lang="en-US" sz="3200" dirty="0">
+                <a:solidFill>
+                  <a:schemeClr val="accent1">
+                    <a:lumMod val="75000"/>
+                  </a:schemeClr>
+                </a:solidFill>
               </a:rPr>
-              <a:t>P</a:t>
-            </a:r>
-            <a:r>
-              <a:rPr lang="en-US" sz="3200" b="1" dirty="0" smtClean="0">
-                <a:solidFill>
-                  <a:schemeClr val="bg1"/>
-                </a:solidFill>
-                <a:effectLst>
-                  <a:outerShdw blurRad="38100" dist="38100" dir="2700000" algn="tl">
-                    <a:srgbClr val="000000">
-                      <a:alpha val="43137"/>
-                    </a:srgbClr>
-                  </a:outerShdw>
-                </a:effectLst>
-              </a:rPr>
-              <a:t>hotoshop</a:t>
-            </a:r>
-            <a:endParaRPr lang="bg-BG" sz="3200" b="1" dirty="0">
+              <a:t>Photoshop</a:t>
+            </a:r>
+            <a:endParaRPr lang="bg-BG" sz="3200" dirty="0">
               <a:solidFill>
-                <a:schemeClr val="bg1"/>
+                <a:schemeClr val="accent1">
+                  <a:lumMod val="75000"/>
+                </a:schemeClr>
               </a:solidFill>
-              <a:effectLst>
-                <a:outerShdw blurRad="38100" dist="38100" dir="2700000" algn="tl">
-                  <a:srgbClr val="000000">
-                    <a:alpha val="43137"/>
-                  </a:srgbClr>
-                </a:outerShdw>
-              </a:effectLst>
+              <a:latin typeface="Arial" charset="0"/>
             </a:endParaRPr>
           </a:p>
         </p:txBody>
       </p:sp>
     </p:spTree>
-    <p:extLst>
-      <p:ext uri="{BB962C8B-B14F-4D97-AF65-F5344CB8AC3E}">
-        <p14:creationId xmlns:p14="http://schemas.microsoft.com/office/powerpoint/2010/main" val="1799215843"/>
-      </p:ext>
-    </p:extLst>
   </p:cSld>
   <p:clrMapOvr>
     <a:masterClrMapping/>
   </p:clrMapOvr>
+  <mc:AlternateContent xmlns:mc="http://schemas.openxmlformats.org/markup-compatibility/2006" xmlns:p15="http://schemas.microsoft.com/office/powerpoint/2012/main">
+    <mc:Choice Requires="p15">
+      <p:transition xmlns:p14="http://schemas.microsoft.com/office/powerpoint/2010/main" spd="slow" p14:dur="2000">
+        <p15:prstTrans prst="crush"/>
+      </p:transition>
+    </mc:Choice>
+    <mc:Fallback xmlns="">
+      <p:transition spd="slow">
+        <p:fade/>
+      </p:transition>
+    </mc:Fallback>
+  </mc:AlternateContent>
 </p:sld>
 </file>
 
@@ -3768,10 +4465,8 @@
   <p:cSld>
     <p:bg>
       <p:bgPr>
-        <a:blipFill dpi="0" rotWithShape="1">
-          <a:blip r:embed="rId2">
-            <a:lum/>
-          </a:blip>
+        <a:blipFill dpi="0" rotWithShape="0">
+          <a:blip r:embed="rId2"/>
           <a:srcRect/>
           <a:stretch>
             <a:fillRect/>
@@ -3794,6 +4489,53 @@
           <a:chExt cx="0" cy="0"/>
         </a:xfrm>
       </p:grpSpPr>
+      <p:pic>
+        <p:nvPicPr>
+          <p:cNvPr id="6146" name="Picture 2" descr="Rising Cosmos Wallpaper">
+            <a:extLst>
+              <a:ext uri="{FF2B5EF4-FFF2-40B4-BE49-F238E27FC236}">
+                <a16:creationId xmlns:a16="http://schemas.microsoft.com/office/drawing/2014/main" id="{F603E3BD-F3EB-40E5-B44C-D03D2682FCEB}"/>
+              </a:ext>
+            </a:extLst>
+          </p:cNvPr>
+          <p:cNvPicPr>
+            <a:picLocks noChangeAspect="1" noChangeArrowheads="1"/>
+          </p:cNvPicPr>
+          <p:nvPr/>
+        </p:nvPicPr>
+        <p:blipFill>
+          <a:blip r:embed="rId3">
+            <a:extLst>
+              <a:ext uri="{28A0092B-C50C-407E-A947-70E740481C1C}">
+                <a14:useLocalDpi xmlns:a14="http://schemas.microsoft.com/office/drawing/2010/main" val="0"/>
+              </a:ext>
+            </a:extLst>
+          </a:blip>
+          <a:srcRect/>
+          <a:stretch>
+            <a:fillRect/>
+          </a:stretch>
+        </p:blipFill>
+        <p:spPr bwMode="auto">
+          <a:xfrm>
+            <a:off x="0" y="-381000"/>
+            <a:ext cx="12470524" cy="7794078"/>
+          </a:xfrm>
+          <a:prstGeom prst="rect">
+            <a:avLst/>
+          </a:prstGeom>
+          <a:noFill/>
+          <a:extLst>
+            <a:ext uri="{909E8E84-426E-40DD-AFC4-6F175D3DCCD1}">
+              <a14:hiddenFill xmlns:a14="http://schemas.microsoft.com/office/drawing/2010/main">
+                <a:solidFill>
+                  <a:srgbClr val="FFFFFF"/>
+                </a:solidFill>
+              </a14:hiddenFill>
+            </a:ext>
+          </a:extLst>
+        </p:spPr>
+      </p:pic>
       <p:sp>
         <p:nvSpPr>
           <p:cNvPr id="2" name="Title 1"/>
@@ -3806,37 +4548,27 @@
         </p:nvSpPr>
         <p:spPr/>
         <p:txBody>
-          <a:bodyPr/>
+          <a:bodyPr rtlCol="0">
+            <a:normAutofit/>
+          </a:bodyPr>
           <a:lstStyle/>
           <a:p>
-            <a:pPr algn="ctr"/>
-            <a:r>
-              <a:rPr lang="bg-BG" b="1" dirty="0" smtClean="0">
-                <a:solidFill>
-                  <a:schemeClr val="bg1"/>
-                </a:solidFill>
-                <a:effectLst>
-                  <a:outerShdw blurRad="38100" dist="38100" dir="2700000" algn="tl">
-                    <a:srgbClr val="000000">
-                      <a:alpha val="43137"/>
-                    </a:srgbClr>
-                  </a:outerShdw>
-                </a:effectLst>
+            <a:pPr algn="ctr" fontAlgn="auto">
+              <a:spcAft>
+                <a:spcPts val="0"/>
+              </a:spcAft>
+              <a:defRPr/>
+            </a:pPr>
+            <a:r>
+              <a:rPr lang="bg-BG" dirty="0">
+                <a:solidFill>
+                  <a:schemeClr val="accent1">
+                    <a:lumMod val="75000"/>
+                  </a:schemeClr>
+                </a:solidFill>
               </a:rPr>
               <a:t>Как работи?</a:t>
             </a:r>
-            <a:endParaRPr lang="bg-BG" b="1" dirty="0">
-              <a:solidFill>
-                <a:schemeClr val="bg1"/>
-              </a:solidFill>
-              <a:effectLst>
-                <a:outerShdw blurRad="38100" dist="38100" dir="2700000" algn="tl">
-                  <a:srgbClr val="000000">
-                    <a:alpha val="43137"/>
-                  </a:srgbClr>
-                </a:outerShdw>
-              </a:effectLst>
-            </a:endParaRPr>
           </a:p>
         </p:txBody>
       </p:sp>
@@ -3857,46 +4589,174 @@
           </a:bodyPr>
           <a:lstStyle/>
           <a:p>
-            <a:r>
-              <a:rPr lang="bg-BG" sz="3200" b="1" dirty="0" smtClean="0">
-                <a:solidFill>
-                  <a:schemeClr val="bg1"/>
-                </a:solidFill>
-                <a:effectLst>
-                  <a:outerShdw blurRad="38100" dist="38100" dir="2700000" algn="tl">
-                    <a:srgbClr val="000000">
-                      <a:alpha val="43137"/>
-                    </a:srgbClr>
-                  </a:outerShdw>
-                </a:effectLst>
+            <a:pPr algn="just"/>
+            <a:r>
+              <a:rPr lang="bg-BG" dirty="0">
+                <a:solidFill>
+                  <a:schemeClr val="accent1">
+                    <a:lumMod val="75000"/>
+                  </a:schemeClr>
+                </a:solidFill>
               </a:rPr>
-              <a:t>Главният герой е робот, който събира въртящия се около Земята боклук.  Около планетата обикалят и астероиди. Героят се движи със стрелките. Целта на играта е да се събере максималния брой боклуци – 100.</a:t>
-            </a:r>
-            <a:endParaRPr lang="bg-BG" sz="3200" b="1" dirty="0">
+              <a:t>Главният герой е робот, който събира обикалящия Земята боклук.  Около планетата </a:t>
+            </a:r>
+            <a:r>
+              <a:rPr lang="bg-BG" dirty="0">
+                <a:solidFill>
+                  <a:schemeClr val="accent1">
+                    <a:lumMod val="75000"/>
+                  </a:schemeClr>
+                </a:solidFill>
+                <a:latin typeface="Arial" charset="0"/>
+              </a:rPr>
+              <a:t>се движат</a:t>
+            </a:r>
+            <a:r>
+              <a:rPr lang="bg-BG" dirty="0">
+                <a:solidFill>
+                  <a:schemeClr val="accent1">
+                    <a:lumMod val="75000"/>
+                  </a:schemeClr>
+                </a:solidFill>
+              </a:rPr>
+              <a:t> и астероиди</a:t>
+            </a:r>
+            <a:r>
+              <a:rPr lang="bg-BG" dirty="0">
+                <a:solidFill>
+                  <a:schemeClr val="accent1">
+                    <a:lumMod val="75000"/>
+                  </a:schemeClr>
+                </a:solidFill>
+                <a:latin typeface="Arial" charset="0"/>
+              </a:rPr>
+              <a:t>, от които той трябва да се пази</a:t>
+            </a:r>
+            <a:r>
+              <a:rPr lang="bg-BG" dirty="0">
+                <a:solidFill>
+                  <a:schemeClr val="accent1">
+                    <a:lumMod val="75000"/>
+                  </a:schemeClr>
+                </a:solidFill>
+              </a:rPr>
+              <a:t>. </a:t>
+            </a:r>
+            <a:r>
+              <a:rPr lang="bg-BG" dirty="0">
+                <a:solidFill>
+                  <a:schemeClr val="accent1">
+                    <a:lumMod val="75000"/>
+                  </a:schemeClr>
+                </a:solidFill>
+                <a:latin typeface="Arial" charset="0"/>
+              </a:rPr>
+              <a:t>Роботът</a:t>
+            </a:r>
+            <a:r>
+              <a:rPr lang="bg-BG" dirty="0">
+                <a:solidFill>
+                  <a:schemeClr val="accent1">
+                    <a:lumMod val="75000"/>
+                  </a:schemeClr>
+                </a:solidFill>
+              </a:rPr>
+              <a:t> се </a:t>
+            </a:r>
+            <a:r>
+              <a:rPr lang="bg-BG" dirty="0">
+                <a:solidFill>
+                  <a:schemeClr val="accent1">
+                    <a:lumMod val="75000"/>
+                  </a:schemeClr>
+                </a:solidFill>
+                <a:latin typeface="Arial" charset="0"/>
+              </a:rPr>
+              <a:t>придвижва</a:t>
+            </a:r>
+            <a:r>
+              <a:rPr lang="bg-BG" dirty="0">
+                <a:solidFill>
+                  <a:schemeClr val="accent1">
+                    <a:lumMod val="75000"/>
+                  </a:schemeClr>
+                </a:solidFill>
+              </a:rPr>
+              <a:t> със стрелките. </a:t>
+            </a:r>
+            <a:endParaRPr lang="bg-BG" dirty="0">
               <a:solidFill>
-                <a:schemeClr val="bg1"/>
+                <a:schemeClr val="accent1">
+                  <a:lumMod val="75000"/>
+                </a:schemeClr>
               </a:solidFill>
-              <a:effectLst>
-                <a:outerShdw blurRad="38100" dist="38100" dir="2700000" algn="tl">
-                  <a:srgbClr val="000000">
-                    <a:alpha val="43137"/>
-                  </a:srgbClr>
-                </a:outerShdw>
-              </a:effectLst>
+              <a:latin typeface="Arial" charset="0"/>
             </a:endParaRPr>
           </a:p>
+          <a:p>
+            <a:pPr algn="just"/>
+            <a:r>
+              <a:rPr lang="bg-BG" dirty="0">
+                <a:solidFill>
+                  <a:schemeClr val="accent1">
+                    <a:lumMod val="75000"/>
+                  </a:schemeClr>
+                </a:solidFill>
+              </a:rPr>
+              <a:t>Целта на играта е да се събере максималният брой боклук</a:t>
+            </a:r>
+            <a:r>
+              <a:rPr lang="bg-BG" dirty="0">
+                <a:solidFill>
+                  <a:schemeClr val="accent1">
+                    <a:lumMod val="75000"/>
+                  </a:schemeClr>
+                </a:solidFill>
+                <a:latin typeface="Arial" charset="0"/>
+              </a:rPr>
+              <a:t> (</a:t>
+            </a:r>
+            <a:r>
+              <a:rPr lang="bg-BG" dirty="0">
+                <a:solidFill>
+                  <a:schemeClr val="accent1">
+                    <a:lumMod val="75000"/>
+                  </a:schemeClr>
+                </a:solidFill>
+              </a:rPr>
+              <a:t>100</a:t>
+            </a:r>
+            <a:r>
+              <a:rPr lang="bg-BG" dirty="0">
+                <a:solidFill>
+                  <a:schemeClr val="accent1">
+                    <a:lumMod val="75000"/>
+                  </a:schemeClr>
+                </a:solidFill>
+                <a:latin typeface="Arial" charset="0"/>
+              </a:rPr>
+              <a:t>), без героят да бъде ударен от астероид.</a:t>
+            </a:r>
+          </a:p>
         </p:txBody>
       </p:sp>
     </p:spTree>
-    <p:extLst>
-      <p:ext uri="{BB962C8B-B14F-4D97-AF65-F5344CB8AC3E}">
-        <p14:creationId xmlns:p14="http://schemas.microsoft.com/office/powerpoint/2010/main" val="11624153"/>
-      </p:ext>
-    </p:extLst>
   </p:cSld>
   <p:clrMapOvr>
     <a:masterClrMapping/>
   </p:clrMapOvr>
+  <mc:AlternateContent xmlns:mc="http://schemas.openxmlformats.org/markup-compatibility/2006" xmlns:p15="http://schemas.microsoft.com/office/powerpoint/2012/main">
+    <mc:Choice Requires="p15">
+      <p:transition xmlns:p14="http://schemas.microsoft.com/office/powerpoint/2010/main" spd="slow" p14:dur="3250">
+        <p15:prstTrans prst="origami"/>
+      </p:transition>
+    </mc:Choice>
+    <mc:Fallback xmlns="">
+      <p:transition spd="slow">
+        <p:fade/>
+      </p:transition>
+    </mc:Fallback>
+  </mc:AlternateContent>
 </p:sld>
 </file>
 
@@ -3905,10 +4765,8 @@
   <p:cSld>
     <p:bg>
       <p:bgPr>
-        <a:blipFill dpi="0" rotWithShape="1">
-          <a:blip r:embed="rId2">
-            <a:lum/>
-          </a:blip>
+        <a:blipFill dpi="0" rotWithShape="0">
+          <a:blip r:embed="rId2"/>
           <a:srcRect/>
           <a:stretch>
             <a:fillRect/>
@@ -3931,9 +4789,56 @@
           <a:chExt cx="0" cy="0"/>
         </a:xfrm>
       </p:grpSpPr>
-      <p:sp>
-        <p:nvSpPr>
-          <p:cNvPr id="2" name="Title 1"/>
+      <p:pic>
+        <p:nvPicPr>
+          <p:cNvPr id="7170" name="Picture 2" descr="Rising Cosmos Wallpaper">
+            <a:extLst>
+              <a:ext uri="{FF2B5EF4-FFF2-40B4-BE49-F238E27FC236}">
+                <a16:creationId xmlns:a16="http://schemas.microsoft.com/office/drawing/2014/main" id="{97CAC017-65F1-43C4-9D8D-69A747CAB7DC}"/>
+              </a:ext>
+            </a:extLst>
+          </p:cNvPr>
+          <p:cNvPicPr>
+            <a:picLocks noChangeAspect="1" noChangeArrowheads="1"/>
+          </p:cNvPicPr>
+          <p:nvPr/>
+        </p:nvPicPr>
+        <p:blipFill>
+          <a:blip r:embed="rId3">
+            <a:extLst>
+              <a:ext uri="{28A0092B-C50C-407E-A947-70E740481C1C}">
+                <a14:useLocalDpi xmlns:a14="http://schemas.microsoft.com/office/drawing/2010/main" val="0"/>
+              </a:ext>
+            </a:extLst>
+          </a:blip>
+          <a:srcRect/>
+          <a:stretch>
+            <a:fillRect/>
+          </a:stretch>
+        </p:blipFill>
+        <p:spPr bwMode="auto">
+          <a:xfrm>
+            <a:off x="0" y="-381000"/>
+            <a:ext cx="12192000" cy="7620000"/>
+          </a:xfrm>
+          <a:prstGeom prst="rect">
+            <a:avLst/>
+          </a:prstGeom>
+          <a:noFill/>
+          <a:extLst>
+            <a:ext uri="{909E8E84-426E-40DD-AFC4-6F175D3DCCD1}">
+              <a14:hiddenFill xmlns:a14="http://schemas.microsoft.com/office/drawing/2010/main">
+                <a:solidFill>
+                  <a:srgbClr val="FFFFFF"/>
+                </a:solidFill>
+              </a14:hiddenFill>
+            </a:ext>
+          </a:extLst>
+        </p:spPr>
+      </p:pic>
+      <p:sp>
+        <p:nvSpPr>
+          <p:cNvPr id="19458" name="Title 1"/>
           <p:cNvSpPr>
             <a:spLocks noGrp="1"/>
           </p:cNvSpPr>
@@ -3948,24 +4853,21 @@
           <a:p>
             <a:pPr algn="ctr"/>
             <a:r>
-              <a:rPr lang="bg-BG" dirty="0" smtClean="0">
-                <a:solidFill>
-                  <a:schemeClr val="bg1"/>
+              <a:rPr lang="bg-BG" dirty="0">
+                <a:solidFill>
+                  <a:schemeClr val="accent1">
+                    <a:lumMod val="75000"/>
+                  </a:schemeClr>
                 </a:solidFill>
               </a:rPr>
               <a:t>Процесът на разработката</a:t>
             </a:r>
-            <a:endParaRPr lang="bg-BG" dirty="0">
-              <a:solidFill>
-                <a:schemeClr val="bg1"/>
-              </a:solidFill>
-            </a:endParaRPr>
-          </a:p>
-        </p:txBody>
-      </p:sp>
-      <p:sp>
-        <p:nvSpPr>
-          <p:cNvPr id="3" name="Content Placeholder 2"/>
+          </a:p>
+        </p:txBody>
+      </p:sp>
+      <p:sp>
+        <p:nvSpPr>
+          <p:cNvPr id="19459" name="Content Placeholder 2"/>
           <p:cNvSpPr>
             <a:spLocks noGrp="1"/>
           </p:cNvSpPr>
@@ -3973,47 +4875,58 @@
             <p:ph idx="1"/>
           </p:nvPr>
         </p:nvSpPr>
-        <p:spPr/>
+        <p:spPr>
+          <a:xfrm>
+            <a:off x="838200" y="2133599"/>
+            <a:ext cx="10515600" cy="4043363"/>
+          </a:xfrm>
+        </p:spPr>
         <p:txBody>
           <a:bodyPr/>
           <a:lstStyle/>
           <a:p>
             <a:r>
-              <a:rPr lang="bg-BG" dirty="0" smtClean="0">
-                <a:solidFill>
-                  <a:schemeClr val="bg1"/>
+              <a:rPr lang="bg-BG" dirty="0">
+                <a:solidFill>
+                  <a:schemeClr val="accent1">
+                    <a:lumMod val="75000"/>
+                  </a:schemeClr>
                 </a:solidFill>
               </a:rPr>
-              <a:t>През първия ден бяха направени графиките, движението на астероидите и боклуците по орбита около Земята. В края на деня бяха направени и  контролите на героя.</a:t>
-            </a:r>
-          </a:p>
-          <a:p>
-            <a:r>
-              <a:rPr lang="bg-BG" dirty="0" smtClean="0">
-                <a:solidFill>
-                  <a:schemeClr val="bg1"/>
+              <a:t>През първия ден бяха направени графиките, движението на астероидите и боклукът по орбита около Земята. В края на деня бяха направени и  контролите на героя.</a:t>
+            </a:r>
+          </a:p>
+          <a:p>
+            <a:r>
+              <a:rPr lang="bg-BG" dirty="0">
+                <a:solidFill>
+                  <a:schemeClr val="accent1">
+                    <a:lumMod val="75000"/>
+                  </a:schemeClr>
                 </a:solidFill>
               </a:rPr>
               <a:t>През втория ден беше доусъвършенствана играта и беше изготвена презентацията.</a:t>
             </a:r>
-            <a:endParaRPr lang="bg-BG" dirty="0">
-              <a:solidFill>
-                <a:schemeClr val="bg1"/>
-              </a:solidFill>
-            </a:endParaRPr>
           </a:p>
         </p:txBody>
       </p:sp>
     </p:spTree>
-    <p:extLst>
-      <p:ext uri="{BB962C8B-B14F-4D97-AF65-F5344CB8AC3E}">
-        <p14:creationId xmlns:p14="http://schemas.microsoft.com/office/powerpoint/2010/main" val="3955345106"/>
-      </p:ext>
-    </p:extLst>
   </p:cSld>
   <p:clrMapOvr>
     <a:masterClrMapping/>
   </p:clrMapOvr>
+  <mc:AlternateContent xmlns:mc="http://schemas.openxmlformats.org/markup-compatibility/2006" xmlns:p15="http://schemas.microsoft.com/office/powerpoint/2012/main">
+    <mc:Choice Requires="p15">
+      <p:transition xmlns:p14="http://schemas.microsoft.com/office/powerpoint/2010/main" spd="slow" p14:dur="2000">
+        <p15:prstTrans prst="drape"/>
+      </p:transition>
+    </mc:Choice>
+    <mc:Fallback xmlns="">
+      <p:transition spd="slow">
+        <p:fade/>
+      </p:transition>
+    </mc:Fallback>
+  </mc:AlternateContent>
 </p:sld>
 </file>
 
@@ -4022,10 +4935,8 @@
   <p:cSld>
     <p:bg>
       <p:bgPr>
-        <a:blipFill dpi="0" rotWithShape="1">
-          <a:blip r:embed="rId2">
-            <a:lum/>
-          </a:blip>
+        <a:blipFill dpi="0" rotWithShape="0">
+          <a:blip r:embed="rId2"/>
           <a:srcRect/>
           <a:stretch>
             <a:fillRect/>
@@ -4048,9 +4959,56 @@
           <a:chExt cx="0" cy="0"/>
         </a:xfrm>
       </p:grpSpPr>
-      <p:sp>
-        <p:nvSpPr>
-          <p:cNvPr id="2" name="Title 1"/>
+      <p:pic>
+        <p:nvPicPr>
+          <p:cNvPr id="8194" name="Picture 2" descr="Rising Cosmos Wallpaper">
+            <a:extLst>
+              <a:ext uri="{FF2B5EF4-FFF2-40B4-BE49-F238E27FC236}">
+                <a16:creationId xmlns:a16="http://schemas.microsoft.com/office/drawing/2014/main" id="{638729D6-8713-4EB0-8426-D52374252AE8}"/>
+              </a:ext>
+            </a:extLst>
+          </p:cNvPr>
+          <p:cNvPicPr>
+            <a:picLocks noChangeAspect="1" noChangeArrowheads="1"/>
+          </p:cNvPicPr>
+          <p:nvPr/>
+        </p:nvPicPr>
+        <p:blipFill>
+          <a:blip r:embed="rId3">
+            <a:extLst>
+              <a:ext uri="{28A0092B-C50C-407E-A947-70E740481C1C}">
+                <a14:useLocalDpi xmlns:a14="http://schemas.microsoft.com/office/drawing/2010/main" val="0"/>
+              </a:ext>
+            </a:extLst>
+          </a:blip>
+          <a:srcRect/>
+          <a:stretch>
+            <a:fillRect/>
+          </a:stretch>
+        </p:blipFill>
+        <p:spPr bwMode="auto">
+          <a:xfrm>
+            <a:off x="-1" y="-381001"/>
+            <a:ext cx="14155333" cy="7380891"/>
+          </a:xfrm>
+          <a:prstGeom prst="rect">
+            <a:avLst/>
+          </a:prstGeom>
+          <a:noFill/>
+          <a:extLst>
+            <a:ext uri="{909E8E84-426E-40DD-AFC4-6F175D3DCCD1}">
+              <a14:hiddenFill xmlns:a14="http://schemas.microsoft.com/office/drawing/2010/main">
+                <a:solidFill>
+                  <a:srgbClr val="FFFFFF"/>
+                </a:solidFill>
+              </a14:hiddenFill>
+            </a:ext>
+          </a:extLst>
+        </p:spPr>
+      </p:pic>
+      <p:sp>
+        <p:nvSpPr>
+          <p:cNvPr id="20482" name="Title 1"/>
           <p:cNvSpPr>
             <a:spLocks noGrp="1"/>
           </p:cNvSpPr>
@@ -4065,244 +5023,225 @@
           <a:p>
             <a:pPr algn="ctr"/>
             <a:r>
-              <a:rPr lang="bg-BG" dirty="0" smtClean="0">
-                <a:solidFill>
-                  <a:schemeClr val="bg1"/>
+              <a:rPr lang="bg-BG" dirty="0">
+                <a:solidFill>
+                  <a:schemeClr val="accent1">
+                    <a:lumMod val="75000"/>
+                  </a:schemeClr>
                 </a:solidFill>
               </a:rPr>
               <a:t>Преживяванията ни</a:t>
             </a:r>
+          </a:p>
+        </p:txBody>
+      </p:sp>
+      <p:sp>
+        <p:nvSpPr>
+          <p:cNvPr id="20483" name="Content Placeholder 2"/>
+          <p:cNvSpPr>
+            <a:spLocks noGrp="1"/>
+          </p:cNvSpPr>
+          <p:nvPr>
+            <p:ph idx="1"/>
+          </p:nvPr>
+        </p:nvSpPr>
+        <p:spPr/>
+        <p:txBody>
+          <a:bodyPr/>
+          <a:lstStyle/>
+          <a:p>
+            <a:r>
+              <a:rPr lang="bg-BG" dirty="0">
+                <a:solidFill>
+                  <a:schemeClr val="accent1">
+                    <a:lumMod val="75000"/>
+                  </a:schemeClr>
+                </a:solidFill>
+              </a:rPr>
+              <a:t>Александър : </a:t>
+            </a:r>
+            <a:r>
+              <a:rPr lang="ru-RU" dirty="0">
+                <a:solidFill>
+                  <a:schemeClr val="accent1">
+                    <a:lumMod val="75000"/>
+                  </a:schemeClr>
+                </a:solidFill>
+              </a:rPr>
+              <a:t>Научих се как да използвам github и как да правя графика до някаква степен.</a:t>
+            </a:r>
             <a:endParaRPr lang="bg-BG" dirty="0">
               <a:solidFill>
-                <a:schemeClr val="bg1"/>
+                <a:schemeClr val="accent1">
+                  <a:lumMod val="75000"/>
+                </a:schemeClr>
               </a:solidFill>
             </a:endParaRPr>
           </a:p>
-        </p:txBody>
-      </p:sp>
-      <p:sp>
-        <p:nvSpPr>
-          <p:cNvPr id="3" name="Content Placeholder 2"/>
-          <p:cNvSpPr>
-            <a:spLocks noGrp="1"/>
-          </p:cNvSpPr>
-          <p:nvPr>
-            <p:ph idx="1"/>
-          </p:nvPr>
-        </p:nvSpPr>
-        <p:spPr/>
-        <p:txBody>
-          <a:bodyPr/>
-          <a:lstStyle/>
-          <a:p>
-            <a:r>
-              <a:rPr lang="bg-BG" dirty="0" smtClean="0">
-                <a:solidFill>
-                  <a:schemeClr val="bg1"/>
+          <a:p>
+            <a:r>
+              <a:rPr lang="bg-BG" dirty="0">
+                <a:solidFill>
+                  <a:schemeClr val="accent1">
+                    <a:lumMod val="75000"/>
+                  </a:schemeClr>
                 </a:solidFill>
               </a:rPr>
-              <a:t>Александър : </a:t>
-            </a:r>
-            <a:r>
-              <a:rPr lang="ru-RU" dirty="0" smtClean="0">
-                <a:solidFill>
-                  <a:schemeClr val="bg1"/>
+              <a:t>Антон : Научих се да използвам </a:t>
+            </a:r>
+            <a:r>
+              <a:rPr lang="en-US" dirty="0" err="1">
+                <a:solidFill>
+                  <a:schemeClr val="accent1">
+                    <a:lumMod val="75000"/>
+                  </a:schemeClr>
                 </a:solidFill>
               </a:rPr>
-              <a:t>Научих се </a:t>
-            </a:r>
+              <a:t>Github</a:t>
+            </a:r>
+            <a:r>
+              <a:rPr lang="en-US" dirty="0">
+                <a:solidFill>
+                  <a:schemeClr val="accent1">
+                    <a:lumMod val="75000"/>
+                  </a:schemeClr>
+                </a:solidFill>
+              </a:rPr>
+              <a:t>,</a:t>
+            </a:r>
+            <a:r>
+              <a:rPr lang="bg-BG" dirty="0">
+                <a:solidFill>
+                  <a:schemeClr val="accent1">
+                    <a:lumMod val="75000"/>
+                  </a:schemeClr>
+                </a:solidFill>
+              </a:rPr>
+              <a:t> </a:t>
+            </a:r>
+            <a:r>
+              <a:rPr lang="en-US" dirty="0">
+                <a:solidFill>
+                  <a:schemeClr val="accent1">
+                    <a:lumMod val="75000"/>
+                  </a:schemeClr>
+                </a:solidFill>
+              </a:rPr>
+              <a:t> </a:t>
+            </a:r>
+            <a:r>
+              <a:rPr lang="bg-BG" dirty="0">
+                <a:solidFill>
+                  <a:schemeClr val="accent1">
+                    <a:lumMod val="75000"/>
+                  </a:schemeClr>
+                </a:solidFill>
+              </a:rPr>
+              <a:t>графики на презентацията.</a:t>
+            </a:r>
+          </a:p>
+          <a:p>
             <a:r>
               <a:rPr lang="ru-RU" dirty="0">
                 <a:solidFill>
-                  <a:schemeClr val="bg1"/>
+                  <a:schemeClr val="accent1">
+                    <a:lumMod val="75000"/>
+                  </a:schemeClr>
                 </a:solidFill>
               </a:rPr>
-              <a:t>как да използвам github и как да правя графика до някаква степен</a:t>
-            </a:r>
-            <a:r>
-              <a:rPr lang="ru-RU" dirty="0" smtClean="0">
-                <a:solidFill>
-                  <a:schemeClr val="bg1"/>
+              <a:t>Мартин: Научих се да работя с javascript, html canvas и да използвам Github. Освен това се научих да работя в екип.</a:t>
+            </a:r>
+          </a:p>
+          <a:p>
+            <a:r>
+              <a:rPr lang="ru-RU" dirty="0">
+                <a:solidFill>
+                  <a:schemeClr val="accent1">
+                    <a:lumMod val="75000"/>
+                  </a:schemeClr>
+                </a:solidFill>
+              </a:rPr>
+              <a:t>Отбор : </a:t>
+            </a:r>
+            <a:r>
+              <a:rPr lang="en-US" dirty="0">
+                <a:solidFill>
+                  <a:schemeClr val="accent1">
+                    <a:lumMod val="75000"/>
+                  </a:schemeClr>
+                </a:solidFill>
+              </a:rPr>
+              <a:t>“</a:t>
+            </a:r>
+            <a:r>
+              <a:rPr lang="ru-RU" dirty="0">
+                <a:solidFill>
+                  <a:schemeClr val="accent1">
+                    <a:lumMod val="75000"/>
+                  </a:schemeClr>
+                </a:solidFill>
+              </a:rPr>
+              <a:t>Мазните</a:t>
+            </a:r>
+            <a:r>
+              <a:rPr lang="en-US" dirty="0">
+                <a:solidFill>
+                  <a:schemeClr val="accent1">
+                    <a:lumMod val="75000"/>
+                  </a:schemeClr>
+                </a:solidFill>
+              </a:rPr>
+              <a:t>”</a:t>
+            </a:r>
+            <a:r>
+              <a:rPr lang="ru-RU" dirty="0">
+                <a:solidFill>
+                  <a:schemeClr val="accent1">
+                    <a:lumMod val="75000"/>
+                  </a:schemeClr>
                 </a:solidFill>
               </a:rPr>
               <a:t>.</a:t>
             </a:r>
-            <a:endParaRPr lang="bg-BG" dirty="0">
+            <a:endParaRPr lang="en-US" dirty="0">
               <a:solidFill>
-                <a:schemeClr val="bg1"/>
+                <a:schemeClr val="accent1">
+                  <a:lumMod val="75000"/>
+                </a:schemeClr>
               </a:solidFill>
             </a:endParaRPr>
           </a:p>
           <a:p>
             <a:r>
-              <a:rPr lang="bg-BG" dirty="0" smtClean="0">
-                <a:solidFill>
-                  <a:schemeClr val="bg1"/>
-                </a:solidFill>
-              </a:rPr>
-              <a:t>Антон : Научих се да използвам </a:t>
-            </a:r>
-            <a:r>
-              <a:rPr lang="en-US" dirty="0" smtClean="0">
-                <a:solidFill>
-                  <a:schemeClr val="bg1"/>
-                </a:solidFill>
-              </a:rPr>
-              <a:t>Github,</a:t>
-            </a:r>
-            <a:r>
-              <a:rPr lang="bg-BG" dirty="0" smtClean="0">
-                <a:solidFill>
-                  <a:schemeClr val="bg1"/>
-                </a:solidFill>
-              </a:rPr>
-              <a:t> </a:t>
-            </a:r>
-            <a:r>
-              <a:rPr lang="en-US" dirty="0" smtClean="0">
-                <a:solidFill>
-                  <a:schemeClr val="bg1"/>
-                </a:solidFill>
-              </a:rPr>
-              <a:t> </a:t>
-            </a:r>
-            <a:r>
-              <a:rPr lang="bg-BG" dirty="0" smtClean="0">
-                <a:solidFill>
-                  <a:schemeClr val="bg1"/>
-                </a:solidFill>
-              </a:rPr>
-              <a:t>графики на презентацията.</a:t>
-            </a:r>
-            <a:endParaRPr lang="bg-BG" dirty="0">
-              <a:solidFill>
-                <a:schemeClr val="bg1"/>
-              </a:solidFill>
-            </a:endParaRPr>
-          </a:p>
-          <a:p>
-            <a:r>
-              <a:rPr lang="ru-RU" dirty="0" smtClean="0">
-                <a:solidFill>
-                  <a:schemeClr val="bg1"/>
-                </a:solidFill>
-              </a:rPr>
-              <a:t>Мартин</a:t>
-            </a:r>
-            <a:r>
-              <a:rPr lang="ru-RU" dirty="0">
-                <a:solidFill>
-                  <a:schemeClr val="bg1"/>
-                </a:solidFill>
-              </a:rPr>
-              <a:t>: Научих се да работя с javascript, html canvas и да </a:t>
-            </a:r>
-            <a:r>
-              <a:rPr lang="ru-RU" dirty="0" smtClean="0">
-                <a:solidFill>
-                  <a:schemeClr val="bg1"/>
-                </a:solidFill>
-              </a:rPr>
-              <a:t>използвам </a:t>
-            </a:r>
-            <a:r>
-              <a:rPr lang="ru-RU" dirty="0">
-                <a:solidFill>
-                  <a:schemeClr val="bg1"/>
-                </a:solidFill>
-              </a:rPr>
-              <a:t>Github</a:t>
-            </a:r>
-            <a:r>
-              <a:rPr lang="ru-RU" dirty="0" smtClean="0">
-                <a:solidFill>
-                  <a:schemeClr val="bg1"/>
-                </a:solidFill>
-              </a:rPr>
-              <a:t>.</a:t>
-            </a:r>
-          </a:p>
-          <a:p>
-            <a:endParaRPr lang="ru-RU" dirty="0">
-              <a:solidFill>
-                <a:schemeClr val="bg1"/>
-              </a:solidFill>
-            </a:endParaRPr>
-          </a:p>
-          <a:p>
-            <a:r>
-              <a:rPr lang="ru-RU" dirty="0" smtClean="0">
-                <a:solidFill>
-                  <a:schemeClr val="bg1"/>
-                </a:solidFill>
-              </a:rPr>
-              <a:t>Отбор : </a:t>
-            </a:r>
-            <a:r>
-              <a:rPr lang="en-US" dirty="0" smtClean="0">
-                <a:solidFill>
-                  <a:schemeClr val="bg1"/>
-                </a:solidFill>
-              </a:rPr>
-              <a:t>“</a:t>
-            </a:r>
-            <a:r>
-              <a:rPr lang="ru-RU" dirty="0" smtClean="0">
-                <a:solidFill>
-                  <a:schemeClr val="bg1"/>
-                </a:solidFill>
-              </a:rPr>
-              <a:t>Мазните</a:t>
-            </a:r>
-            <a:r>
-              <a:rPr lang="en-US" dirty="0" smtClean="0">
-                <a:solidFill>
-                  <a:schemeClr val="bg1"/>
-                </a:solidFill>
-              </a:rPr>
-              <a:t>”</a:t>
-            </a:r>
-            <a:r>
-              <a:rPr lang="ru-RU" dirty="0" smtClean="0">
-                <a:solidFill>
-                  <a:schemeClr val="bg1"/>
-                </a:solidFill>
-              </a:rPr>
-              <a:t>.</a:t>
-            </a:r>
-            <a:endParaRPr lang="en-US" dirty="0" smtClean="0">
-              <a:solidFill>
-                <a:schemeClr val="bg1"/>
-              </a:solidFill>
-            </a:endParaRPr>
-          </a:p>
-          <a:p>
-            <a:r>
-              <a:rPr lang="bg-BG" dirty="0" smtClean="0">
-                <a:solidFill>
-                  <a:schemeClr val="bg1"/>
+              <a:rPr lang="bg-BG" dirty="0">
+                <a:solidFill>
+                  <a:schemeClr val="accent1">
+                    <a:lumMod val="75000"/>
+                  </a:schemeClr>
                 </a:solidFill>
               </a:rPr>
               <a:t>Ментор : Антонио Милев</a:t>
             </a:r>
-            <a:endParaRPr lang="bg-BG" dirty="0">
-              <a:solidFill>
-                <a:schemeClr val="bg1"/>
-              </a:solidFill>
-            </a:endParaRPr>
           </a:p>
         </p:txBody>
       </p:sp>
     </p:spTree>
-    <p:extLst>
-      <p:ext uri="{BB962C8B-B14F-4D97-AF65-F5344CB8AC3E}">
-        <p14:creationId xmlns:p14="http://schemas.microsoft.com/office/powerpoint/2010/main" val="801701946"/>
-      </p:ext>
-    </p:extLst>
   </p:cSld>
   <p:clrMapOvr>
     <a:masterClrMapping/>
   </p:clrMapOvr>
+  <mc:AlternateContent xmlns:mc="http://schemas.openxmlformats.org/markup-compatibility/2006" xmlns:p14="http://schemas.microsoft.com/office/powerpoint/2010/main">
+    <mc:Choice Requires="p14">
+      <p:transition spd="slow" p14:dur="1200">
+        <p:dissolve/>
+      </p:transition>
+    </mc:Choice>
+    <mc:Fallback xmlns="">
+      <p:transition spd="slow">
+        <p:dissolve/>
+      </p:transition>
+    </mc:Fallback>
+  </mc:AlternateContent>
 </p:sld>
 </file>
 
@@ -4311,10 +5250,8 @@
   <p:cSld>
     <p:bg>
       <p:bgPr>
-        <a:blipFill dpi="0" rotWithShape="1">
-          <a:blip r:embed="rId2">
-            <a:lum/>
-          </a:blip>
+        <a:blipFill dpi="0" rotWithShape="0">
+          <a:blip r:embed="rId2"/>
           <a:srcRect/>
           <a:stretch>
             <a:fillRect/>
@@ -4337,9 +5274,91 @@
           <a:chExt cx="0" cy="0"/>
         </a:xfrm>
       </p:grpSpPr>
-      <p:sp>
-        <p:nvSpPr>
-          <p:cNvPr id="2" name="Title 1"/>
+      <p:pic>
+        <p:nvPicPr>
+          <p:cNvPr id="9220" name="Picture 4" descr="Rising Cosmos Wallpaper">
+            <a:extLst>
+              <a:ext uri="{FF2B5EF4-FFF2-40B4-BE49-F238E27FC236}">
+                <a16:creationId xmlns:a16="http://schemas.microsoft.com/office/drawing/2014/main" id="{1A523119-20D5-45C7-8C01-8D495D029D97}"/>
+              </a:ext>
+            </a:extLst>
+          </p:cNvPr>
+          <p:cNvPicPr>
+            <a:picLocks noChangeAspect="1" noChangeArrowheads="1"/>
+          </p:cNvPicPr>
+          <p:nvPr/>
+        </p:nvPicPr>
+        <p:blipFill>
+          <a:blip r:embed="rId3">
+            <a:extLst>
+              <a:ext uri="{28A0092B-C50C-407E-A947-70E740481C1C}">
+                <a14:useLocalDpi xmlns:a14="http://schemas.microsoft.com/office/drawing/2010/main" val="0"/>
+              </a:ext>
+            </a:extLst>
+          </a:blip>
+          <a:srcRect/>
+          <a:stretch>
+            <a:fillRect/>
+          </a:stretch>
+        </p:blipFill>
+        <p:spPr bwMode="auto">
+          <a:xfrm>
+            <a:off x="0" y="-719328"/>
+            <a:ext cx="12192000" cy="7577328"/>
+          </a:xfrm>
+          <a:prstGeom prst="rect">
+            <a:avLst/>
+          </a:prstGeom>
+          <a:noFill/>
+          <a:extLst>
+            <a:ext uri="{909E8E84-426E-40DD-AFC4-6F175D3DCCD1}">
+              <a14:hiddenFill xmlns:a14="http://schemas.microsoft.com/office/drawing/2010/main">
+                <a:solidFill>
+                  <a:srgbClr val="FFFFFF"/>
+                </a:solidFill>
+              </a14:hiddenFill>
+            </a:ext>
+          </a:extLst>
+        </p:spPr>
+      </p:pic>
+      <p:sp>
+        <p:nvSpPr>
+          <p:cNvPr id="4" name="Text Placeholder 3"/>
+          <p:cNvSpPr>
+            <a:spLocks noGrp="1"/>
+          </p:cNvSpPr>
+          <p:nvPr>
+            <p:ph type="body" idx="1"/>
+          </p:nvPr>
+        </p:nvSpPr>
+        <p:spPr/>
+        <p:txBody>
+          <a:bodyPr rtlCol="0">
+            <a:normAutofit/>
+          </a:bodyPr>
+          <a:lstStyle/>
+          <a:p>
+            <a:pPr algn="ctr" fontAlgn="auto">
+              <a:spcAft>
+                <a:spcPts val="0"/>
+              </a:spcAft>
+              <a:buFont typeface="Arial" panose="020B0604020202020204" pitchFamily="34" charset="0"/>
+              <a:buNone/>
+              <a:defRPr/>
+            </a:pPr>
+            <a:endParaRPr lang="bg-BG" dirty="0"/>
+          </a:p>
+        </p:txBody>
+      </p:sp>
+      <p:sp>
+        <p:nvSpPr>
+          <p:cNvPr id="2" name="Title 1">
+            <a:extLst>
+              <a:ext uri="{FF2B5EF4-FFF2-40B4-BE49-F238E27FC236}">
+                <a16:creationId xmlns:a16="http://schemas.microsoft.com/office/drawing/2014/main" id="{7C36FCF0-D423-4655-AB84-B794386BA960}"/>
+              </a:ext>
+            </a:extLst>
+          </p:cNvPr>
           <p:cNvSpPr>
             <a:spLocks noGrp="1"/>
           </p:cNvSpPr>
@@ -4349,61 +5368,44 @@
         </p:nvSpPr>
         <p:spPr>
           <a:xfrm>
-            <a:off x="831850" y="1736333"/>
-            <a:ext cx="10515600" cy="2853130"/>
+            <a:off x="1438656" y="-719328"/>
+            <a:ext cx="9713722" cy="2462783"/>
           </a:xfrm>
         </p:spPr>
         <p:txBody>
           <a:bodyPr/>
           <a:lstStyle/>
           <a:p>
-            <a:pPr algn="ctr"/>
-            <a:r>
-              <a:rPr lang="bg-BG" dirty="0" smtClean="0">
-                <a:solidFill>
-                  <a:schemeClr val="bg1"/>
+            <a:r>
+              <a:rPr lang="bg-BG" dirty="0">
+                <a:solidFill>
+                  <a:schemeClr val="accent1">
+                    <a:lumMod val="75000"/>
+                  </a:schemeClr>
                 </a:solidFill>
               </a:rPr>
-              <a:t>Благодаря за вниманието!</a:t>
-            </a:r>
-            <a:r>
-              <a:rPr lang="bg-BG" dirty="0" smtClean="0"/>
-              <a:t> </a:t>
-            </a:r>
-            <a:endParaRPr lang="bg-BG" dirty="0"/>
-          </a:p>
-        </p:txBody>
-      </p:sp>
-      <p:sp>
-        <p:nvSpPr>
-          <p:cNvPr id="4" name="Text Placeholder 3"/>
-          <p:cNvSpPr>
-            <a:spLocks noGrp="1"/>
-          </p:cNvSpPr>
-          <p:nvPr>
-            <p:ph type="body" idx="1"/>
-          </p:nvPr>
-        </p:nvSpPr>
-        <p:spPr/>
-        <p:txBody>
-          <a:bodyPr/>
-          <a:lstStyle/>
-          <a:p>
-            <a:pPr algn="ctr"/>
-            <a:endParaRPr lang="bg-BG" dirty="0"/>
+              <a:t>Благодарим за вниманието!</a:t>
+            </a:r>
           </a:p>
         </p:txBody>
       </p:sp>
     </p:spTree>
-    <p:extLst>
-      <p:ext uri="{BB962C8B-B14F-4D97-AF65-F5344CB8AC3E}">
-        <p14:creationId xmlns:p14="http://schemas.microsoft.com/office/powerpoint/2010/main" val="1346518982"/>
-      </p:ext>
-    </p:extLst>
   </p:cSld>
   <p:clrMapOvr>
     <a:masterClrMapping/>
   </p:clrMapOvr>
+  <mc:AlternateContent xmlns:mc="http://schemas.openxmlformats.org/markup-compatibility/2006" xmlns:p15="http://schemas.microsoft.com/office/powerpoint/2012/main">
+    <mc:Choice Requires="p15">
+      <p:transition xmlns:p14="http://schemas.microsoft.com/office/powerpoint/2010/main" spd="slow" p14:dur="6000">
+        <p15:prstTrans prst="curtains"/>
+      </p:transition>
+    </mc:Choice>
+    <mc:Fallback xmlns="">
+      <p:transition spd="slow">
+        <p:fade/>
+      </p:transition>
+    </mc:Fallback>
+  </mc:AlternateContent>
 </p:sld>
 </file>
 
@@ -4450,7 +5452,7 @@
     </a:clrScheme>
     <a:fontScheme name="Office">
       <a:majorFont>
-        <a:latin typeface="Calibri Light" panose="020F0302020204030204"/>
+        <a:latin typeface="Calibri Light"/>
         <a:ea typeface=""/>
         <a:cs typeface=""/>
         <a:font script="Jpan" typeface="游ゴシック Light"/>
@@ -4485,7 +5487,7 @@
         <a:font script="Geor" typeface="Sylfaen"/>
       </a:majorFont>
       <a:minorFont>
-        <a:latin typeface="Calibri" panose="020F0502020204030204"/>
+        <a:latin typeface="Calibri"/>
         <a:ea typeface=""/>
         <a:cs typeface=""/>
         <a:font script="Jpan" typeface="游ゴシック"/>

--- a/SPACE FUN.pptx
+++ b/SPACE FUN.pptx
@@ -302,7 +302,7 @@
               <a:pPr>
                 <a:defRPr/>
               </a:pPr>
-              <a:t>12.3.2022 г.</a:t>
+              <a:t>12.03.2022</a:t>
             </a:fld>
             <a:endParaRPr lang="bg-BG"/>
           </a:p>
@@ -494,7 +494,7 @@
               <a:pPr>
                 <a:defRPr/>
               </a:pPr>
-              <a:t>12.3.2022 г.</a:t>
+              <a:t>12.03.2022</a:t>
             </a:fld>
             <a:endParaRPr lang="bg-BG"/>
           </a:p>
@@ -696,7 +696,7 @@
               <a:pPr>
                 <a:defRPr/>
               </a:pPr>
-              <a:t>12.3.2022 г.</a:t>
+              <a:t>12.03.2022</a:t>
             </a:fld>
             <a:endParaRPr lang="bg-BG"/>
           </a:p>
@@ -888,7 +888,7 @@
               <a:pPr>
                 <a:defRPr/>
               </a:pPr>
-              <a:t>12.3.2022 г.</a:t>
+              <a:t>12.03.2022</a:t>
             </a:fld>
             <a:endParaRPr lang="bg-BG"/>
           </a:p>
@@ -1156,7 +1156,7 @@
               <a:pPr>
                 <a:defRPr/>
               </a:pPr>
-              <a:t>12.3.2022 г.</a:t>
+              <a:t>12.03.2022</a:t>
             </a:fld>
             <a:endParaRPr lang="bg-BG"/>
           </a:p>
@@ -1410,7 +1410,7 @@
               <a:pPr>
                 <a:defRPr/>
               </a:pPr>
-              <a:t>12.3.2022 г.</a:t>
+              <a:t>12.03.2022</a:t>
             </a:fld>
             <a:endParaRPr lang="bg-BG"/>
           </a:p>
@@ -1799,7 +1799,7 @@
               <a:pPr>
                 <a:defRPr/>
               </a:pPr>
-              <a:t>12.3.2022 г.</a:t>
+              <a:t>12.03.2022</a:t>
             </a:fld>
             <a:endParaRPr lang="bg-BG"/>
           </a:p>
@@ -1939,7 +1939,7 @@
               <a:pPr>
                 <a:defRPr/>
               </a:pPr>
-              <a:t>12.3.2022 г.</a:t>
+              <a:t>12.03.2022</a:t>
             </a:fld>
             <a:endParaRPr lang="bg-BG"/>
           </a:p>
@@ -2056,7 +2056,7 @@
               <a:pPr>
                 <a:defRPr/>
               </a:pPr>
-              <a:t>12.3.2022 г.</a:t>
+              <a:t>12.03.2022</a:t>
             </a:fld>
             <a:endParaRPr lang="bg-BG"/>
           </a:p>
@@ -2355,7 +2355,7 @@
               <a:pPr>
                 <a:defRPr/>
               </a:pPr>
-              <a:t>12.3.2022 г.</a:t>
+              <a:t>12.03.2022</a:t>
             </a:fld>
             <a:endParaRPr lang="bg-BG"/>
           </a:p>
@@ -2633,7 +2633,7 @@
               <a:pPr>
                 <a:defRPr/>
               </a:pPr>
-              <a:t>12.3.2022 г.</a:t>
+              <a:t>12.03.2022</a:t>
             </a:fld>
             <a:endParaRPr lang="bg-BG"/>
           </a:p>
@@ -2891,7 +2891,7 @@
               <a:pPr>
                 <a:defRPr/>
               </a:pPr>
-              <a:t>12.3.2022 г.</a:t>
+              <a:t>12.03.2022</a:t>
             </a:fld>
             <a:endParaRPr lang="bg-BG"/>
           </a:p>
@@ -3642,13 +3642,13 @@
   <p:clrMapOvr>
     <a:masterClrMapping/>
   </p:clrMapOvr>
-  <mc:AlternateContent xmlns:mc="http://schemas.openxmlformats.org/markup-compatibility/2006" xmlns:p15="http://schemas.microsoft.com/office/powerpoint/2012/main">
-    <mc:Choice Requires="p15">
+  <mc:AlternateContent xmlns:mc="http://schemas.openxmlformats.org/markup-compatibility/2006">
+    <mc:Choice xmlns:p15="http://schemas.microsoft.com/office/powerpoint/2012/main" Requires="p15">
       <p:transition xmlns:p14="http://schemas.microsoft.com/office/powerpoint/2010/main" spd="slow" p14:dur="6000">
         <p15:prstTrans prst="curtains"/>
       </p:transition>
     </mc:Choice>
-    <mc:Fallback xmlns="">
+    <mc:Fallback>
       <p:transition spd="slow">
         <p:fade/>
       </p:transition>
@@ -3855,13 +3855,13 @@
   <p:clrMapOvr>
     <a:masterClrMapping/>
   </p:clrMapOvr>
-  <mc:AlternateContent xmlns:mc="http://schemas.openxmlformats.org/markup-compatibility/2006" xmlns:p15="http://schemas.microsoft.com/office/powerpoint/2012/main">
-    <mc:Choice Requires="p15">
+  <mc:AlternateContent xmlns:mc="http://schemas.openxmlformats.org/markup-compatibility/2006">
+    <mc:Choice xmlns:p15="http://schemas.microsoft.com/office/powerpoint/2012/main" Requires="p15">
       <p:transition xmlns:p14="http://schemas.microsoft.com/office/powerpoint/2010/main" spd="slow" p14:dur="2000">
         <p15:prstTrans prst="wind"/>
       </p:transition>
     </mc:Choice>
-    <mc:Fallback xmlns="">
+    <mc:Fallback>
       <p:transition spd="slow">
         <p:fade/>
       </p:transition>
@@ -4043,13 +4043,13 @@
   <p:clrMapOvr>
     <a:masterClrMapping/>
   </p:clrMapOvr>
-  <mc:AlternateContent xmlns:mc="http://schemas.openxmlformats.org/markup-compatibility/2006" xmlns:p15="http://schemas.microsoft.com/office/powerpoint/2012/main">
-    <mc:Choice Requires="p15">
+  <mc:AlternateContent xmlns:mc="http://schemas.openxmlformats.org/markup-compatibility/2006">
+    <mc:Choice xmlns:p15="http://schemas.microsoft.com/office/powerpoint/2012/main" Requires="p15">
       <p:transition xmlns:p14="http://schemas.microsoft.com/office/powerpoint/2010/main" spd="slow" p14:dur="2000">
         <p15:prstTrans prst="prestige"/>
       </p:transition>
     </mc:Choice>
-    <mc:Fallback xmlns="">
+    <mc:Fallback>
       <p:transition spd="slow">
         <p:fade/>
       </p:transition>
@@ -4239,13 +4239,13 @@
   <p:clrMapOvr>
     <a:masterClrMapping/>
   </p:clrMapOvr>
-  <mc:AlternateContent xmlns:mc="http://schemas.openxmlformats.org/markup-compatibility/2006" xmlns:p15="http://schemas.microsoft.com/office/powerpoint/2012/main">
-    <mc:Choice Requires="p15">
+  <mc:AlternateContent xmlns:mc="http://schemas.openxmlformats.org/markup-compatibility/2006">
+    <mc:Choice xmlns:p15="http://schemas.microsoft.com/office/powerpoint/2012/main" Requires="p15">
       <p:transition xmlns:p14="http://schemas.microsoft.com/office/powerpoint/2010/main" spd="slow" p14:dur="1250">
         <p15:prstTrans prst="peelOff"/>
       </p:transition>
     </mc:Choice>
-    <mc:Fallback xmlns="">
+    <mc:Fallback>
       <p:transition spd="slow">
         <p:fade/>
       </p:transition>
@@ -4445,13 +4445,13 @@
   <p:clrMapOvr>
     <a:masterClrMapping/>
   </p:clrMapOvr>
-  <mc:AlternateContent xmlns:mc="http://schemas.openxmlformats.org/markup-compatibility/2006" xmlns:p15="http://schemas.microsoft.com/office/powerpoint/2012/main">
-    <mc:Choice Requires="p15">
+  <mc:AlternateContent xmlns:mc="http://schemas.openxmlformats.org/markup-compatibility/2006">
+    <mc:Choice xmlns:p15="http://schemas.microsoft.com/office/powerpoint/2012/main" Requires="p15">
       <p:transition xmlns:p14="http://schemas.microsoft.com/office/powerpoint/2010/main" spd="slow" p14:dur="2000">
         <p15:prstTrans prst="crush"/>
       </p:transition>
     </mc:Choice>
-    <mc:Fallback xmlns="">
+    <mc:Fallback>
       <p:transition spd="slow">
         <p:fade/>
       </p:transition>
@@ -4745,13 +4745,13 @@
   <p:clrMapOvr>
     <a:masterClrMapping/>
   </p:clrMapOvr>
-  <mc:AlternateContent xmlns:mc="http://schemas.openxmlformats.org/markup-compatibility/2006" xmlns:p15="http://schemas.microsoft.com/office/powerpoint/2012/main">
-    <mc:Choice Requires="p15">
+  <mc:AlternateContent xmlns:mc="http://schemas.openxmlformats.org/markup-compatibility/2006">
+    <mc:Choice xmlns:p15="http://schemas.microsoft.com/office/powerpoint/2012/main" Requires="p15">
       <p:transition xmlns:p14="http://schemas.microsoft.com/office/powerpoint/2010/main" spd="slow" p14:dur="3250">
         <p15:prstTrans prst="origami"/>
       </p:transition>
     </mc:Choice>
-    <mc:Fallback xmlns="">
+    <mc:Fallback>
       <p:transition spd="slow">
         <p:fade/>
       </p:transition>
@@ -4915,13 +4915,13 @@
   <p:clrMapOvr>
     <a:masterClrMapping/>
   </p:clrMapOvr>
-  <mc:AlternateContent xmlns:mc="http://schemas.openxmlformats.org/markup-compatibility/2006" xmlns:p15="http://schemas.microsoft.com/office/powerpoint/2012/main">
-    <mc:Choice Requires="p15">
+  <mc:AlternateContent xmlns:mc="http://schemas.openxmlformats.org/markup-compatibility/2006">
+    <mc:Choice xmlns:p15="http://schemas.microsoft.com/office/powerpoint/2012/main" Requires="p15">
       <p:transition xmlns:p14="http://schemas.microsoft.com/office/powerpoint/2010/main" spd="slow" p14:dur="2000">
         <p15:prstTrans prst="drape"/>
       </p:transition>
     </mc:Choice>
-    <mc:Fallback xmlns="">
+    <mc:Fallback>
       <p:transition spd="slow">
         <p:fade/>
       </p:transition>
@@ -5230,13 +5230,13 @@
   <p:clrMapOvr>
     <a:masterClrMapping/>
   </p:clrMapOvr>
-  <mc:AlternateContent xmlns:mc="http://schemas.openxmlformats.org/markup-compatibility/2006" xmlns:p14="http://schemas.microsoft.com/office/powerpoint/2010/main">
-    <mc:Choice Requires="p14">
+  <mc:AlternateContent xmlns:mc="http://schemas.openxmlformats.org/markup-compatibility/2006">
+    <mc:Choice xmlns:p14="http://schemas.microsoft.com/office/powerpoint/2010/main" Requires="p14">
       <p:transition spd="slow" p14:dur="1200">
         <p:dissolve/>
       </p:transition>
     </mc:Choice>
-    <mc:Fallback xmlns="">
+    <mc:Fallback>
       <p:transition spd="slow">
         <p:dissolve/>
       </p:transition>
@@ -5394,13 +5394,13 @@
   <p:clrMapOvr>
     <a:masterClrMapping/>
   </p:clrMapOvr>
-  <mc:AlternateContent xmlns:mc="http://schemas.openxmlformats.org/markup-compatibility/2006" xmlns:p15="http://schemas.microsoft.com/office/powerpoint/2012/main">
-    <mc:Choice Requires="p15">
+  <mc:AlternateContent xmlns:mc="http://schemas.openxmlformats.org/markup-compatibility/2006">
+    <mc:Choice xmlns:p15="http://schemas.microsoft.com/office/powerpoint/2012/main" Requires="p15">
       <p:transition xmlns:p14="http://schemas.microsoft.com/office/powerpoint/2010/main" spd="slow" p14:dur="6000">
         <p15:prstTrans prst="curtains"/>
       </p:transition>
     </mc:Choice>
-    <mc:Fallback xmlns="">
+    <mc:Fallback>
       <p:transition spd="slow">
         <p:fade/>
       </p:transition>
